--- a/suction_grid0.5_stationary/suction.pptx
+++ b/suction_grid0.5_stationary/suction.pptx
@@ -151,7 +151,7 @@
 </file>
 
 <file path=ppt/charts/chart1.xml><?xml version="1.0" encoding="utf-8"?>
-<c:chartSpace xmlns:c="http://schemas.openxmlformats.org/drawingml/2006/chart" xmlns:a="http://schemas.openxmlformats.org/drawingml/2006/main" xmlns:r="http://schemas.openxmlformats.org/officeDocument/2006/relationships">
+<c:chartSpace xmlns:c="http://schemas.openxmlformats.org/drawingml/2006/chart" xmlns:a="http://schemas.openxmlformats.org/drawingml/2006/main" xmlns:r="http://schemas.openxmlformats.org/officeDocument/2006/relationships" xmlns:c16r2="http://schemas.microsoft.com/office/drawing/2015/06/chart">
   <c:date1904 val="0"/>
   <c:lang val="ja-JP"/>
   <c:roundedCorners val="0"/>
@@ -279,6 +279,11 @@
               </c:numCache>
             </c:numRef>
           </c:val>
+          <c:extLst>
+            <c:ext xmlns:c16="http://schemas.microsoft.com/office/drawing/2014/chart" uri="{C3380CC4-5D6E-409C-BE32-E72D297353CC}">
+              <c16:uniqueId val="{00000000-C6CB-A649-A7D7-8D555D78C3DD}"/>
+            </c:ext>
+          </c:extLst>
         </c:ser>
         <c:ser>
           <c:idx val="1"/>
@@ -309,6 +314,11 @@
               </a:ln>
               <a:effectLst/>
             </c:spPr>
+            <c:extLst>
+              <c:ext xmlns:c16="http://schemas.microsoft.com/office/drawing/2014/chart" uri="{C3380CC4-5D6E-409C-BE32-E72D297353CC}">
+                <c16:uniqueId val="{00000002-C6CB-A649-A7D7-8D555D78C3DD}"/>
+              </c:ext>
+            </c:extLst>
           </c:dPt>
           <c:dPt>
             <c:idx val="1"/>
@@ -323,6 +333,11 @@
               </a:ln>
               <a:effectLst/>
             </c:spPr>
+            <c:extLst>
+              <c:ext xmlns:c16="http://schemas.microsoft.com/office/drawing/2014/chart" uri="{C3380CC4-5D6E-409C-BE32-E72D297353CC}">
+                <c16:uniqueId val="{00000004-C6CB-A649-A7D7-8D555D78C3DD}"/>
+              </c:ext>
+            </c:extLst>
           </c:dPt>
           <c:dPt>
             <c:idx val="2"/>
@@ -337,6 +352,11 @@
               </a:ln>
               <a:effectLst/>
             </c:spPr>
+            <c:extLst>
+              <c:ext xmlns:c16="http://schemas.microsoft.com/office/drawing/2014/chart" uri="{C3380CC4-5D6E-409C-BE32-E72D297353CC}">
+                <c16:uniqueId val="{00000006-C6CB-A649-A7D7-8D555D78C3DD}"/>
+              </c:ext>
+            </c:extLst>
           </c:dPt>
           <c:cat>
             <c:strRef>
@@ -373,6 +393,11 @@
               </c:numCache>
             </c:numRef>
           </c:val>
+          <c:extLst>
+            <c:ext xmlns:c16="http://schemas.microsoft.com/office/drawing/2014/chart" uri="{C3380CC4-5D6E-409C-BE32-E72D297353CC}">
+              <c16:uniqueId val="{00000007-C6CB-A649-A7D7-8D555D78C3DD}"/>
+            </c:ext>
+          </c:extLst>
         </c:ser>
         <c:ser>
           <c:idx val="2"/>
@@ -425,6 +450,11 @@
               </c:numCache>
             </c:numRef>
           </c:val>
+          <c:extLst>
+            <c:ext xmlns:c16="http://schemas.microsoft.com/office/drawing/2014/chart" uri="{C3380CC4-5D6E-409C-BE32-E72D297353CC}">
+              <c16:uniqueId val="{00000008-C6CB-A649-A7D7-8D555D78C3DD}"/>
+            </c:ext>
+          </c:extLst>
         </c:ser>
         <c:ser>
           <c:idx val="3"/>
@@ -477,6 +507,11 @@
               </c:numCache>
             </c:numRef>
           </c:val>
+          <c:extLst>
+            <c:ext xmlns:c16="http://schemas.microsoft.com/office/drawing/2014/chart" uri="{C3380CC4-5D6E-409C-BE32-E72D297353CC}">
+              <c16:uniqueId val="{00000009-C6CB-A649-A7D7-8D555D78C3DD}"/>
+            </c:ext>
+          </c:extLst>
         </c:ser>
         <c:ser>
           <c:idx val="4"/>
@@ -529,6 +564,11 @@
               </c:numCache>
             </c:numRef>
           </c:val>
+          <c:extLst>
+            <c:ext xmlns:c16="http://schemas.microsoft.com/office/drawing/2014/chart" uri="{C3380CC4-5D6E-409C-BE32-E72D297353CC}">
+              <c16:uniqueId val="{0000000A-C6CB-A649-A7D7-8D555D78C3DD}"/>
+            </c:ext>
+          </c:extLst>
         </c:ser>
         <c:dLbls>
           <c:showLegendKey val="0"/>
@@ -701,7 +741,7 @@
 </file>
 
 <file path=ppt/charts/chart2.xml><?xml version="1.0" encoding="utf-8"?>
-<c:chartSpace xmlns:c="http://schemas.openxmlformats.org/drawingml/2006/chart" xmlns:a="http://schemas.openxmlformats.org/drawingml/2006/main" xmlns:r="http://schemas.openxmlformats.org/officeDocument/2006/relationships">
+<c:chartSpace xmlns:c="http://schemas.openxmlformats.org/drawingml/2006/chart" xmlns:a="http://schemas.openxmlformats.org/drawingml/2006/main" xmlns:r="http://schemas.openxmlformats.org/officeDocument/2006/relationships" xmlns:c16r2="http://schemas.microsoft.com/office/drawing/2015/06/chart">
   <c:date1904 val="0"/>
   <c:lang val="ja-JP"/>
   <c:roundedCorners val="0"/>
@@ -825,6 +865,11 @@
               </c:numCache>
             </c:numRef>
           </c:val>
+          <c:extLst>
+            <c:ext xmlns:c16="http://schemas.microsoft.com/office/drawing/2014/chart" uri="{C3380CC4-5D6E-409C-BE32-E72D297353CC}">
+              <c16:uniqueId val="{00000000-4A8E-3743-984C-914515DC2E28}"/>
+            </c:ext>
+          </c:extLst>
         </c:ser>
         <c:ser>
           <c:idx val="1"/>
@@ -874,6 +919,11 @@
               </c:numCache>
             </c:numRef>
           </c:val>
+          <c:extLst>
+            <c:ext xmlns:c16="http://schemas.microsoft.com/office/drawing/2014/chart" uri="{C3380CC4-5D6E-409C-BE32-E72D297353CC}">
+              <c16:uniqueId val="{00000001-4A8E-3743-984C-914515DC2E28}"/>
+            </c:ext>
+          </c:extLst>
         </c:ser>
         <c:ser>
           <c:idx val="2"/>
@@ -923,6 +973,11 @@
               </c:numCache>
             </c:numRef>
           </c:val>
+          <c:extLst>
+            <c:ext xmlns:c16="http://schemas.microsoft.com/office/drawing/2014/chart" uri="{C3380CC4-5D6E-409C-BE32-E72D297353CC}">
+              <c16:uniqueId val="{00000002-4A8E-3743-984C-914515DC2E28}"/>
+            </c:ext>
+          </c:extLst>
         </c:ser>
         <c:ser>
           <c:idx val="3"/>
@@ -972,6 +1027,11 @@
               </c:numCache>
             </c:numRef>
           </c:val>
+          <c:extLst>
+            <c:ext xmlns:c16="http://schemas.microsoft.com/office/drawing/2014/chart" uri="{C3380CC4-5D6E-409C-BE32-E72D297353CC}">
+              <c16:uniqueId val="{00000003-4A8E-3743-984C-914515DC2E28}"/>
+            </c:ext>
+          </c:extLst>
         </c:ser>
         <c:ser>
           <c:idx val="4"/>
@@ -1021,6 +1081,11 @@
               </c:numCache>
             </c:numRef>
           </c:val>
+          <c:extLst>
+            <c:ext xmlns:c16="http://schemas.microsoft.com/office/drawing/2014/chart" uri="{C3380CC4-5D6E-409C-BE32-E72D297353CC}">
+              <c16:uniqueId val="{00000004-4A8E-3743-984C-914515DC2E28}"/>
+            </c:ext>
+          </c:extLst>
         </c:ser>
         <c:dLbls>
           <c:showLegendKey val="0"/>
@@ -2363,7 +2428,7 @@
           <a:p>
             <a:fld id="{D052FF8A-4899-49C0-8C60-4DC8CBEDC3E6}" type="datetimeFigureOut">
               <a:rPr kumimoji="1" lang="ja-JP" altLang="en-US" smtClean="0"/>
-              <a:t>2018/7/17</a:t>
+              <a:t>2018/7/30</a:t>
             </a:fld>
             <a:endParaRPr kumimoji="1" lang="ja-JP" altLang="en-US"/>
           </a:p>
@@ -2427,70 +2492,69 @@
           <a:p>
             <a:pPr lvl="0"/>
             <a:r>
-              <a:rPr kumimoji="1" lang="ja-JP" altLang="en-US" smtClean="0"/>
+              <a:rPr kumimoji="1" lang="ja-JP" altLang="en-US"/>
               <a:t>マスター テキストの書式設定</a:t>
             </a:r>
           </a:p>
           <a:p>
             <a:pPr lvl="1"/>
             <a:r>
-              <a:rPr kumimoji="1" lang="ja-JP" altLang="en-US" smtClean="0"/>
+              <a:rPr kumimoji="1" lang="ja-JP" altLang="en-US"/>
               <a:t>第 </a:t>
             </a:r>
             <a:r>
-              <a:rPr kumimoji="1" lang="en-US" altLang="ja-JP" smtClean="0"/>
+              <a:rPr kumimoji="1" lang="en-US" altLang="ja-JP"/>
               <a:t>2 </a:t>
             </a:r>
             <a:r>
-              <a:rPr kumimoji="1" lang="ja-JP" altLang="en-US" smtClean="0"/>
+              <a:rPr kumimoji="1" lang="ja-JP" altLang="en-US"/>
               <a:t>レベル</a:t>
             </a:r>
           </a:p>
           <a:p>
             <a:pPr lvl="2"/>
             <a:r>
-              <a:rPr kumimoji="1" lang="ja-JP" altLang="en-US" smtClean="0"/>
+              <a:rPr kumimoji="1" lang="ja-JP" altLang="en-US"/>
               <a:t>第 </a:t>
             </a:r>
             <a:r>
-              <a:rPr kumimoji="1" lang="en-US" altLang="ja-JP" smtClean="0"/>
+              <a:rPr kumimoji="1" lang="en-US" altLang="ja-JP"/>
               <a:t>3 </a:t>
             </a:r>
             <a:r>
-              <a:rPr kumimoji="1" lang="ja-JP" altLang="en-US" smtClean="0"/>
+              <a:rPr kumimoji="1" lang="ja-JP" altLang="en-US"/>
               <a:t>レベル</a:t>
             </a:r>
           </a:p>
           <a:p>
             <a:pPr lvl="3"/>
             <a:r>
-              <a:rPr kumimoji="1" lang="ja-JP" altLang="en-US" smtClean="0"/>
+              <a:rPr kumimoji="1" lang="ja-JP" altLang="en-US"/>
               <a:t>第 </a:t>
             </a:r>
             <a:r>
-              <a:rPr kumimoji="1" lang="en-US" altLang="ja-JP" smtClean="0"/>
+              <a:rPr kumimoji="1" lang="en-US" altLang="ja-JP"/>
               <a:t>4 </a:t>
             </a:r>
             <a:r>
-              <a:rPr kumimoji="1" lang="ja-JP" altLang="en-US" smtClean="0"/>
+              <a:rPr kumimoji="1" lang="ja-JP" altLang="en-US"/>
               <a:t>レベル</a:t>
             </a:r>
           </a:p>
           <a:p>
             <a:pPr lvl="4"/>
             <a:r>
-              <a:rPr kumimoji="1" lang="ja-JP" altLang="en-US" smtClean="0"/>
+              <a:rPr kumimoji="1" lang="ja-JP" altLang="en-US"/>
               <a:t>第 </a:t>
             </a:r>
             <a:r>
-              <a:rPr kumimoji="1" lang="en-US" altLang="ja-JP" smtClean="0"/>
+              <a:rPr kumimoji="1" lang="en-US" altLang="ja-JP"/>
               <a:t>5 </a:t>
             </a:r>
             <a:r>
-              <a:rPr kumimoji="1" lang="ja-JP" altLang="en-US" smtClean="0"/>
+              <a:rPr kumimoji="1" lang="ja-JP" altLang="en-US"/>
               <a:t>レベル</a:t>
             </a:r>
-            <a:endParaRPr kumimoji="1" lang="ja-JP" altLang="en-US"/>
           </a:p>
         </p:txBody>
       </p:sp>
@@ -2663,6 +2727,90 @@
 </p:notesMaster>
 </file>
 
+<file path=ppt/notesSlides/notesSlide1.xml><?xml version="1.0" encoding="utf-8"?>
+<p:notes xmlns:a="http://schemas.openxmlformats.org/drawingml/2006/main" xmlns:r="http://schemas.openxmlformats.org/officeDocument/2006/relationships" xmlns:p="http://schemas.openxmlformats.org/presentationml/2006/main">
+  <p:cSld>
+    <p:spTree>
+      <p:nvGrpSpPr>
+        <p:cNvPr id="1" name=""/>
+        <p:cNvGrpSpPr/>
+        <p:nvPr/>
+      </p:nvGrpSpPr>
+      <p:grpSpPr>
+        <a:xfrm>
+          <a:off x="0" y="0"/>
+          <a:ext cx="0" cy="0"/>
+          <a:chOff x="0" y="0"/>
+          <a:chExt cx="0" cy="0"/>
+        </a:xfrm>
+      </p:grpSpPr>
+      <p:sp>
+        <p:nvSpPr>
+          <p:cNvPr id="2" name="スライド イメージ プレースホルダー 1"/>
+          <p:cNvSpPr>
+            <a:spLocks noGrp="1" noRot="1" noChangeAspect="1"/>
+          </p:cNvSpPr>
+          <p:nvPr>
+            <p:ph type="sldImg"/>
+          </p:nvPr>
+        </p:nvSpPr>
+        <p:spPr/>
+      </p:sp>
+      <p:sp>
+        <p:nvSpPr>
+          <p:cNvPr id="3" name="ノート プレースホルダー 2"/>
+          <p:cNvSpPr>
+            <a:spLocks noGrp="1"/>
+          </p:cNvSpPr>
+          <p:nvPr>
+            <p:ph type="body" idx="1"/>
+          </p:nvPr>
+        </p:nvSpPr>
+        <p:spPr/>
+        <p:txBody>
+          <a:bodyPr/>
+          <a:lstStyle/>
+          <a:p>
+            <a:endParaRPr kumimoji="1" lang="ja-JP" altLang="en-US"/>
+          </a:p>
+        </p:txBody>
+      </p:sp>
+      <p:sp>
+        <p:nvSpPr>
+          <p:cNvPr id="4" name="スライド番号プレースホルダー 3"/>
+          <p:cNvSpPr>
+            <a:spLocks noGrp="1"/>
+          </p:cNvSpPr>
+          <p:nvPr>
+            <p:ph type="sldNum" sz="quarter" idx="10"/>
+          </p:nvPr>
+        </p:nvSpPr>
+        <p:spPr/>
+        <p:txBody>
+          <a:bodyPr/>
+          <a:lstStyle/>
+          <a:p>
+            <a:fld id="{8726D7AE-D800-4044-BB50-217E18DF8697}" type="slidenum">
+              <a:rPr kumimoji="1" lang="ja-JP" altLang="en-US" smtClean="0"/>
+              <a:t>1</a:t>
+            </a:fld>
+            <a:endParaRPr kumimoji="1" lang="ja-JP" altLang="en-US"/>
+          </a:p>
+        </p:txBody>
+      </p:sp>
+    </p:spTree>
+    <p:extLst>
+      <p:ext uri="{BB962C8B-B14F-4D97-AF65-F5344CB8AC3E}">
+        <p14:creationId xmlns:p14="http://schemas.microsoft.com/office/powerpoint/2010/main" val="731963000"/>
+      </p:ext>
+    </p:extLst>
+  </p:cSld>
+  <p:clrMapOvr>
+    <a:masterClrMapping/>
+  </p:clrMapOvr>
+</p:notes>
+</file>
+
 <file path=ppt/slideLayouts/slideLayout1.xml><?xml version="1.0" encoding="utf-8"?>
 <p:sldLayout xmlns:a="http://schemas.openxmlformats.org/drawingml/2006/main" xmlns:r="http://schemas.openxmlformats.org/officeDocument/2006/relationships" xmlns:p="http://schemas.openxmlformats.org/presentationml/2006/main" preserve="1" userDrawn="1">
   <p:cSld name="Title Slide">
@@ -2741,7 +2889,7 @@
           <a:p>
             <a:fld id="{18DCCD61-643D-44A5-A450-3A42A50CBC1E}" type="datetimeFigureOut">
               <a:rPr lang="en-US" smtClean="0"/>
-              <a:t>7/17/2018</a:t>
+              <a:t>7/30/18</a:t>
             </a:fld>
             <a:endParaRPr lang="en-US"/>
           </a:p>
@@ -3016,7 +3164,7 @@
           <a:p>
             <a:fld id="{18DCCD61-643D-44A5-A450-3A42A50CBC1E}" type="datetimeFigureOut">
               <a:rPr lang="en-US" smtClean="0"/>
-              <a:t>7/17/2018</a:t>
+              <a:t>7/30/18</a:t>
             </a:fld>
             <a:endParaRPr lang="en-US"/>
           </a:p>
@@ -3268,7 +3416,7 @@
           <a:p>
             <a:fld id="{18DCCD61-643D-44A5-A450-3A42A50CBC1E}" type="datetimeFigureOut">
               <a:rPr lang="en-US" smtClean="0"/>
-              <a:t>7/17/2018</a:t>
+              <a:t>7/30/18</a:t>
             </a:fld>
             <a:endParaRPr lang="en-US"/>
           </a:p>
@@ -3436,7 +3584,7 @@
           <a:p>
             <a:fld id="{18DCCD61-643D-44A5-A450-3A42A50CBC1E}" type="datetimeFigureOut">
               <a:rPr lang="en-US" smtClean="0"/>
-              <a:t>7/17/2018</a:t>
+              <a:t>7/30/18</a:t>
             </a:fld>
             <a:endParaRPr lang="en-US"/>
           </a:p>
@@ -3614,7 +3762,7 @@
           <a:p>
             <a:fld id="{18DCCD61-643D-44A5-A450-3A42A50CBC1E}" type="datetimeFigureOut">
               <a:rPr lang="en-US" smtClean="0"/>
-              <a:t>7/17/2018</a:t>
+              <a:t>7/30/18</a:t>
             </a:fld>
             <a:endParaRPr lang="en-US"/>
           </a:p>
@@ -4208,7 +4356,7 @@
           <a:p>
             <a:fld id="{18DCCD61-643D-44A5-A450-3A42A50CBC1E}" type="datetimeFigureOut">
               <a:rPr lang="en-US" smtClean="0"/>
-              <a:t>7/17/2018</a:t>
+              <a:t>7/30/18</a:t>
             </a:fld>
             <a:endParaRPr lang="en-US"/>
           </a:p>
@@ -4376,7 +4524,7 @@
           <a:p>
             <a:fld id="{18DCCD61-643D-44A5-A450-3A42A50CBC1E}" type="datetimeFigureOut">
               <a:rPr lang="en-US" smtClean="0"/>
-              <a:t>7/17/2018</a:t>
+              <a:t>7/30/18</a:t>
             </a:fld>
             <a:endParaRPr lang="en-US"/>
           </a:p>
@@ -4621,7 +4769,7 @@
           <a:p>
             <a:fld id="{18DCCD61-643D-44A5-A450-3A42A50CBC1E}" type="datetimeFigureOut">
               <a:rPr lang="en-US" smtClean="0"/>
-              <a:t>7/17/2018</a:t>
+              <a:t>7/30/18</a:t>
             </a:fld>
             <a:endParaRPr lang="en-US"/>
           </a:p>
@@ -4906,7 +5054,7 @@
           <a:p>
             <a:fld id="{18DCCD61-643D-44A5-A450-3A42A50CBC1E}" type="datetimeFigureOut">
               <a:rPr lang="en-US" smtClean="0"/>
-              <a:t>7/17/2018</a:t>
+              <a:t>7/30/18</a:t>
             </a:fld>
             <a:endParaRPr lang="en-US"/>
           </a:p>
@@ -5325,7 +5473,7 @@
           <a:p>
             <a:fld id="{18DCCD61-643D-44A5-A450-3A42A50CBC1E}" type="datetimeFigureOut">
               <a:rPr lang="en-US" smtClean="0"/>
-              <a:t>7/17/2018</a:t>
+              <a:t>7/30/18</a:t>
             </a:fld>
             <a:endParaRPr lang="en-US"/>
           </a:p>
@@ -5442,7 +5590,7 @@
           <a:p>
             <a:fld id="{18DCCD61-643D-44A5-A450-3A42A50CBC1E}" type="datetimeFigureOut">
               <a:rPr lang="en-US" smtClean="0"/>
-              <a:t>7/17/2018</a:t>
+              <a:t>7/30/18</a:t>
             </a:fld>
             <a:endParaRPr lang="en-US"/>
           </a:p>
@@ -5944,7 +6092,7 @@
           <a:p>
             <a:fld id="{18DCCD61-643D-44A5-A450-3A42A50CBC1E}" type="datetimeFigureOut">
               <a:rPr lang="en-US" smtClean="0"/>
-              <a:t>7/17/2018</a:t>
+              <a:t>7/30/18</a:t>
             </a:fld>
             <a:endParaRPr lang="en-US"/>
           </a:p>
@@ -6380,7 +6528,7 @@
       <p:sp>
         <p:nvSpPr>
           <p:cNvPr id="7" name="TextBox 6">
-            <a:hlinkClick r:id="rId2"/>
+            <a:hlinkClick r:id="rId3"/>
           </p:cNvPr>
           <p:cNvSpPr txBox="1"/>
           <p:nvPr/>
@@ -6532,11 +6680,11 @@
             <p:nvPr/>
           </p:nvPicPr>
           <p:blipFill>
-            <a:blip r:embed="rId3" cstate="print">
+            <a:blip r:embed="rId4" cstate="print">
               <a:extLst>
                 <a:ext uri="{BEBA8EAE-BF5A-486C-A8C5-ECC9F3942E4B}">
                   <a14:imgProps xmlns:a14="http://schemas.microsoft.com/office/drawing/2010/main">
-                    <a14:imgLayer r:embed="rId4">
+                    <a14:imgLayer r:embed="rId5">
                       <a14:imgEffect>
                         <a14:brightnessContrast bright="-100000" contrast="40000"/>
                       </a14:imgEffect>
@@ -6632,13 +6780,6 @@
   <p:clrMapOvr>
     <a:masterClrMapping/>
   </p:clrMapOvr>
-  <p:timing>
-    <p:tnLst>
-      <p:par>
-        <p:cTn id="1" dur="indefinite" restart="never" nodeType="tmRoot"/>
-      </p:par>
-    </p:tnLst>
-  </p:timing>
 </p:sld>
 </file>
 
@@ -6682,12 +6823,8 @@
               <a:t> </a:t>
             </a:r>
             <a:r>
-              <a:rPr lang="en-US" altLang="ko-KR" dirty="0" smtClean="0"/>
-              <a:t>Comparison</a:t>
-            </a:r>
-            <a:r>
               <a:rPr lang="en-US" altLang="ko-KR" dirty="0"/>
-              <a:t>, Suction velocity</a:t>
+              <a:t>Comparison, Suction velocity</a:t>
             </a:r>
             <a:endParaRPr lang="ko-KR" altLang="en-US" dirty="0">
               <a:latin typeface="メイリオ" panose="020B0604030504040204" pitchFamily="50" charset="-128"/>
@@ -6765,102 +6902,102 @@
           <a:lstStyle/>
           <a:p>
             <a:r>
-              <a:rPr kumimoji="1" lang="ja-JP" altLang="en-US" sz="2800" dirty="0" smtClean="0"/>
+              <a:rPr kumimoji="1" lang="ja-JP" altLang="en-US" sz="2800" dirty="0"/>
               <a:t>結果</a:t>
             </a:r>
-            <a:endParaRPr kumimoji="1" lang="en-US" altLang="ja-JP" sz="2800" dirty="0" smtClean="0"/>
+            <a:endParaRPr kumimoji="1" lang="en-US" altLang="ja-JP" sz="2800" dirty="0"/>
           </a:p>
           <a:p>
             <a:endParaRPr kumimoji="1" lang="en-US" altLang="ja-JP" dirty="0"/>
           </a:p>
           <a:p>
             <a:r>
-              <a:rPr kumimoji="1" lang="ja-JP" altLang="en-US" dirty="0" smtClean="0"/>
+              <a:rPr kumimoji="1" lang="ja-JP" altLang="en-US" dirty="0"/>
               <a:t>・ </a:t>
             </a:r>
             <a:r>
-              <a:rPr kumimoji="1" lang="en-US" altLang="ja-JP" dirty="0" smtClean="0"/>
+              <a:rPr kumimoji="1" lang="en-US" altLang="ja-JP" dirty="0"/>
               <a:t>case1</a:t>
             </a:r>
             <a:r>
-              <a:rPr kumimoji="1" lang="ja-JP" altLang="en-US" dirty="0" smtClean="0"/>
+              <a:rPr kumimoji="1" lang="ja-JP" altLang="en-US" dirty="0"/>
               <a:t>では、最下層</a:t>
             </a:r>
             <a:r>
-              <a:rPr kumimoji="1" lang="en-US" altLang="ja-JP" dirty="0" smtClean="0"/>
+              <a:rPr kumimoji="1" lang="en-US" altLang="ja-JP" dirty="0"/>
               <a:t>(</a:t>
             </a:r>
             <a:r>
-              <a:rPr kumimoji="1" lang="ja-JP" altLang="en-US" dirty="0" smtClean="0"/>
+              <a:rPr kumimoji="1" lang="ja-JP" altLang="en-US" dirty="0"/>
               <a:t>赤</a:t>
             </a:r>
             <a:r>
-              <a:rPr kumimoji="1" lang="en-US" altLang="ja-JP" dirty="0" smtClean="0"/>
+              <a:rPr kumimoji="1" lang="en-US" altLang="ja-JP" dirty="0"/>
               <a:t>)</a:t>
             </a:r>
             <a:r>
-              <a:rPr kumimoji="1" lang="ja-JP" altLang="en-US" dirty="0" smtClean="0"/>
+              <a:rPr kumimoji="1" lang="ja-JP" altLang="en-US" dirty="0"/>
               <a:t>が一段上の層</a:t>
             </a:r>
             <a:r>
-              <a:rPr kumimoji="1" lang="en-US" altLang="ja-JP" dirty="0" smtClean="0"/>
+              <a:rPr kumimoji="1" lang="en-US" altLang="ja-JP" dirty="0"/>
               <a:t>(</a:t>
             </a:r>
             <a:r>
-              <a:rPr kumimoji="1" lang="ja-JP" altLang="en-US" dirty="0" smtClean="0"/>
+              <a:rPr kumimoji="1" lang="ja-JP" altLang="en-US" dirty="0"/>
               <a:t>青</a:t>
             </a:r>
             <a:r>
-              <a:rPr kumimoji="1" lang="en-US" altLang="ja-JP" dirty="0" smtClean="0"/>
+              <a:rPr kumimoji="1" lang="en-US" altLang="ja-JP" dirty="0"/>
               <a:t>)</a:t>
             </a:r>
             <a:r>
-              <a:rPr kumimoji="1" lang="ja-JP" altLang="en-US" dirty="0" smtClean="0"/>
+              <a:rPr kumimoji="1" lang="ja-JP" altLang="en-US" dirty="0"/>
               <a:t>と混ざっている</a:t>
             </a:r>
-            <a:endParaRPr kumimoji="1" lang="en-US" altLang="ja-JP" dirty="0" smtClean="0"/>
+            <a:endParaRPr kumimoji="1" lang="en-US" altLang="ja-JP" dirty="0"/>
           </a:p>
           <a:p>
             <a:endParaRPr kumimoji="1" lang="en-US" altLang="ja-JP" dirty="0"/>
           </a:p>
           <a:p>
             <a:r>
-              <a:rPr kumimoji="1" lang="ja-JP" altLang="en-US" dirty="0" smtClean="0"/>
+              <a:rPr kumimoji="1" lang="ja-JP" altLang="en-US" dirty="0"/>
               <a:t>・ </a:t>
             </a:r>
             <a:r>
-              <a:rPr kumimoji="1" lang="en-US" altLang="ja-JP" dirty="0" smtClean="0"/>
+              <a:rPr kumimoji="1" lang="en-US" altLang="ja-JP" dirty="0"/>
               <a:t>case2</a:t>
             </a:r>
             <a:r>
-              <a:rPr kumimoji="1" lang="ja-JP" altLang="en-US" dirty="0" smtClean="0"/>
+              <a:rPr kumimoji="1" lang="ja-JP" altLang="en-US" dirty="0"/>
               <a:t>と</a:t>
             </a:r>
             <a:r>
-              <a:rPr kumimoji="1" lang="en-US" altLang="ja-JP" dirty="0" smtClean="0"/>
+              <a:rPr kumimoji="1" lang="en-US" altLang="ja-JP" dirty="0"/>
               <a:t>case3</a:t>
             </a:r>
             <a:r>
-              <a:rPr kumimoji="1" lang="ja-JP" altLang="en-US" dirty="0" smtClean="0"/>
+              <a:rPr kumimoji="1" lang="ja-JP" altLang="en-US" dirty="0"/>
               <a:t>では、それなりに層を保ったまま</a:t>
             </a:r>
             <a:r>
-              <a:rPr kumimoji="1" lang="en-US" altLang="ja-JP" dirty="0" smtClean="0"/>
+              <a:rPr kumimoji="1" lang="en-US" altLang="ja-JP" dirty="0"/>
               <a:t>(</a:t>
             </a:r>
             <a:r>
-              <a:rPr kumimoji="1" lang="ja-JP" altLang="en-US" dirty="0" smtClean="0"/>
+              <a:rPr kumimoji="1" lang="ja-JP" altLang="en-US" dirty="0"/>
               <a:t>混ざりあわず</a:t>
             </a:r>
             <a:r>
-              <a:rPr kumimoji="1" lang="en-US" altLang="ja-JP" dirty="0" smtClean="0"/>
+              <a:rPr kumimoji="1" lang="en-US" altLang="ja-JP" dirty="0"/>
               <a:t>)</a:t>
             </a:r>
             <a:r>
-              <a:rPr kumimoji="1" lang="ja-JP" altLang="en-US" dirty="0" smtClean="0"/>
+              <a:rPr kumimoji="1" lang="ja-JP" altLang="en-US" dirty="0"/>
               <a:t>落下している</a:t>
             </a:r>
-            <a:endParaRPr kumimoji="1" lang="en-US" altLang="ja-JP" dirty="0" smtClean="0"/>
+            <a:endParaRPr kumimoji="1" lang="en-US" altLang="ja-JP" dirty="0"/>
           </a:p>
           <a:p>
             <a:endParaRPr kumimoji="1" lang="en-US" altLang="ja-JP" dirty="0"/>
@@ -6872,37 +7009,33 @@
             </a:r>
             <a:r>
               <a:rPr kumimoji="1" lang="en-US" altLang="ja-JP" dirty="0"/>
-              <a:t> </a:t>
+              <a:t> case2</a:t>
             </a:r>
             <a:r>
-              <a:rPr kumimoji="1" lang="en-US" altLang="ja-JP" dirty="0" smtClean="0"/>
-              <a:t>case2</a:t>
-            </a:r>
-            <a:r>
-              <a:rPr kumimoji="1" lang="ja-JP" altLang="en-US" dirty="0" smtClean="0"/>
+              <a:rPr kumimoji="1" lang="ja-JP" altLang="en-US" dirty="0"/>
               <a:t>と比べて</a:t>
             </a:r>
             <a:r>
-              <a:rPr kumimoji="1" lang="en-US" altLang="ja-JP" dirty="0" smtClean="0"/>
+              <a:rPr kumimoji="1" lang="en-US" altLang="ja-JP" dirty="0"/>
               <a:t>case3</a:t>
             </a:r>
             <a:r>
-              <a:rPr kumimoji="1" lang="ja-JP" altLang="en-US" dirty="0" smtClean="0"/>
+              <a:rPr kumimoji="1" lang="ja-JP" altLang="en-US" dirty="0"/>
               <a:t>は発生する気泡領域が大きい</a:t>
             </a:r>
-            <a:endParaRPr kumimoji="1" lang="en-US" altLang="ja-JP" dirty="0" smtClean="0"/>
+            <a:endParaRPr kumimoji="1" lang="en-US" altLang="ja-JP" dirty="0"/>
           </a:p>
           <a:p>
             <a:r>
-              <a:rPr kumimoji="1" lang="ja-JP" altLang="en-US" dirty="0" smtClean="0"/>
+              <a:rPr kumimoji="1" lang="ja-JP" altLang="en-US" dirty="0"/>
               <a:t>　</a:t>
             </a:r>
             <a:r>
-              <a:rPr kumimoji="1" lang="en-US" altLang="ja-JP" dirty="0" smtClean="0"/>
+              <a:rPr kumimoji="1" lang="en-US" altLang="ja-JP" dirty="0"/>
               <a:t>-&gt; </a:t>
             </a:r>
             <a:r>
-              <a:rPr kumimoji="1" lang="ja-JP" altLang="en-US" dirty="0" smtClean="0"/>
+              <a:rPr kumimoji="1" lang="ja-JP" altLang="en-US" dirty="0"/>
               <a:t>それに伴い、上部の層形状は変化している</a:t>
             </a:r>
             <a:endParaRPr kumimoji="1" lang="en-US" altLang="ja-JP" dirty="0"/>
@@ -6919,13 +7052,6 @@
   <p:clrMapOvr>
     <a:masterClrMapping/>
   </p:clrMapOvr>
-  <p:timing>
-    <p:tnLst>
-      <p:par>
-        <p:cTn id="1" dur="indefinite" restart="never" nodeType="tmRoot"/>
-      </p:par>
-    </p:tnLst>
-  </p:timing>
 </p:sld>
 </file>
 
@@ -7020,7 +7146,7 @@
           <p:cNvPr id="8" name="テキスト ボックス 7">
             <a:extLst>
               <a:ext uri="{FF2B5EF4-FFF2-40B4-BE49-F238E27FC236}">
-                <a16:creationId xmlns:a16="http://schemas.microsoft.com/office/drawing/2014/main" xmlns="" id="{093C528F-2820-7842-B097-0CEA13538469}"/>
+                <a16:creationId xmlns:a16="http://schemas.microsoft.com/office/drawing/2014/main" id="{093C528F-2820-7842-B097-0CEA13538469}"/>
               </a:ext>
             </a:extLst>
           </p:cNvPr>
@@ -7044,7 +7170,7 @@
           <a:lstStyle/>
           <a:p>
             <a:r>
-              <a:rPr kumimoji="1" lang="en-US" altLang="ja-JP" dirty="0" smtClean="0"/>
+              <a:rPr kumimoji="1" lang="en-US" altLang="ja-JP" dirty="0"/>
               <a:t>Layer</a:t>
             </a:r>
           </a:p>
@@ -7084,13 +7210,6 @@
   <p:clrMapOvr>
     <a:masterClrMapping/>
   </p:clrMapOvr>
-  <p:timing>
-    <p:tnLst>
-      <p:par>
-        <p:cTn id="1" dur="indefinite" restart="never" nodeType="tmRoot"/>
-      </p:par>
-    </p:tnLst>
-  </p:timing>
 </p:sld>
 </file>
 
@@ -7293,9 +7412,27 @@
             <a:tbl>
               <a:tblPr/>
               <a:tblGrid>
-                <a:gridCol w="1945230"/>
-                <a:gridCol w="1945230"/>
-                <a:gridCol w="1945230"/>
+                <a:gridCol w="1945230">
+                  <a:extLst>
+                    <a:ext uri="{9D8B030D-6E8A-4147-A177-3AD203B41FA5}">
+                      <a16:colId xmlns:a16="http://schemas.microsoft.com/office/drawing/2014/main" val="20000"/>
+                    </a:ext>
+                  </a:extLst>
+                </a:gridCol>
+                <a:gridCol w="1945230">
+                  <a:extLst>
+                    <a:ext uri="{9D8B030D-6E8A-4147-A177-3AD203B41FA5}">
+                      <a16:colId xmlns:a16="http://schemas.microsoft.com/office/drawing/2014/main" val="20001"/>
+                    </a:ext>
+                  </a:extLst>
+                </a:gridCol>
+                <a:gridCol w="1945230">
+                  <a:extLst>
+                    <a:ext uri="{9D8B030D-6E8A-4147-A177-3AD203B41FA5}">
+                      <a16:colId xmlns:a16="http://schemas.microsoft.com/office/drawing/2014/main" val="20002"/>
+                    </a:ext>
+                  </a:extLst>
+                </a:gridCol>
               </a:tblGrid>
               <a:tr h="246454">
                 <a:tc gridSpan="3">
@@ -7376,6 +7513,11 @@
                   </a:txBody>
                   <a:tcPr/>
                 </a:tc>
+                <a:extLst>
+                  <a:ext uri="{0D108BD9-81ED-4DB2-BD59-A6C34878D82A}">
+                    <a16:rowId xmlns:a16="http://schemas.microsoft.com/office/drawing/2014/main" val="10000"/>
+                  </a:ext>
+                </a:extLst>
               </a:tr>
               <a:tr h="246454">
                 <a:tc>
@@ -7552,6 +7694,11 @@
                     </a:lnB>
                   </a:tcPr>
                 </a:tc>
+                <a:extLst>
+                  <a:ext uri="{0D108BD9-81ED-4DB2-BD59-A6C34878D82A}">
+                    <a16:rowId xmlns:a16="http://schemas.microsoft.com/office/drawing/2014/main" val="10001"/>
+                  </a:ext>
+                </a:extLst>
               </a:tr>
             </a:tbl>
           </a:graphicData>
@@ -7722,10 +7869,34 @@
             <a:tbl>
               <a:tblPr/>
               <a:tblGrid>
-                <a:gridCol w="977556"/>
-                <a:gridCol w="1944216"/>
-                <a:gridCol w="1944216"/>
-                <a:gridCol w="1944216"/>
+                <a:gridCol w="977556">
+                  <a:extLst>
+                    <a:ext uri="{9D8B030D-6E8A-4147-A177-3AD203B41FA5}">
+                      <a16:colId xmlns:a16="http://schemas.microsoft.com/office/drawing/2014/main" val="20000"/>
+                    </a:ext>
+                  </a:extLst>
+                </a:gridCol>
+                <a:gridCol w="1944216">
+                  <a:extLst>
+                    <a:ext uri="{9D8B030D-6E8A-4147-A177-3AD203B41FA5}">
+                      <a16:colId xmlns:a16="http://schemas.microsoft.com/office/drawing/2014/main" val="20001"/>
+                    </a:ext>
+                  </a:extLst>
+                </a:gridCol>
+                <a:gridCol w="1944216">
+                  <a:extLst>
+                    <a:ext uri="{9D8B030D-6E8A-4147-A177-3AD203B41FA5}">
+                      <a16:colId xmlns:a16="http://schemas.microsoft.com/office/drawing/2014/main" val="20002"/>
+                    </a:ext>
+                  </a:extLst>
+                </a:gridCol>
+                <a:gridCol w="1944216">
+                  <a:extLst>
+                    <a:ext uri="{9D8B030D-6E8A-4147-A177-3AD203B41FA5}">
+                      <a16:colId xmlns:a16="http://schemas.microsoft.com/office/drawing/2014/main" val="20003"/>
+                    </a:ext>
+                  </a:extLst>
+                </a:gridCol>
               </a:tblGrid>
               <a:tr h="180975">
                 <a:tc>
@@ -7960,6 +8131,11 @@
                     </a:lnB>
                   </a:tcPr>
                 </a:tc>
+                <a:extLst>
+                  <a:ext uri="{0D108BD9-81ED-4DB2-BD59-A6C34878D82A}">
+                    <a16:rowId xmlns:a16="http://schemas.microsoft.com/office/drawing/2014/main" val="10000"/>
+                  </a:ext>
+                </a:extLst>
               </a:tr>
               <a:tr h="171450">
                 <a:tc>
@@ -8110,6 +8286,11 @@
                     </a:lnB>
                   </a:tcPr>
                 </a:tc>
+                <a:extLst>
+                  <a:ext uri="{0D108BD9-81ED-4DB2-BD59-A6C34878D82A}">
+                    <a16:rowId xmlns:a16="http://schemas.microsoft.com/office/drawing/2014/main" val="10001"/>
+                  </a:ext>
+                </a:extLst>
               </a:tr>
             </a:tbl>
           </a:graphicData>
@@ -8186,7 +8367,7 @@
           <p:cNvPr id="33" name="テキスト ボックス 32">
             <a:extLst>
               <a:ext uri="{FF2B5EF4-FFF2-40B4-BE49-F238E27FC236}">
-                <a16:creationId xmlns:a16="http://schemas.microsoft.com/office/drawing/2014/main" xmlns="" id="{093C528F-2820-7842-B097-0CEA13538469}"/>
+                <a16:creationId xmlns:a16="http://schemas.microsoft.com/office/drawing/2014/main" id="{093C528F-2820-7842-B097-0CEA13538469}"/>
               </a:ext>
             </a:extLst>
           </p:cNvPr>
@@ -8211,24 +8392,20 @@
           <a:p>
             <a:pPr algn="ctr"/>
             <a:r>
-              <a:rPr kumimoji="1" lang="en-US" altLang="ja-JP" u="sng" dirty="0" smtClean="0"/>
+              <a:rPr kumimoji="1" lang="en-US" altLang="ja-JP" u="sng" dirty="0"/>
               <a:t>Number of </a:t>
             </a:r>
             <a:r>
               <a:rPr kumimoji="1" lang="en-US" altLang="ja-JP" u="sng" dirty="0" err="1"/>
-              <a:t>p</a:t>
+              <a:t>partilces</a:t>
             </a:r>
-            <a:r>
-              <a:rPr kumimoji="1" lang="en-US" altLang="ja-JP" u="sng" dirty="0" err="1" smtClean="0"/>
-              <a:t>artilces</a:t>
-            </a:r>
-            <a:endParaRPr kumimoji="1" lang="en-US" altLang="ja-JP" u="sng" dirty="0" smtClean="0"/>
+            <a:endParaRPr kumimoji="1" lang="en-US" altLang="ja-JP" u="sng" dirty="0"/>
           </a:p>
           <a:p>
             <a:pPr algn="ctr"/>
             <a:r>
-              <a:rPr kumimoji="1" lang="en-US" altLang="ja-JP" u="sng" dirty="0" smtClean="0"/>
-              <a:t>in the area</a:t>
+              <a:rPr kumimoji="1" lang="en-US" altLang="ja-JP" u="sng" dirty="0"/>
+              <a:t>in the die</a:t>
             </a:r>
           </a:p>
         </p:txBody>
@@ -8256,12 +8433,48 @@
             <a:tbl>
               <a:tblPr/>
               <a:tblGrid>
-                <a:gridCol w="681899"/>
-                <a:gridCol w="254206"/>
-                <a:gridCol w="1008112"/>
-                <a:gridCol w="1944216"/>
-                <a:gridCol w="1944216"/>
-                <a:gridCol w="1935073"/>
+                <a:gridCol w="681899">
+                  <a:extLst>
+                    <a:ext uri="{9D8B030D-6E8A-4147-A177-3AD203B41FA5}">
+                      <a16:colId xmlns:a16="http://schemas.microsoft.com/office/drawing/2014/main" val="20000"/>
+                    </a:ext>
+                  </a:extLst>
+                </a:gridCol>
+                <a:gridCol w="254206">
+                  <a:extLst>
+                    <a:ext uri="{9D8B030D-6E8A-4147-A177-3AD203B41FA5}">
+                      <a16:colId xmlns:a16="http://schemas.microsoft.com/office/drawing/2014/main" val="20001"/>
+                    </a:ext>
+                  </a:extLst>
+                </a:gridCol>
+                <a:gridCol w="1008112">
+                  <a:extLst>
+                    <a:ext uri="{9D8B030D-6E8A-4147-A177-3AD203B41FA5}">
+                      <a16:colId xmlns:a16="http://schemas.microsoft.com/office/drawing/2014/main" val="20002"/>
+                    </a:ext>
+                  </a:extLst>
+                </a:gridCol>
+                <a:gridCol w="1944216">
+                  <a:extLst>
+                    <a:ext uri="{9D8B030D-6E8A-4147-A177-3AD203B41FA5}">
+                      <a16:colId xmlns:a16="http://schemas.microsoft.com/office/drawing/2014/main" val="20003"/>
+                    </a:ext>
+                  </a:extLst>
+                </a:gridCol>
+                <a:gridCol w="1944216">
+                  <a:extLst>
+                    <a:ext uri="{9D8B030D-6E8A-4147-A177-3AD203B41FA5}">
+                      <a16:colId xmlns:a16="http://schemas.microsoft.com/office/drawing/2014/main" val="20004"/>
+                    </a:ext>
+                  </a:extLst>
+                </a:gridCol>
+                <a:gridCol w="1935073">
+                  <a:extLst>
+                    <a:ext uri="{9D8B030D-6E8A-4147-A177-3AD203B41FA5}">
+                      <a16:colId xmlns:a16="http://schemas.microsoft.com/office/drawing/2014/main" val="20005"/>
+                    </a:ext>
+                  </a:extLst>
+                </a:gridCol>
               </a:tblGrid>
               <a:tr h="171450">
                 <a:tc rowSpan="5">
@@ -8615,6 +8828,11 @@
                     </a:lnB>
                   </a:tcPr>
                 </a:tc>
+                <a:extLst>
+                  <a:ext uri="{0D108BD9-81ED-4DB2-BD59-A6C34878D82A}">
+                    <a16:rowId xmlns:a16="http://schemas.microsoft.com/office/drawing/2014/main" val="10000"/>
+                  </a:ext>
+                </a:extLst>
               </a:tr>
               <a:tr h="171450">
                 <a:tc vMerge="1">
@@ -8920,6 +9138,11 @@
                     </a:lnB>
                   </a:tcPr>
                 </a:tc>
+                <a:extLst>
+                  <a:ext uri="{0D108BD9-81ED-4DB2-BD59-A6C34878D82A}">
+                    <a16:rowId xmlns:a16="http://schemas.microsoft.com/office/drawing/2014/main" val="10001"/>
+                  </a:ext>
+                </a:extLst>
               </a:tr>
               <a:tr h="171450">
                 <a:tc vMerge="1">
@@ -9225,6 +9448,11 @@
                     </a:lnB>
                   </a:tcPr>
                 </a:tc>
+                <a:extLst>
+                  <a:ext uri="{0D108BD9-81ED-4DB2-BD59-A6C34878D82A}">
+                    <a16:rowId xmlns:a16="http://schemas.microsoft.com/office/drawing/2014/main" val="10002"/>
+                  </a:ext>
+                </a:extLst>
               </a:tr>
               <a:tr h="180975">
                 <a:tc vMerge="1">
@@ -9530,6 +9758,11 @@
                     </a:lnB>
                   </a:tcPr>
                 </a:tc>
+                <a:extLst>
+                  <a:ext uri="{0D108BD9-81ED-4DB2-BD59-A6C34878D82A}">
+                    <a16:rowId xmlns:a16="http://schemas.microsoft.com/office/drawing/2014/main" val="10003"/>
+                  </a:ext>
+                </a:extLst>
               </a:tr>
               <a:tr h="180975">
                 <a:tc vMerge="1">
@@ -9835,6 +10068,11 @@
                     </a:lnB>
                   </a:tcPr>
                 </a:tc>
+                <a:extLst>
+                  <a:ext uri="{0D108BD9-81ED-4DB2-BD59-A6C34878D82A}">
+                    <a16:rowId xmlns:a16="http://schemas.microsoft.com/office/drawing/2014/main" val="10004"/>
+                  </a:ext>
+                </a:extLst>
               </a:tr>
             </a:tbl>
           </a:graphicData>
@@ -9850,13 +10088,6 @@
   <p:clrMapOvr>
     <a:masterClrMapping/>
   </p:clrMapOvr>
-  <p:timing>
-    <p:tnLst>
-      <p:par>
-        <p:cTn id="1" dur="indefinite" restart="never" nodeType="tmRoot"/>
-      </p:par>
-    </p:tnLst>
-  </p:timing>
 </p:sld>
 </file>
 
@@ -9900,12 +10131,8 @@
               <a:t> </a:t>
             </a:r>
             <a:r>
-              <a:rPr lang="en-US" altLang="ko-KR" dirty="0" smtClean="0"/>
-              <a:t>Comparison</a:t>
-            </a:r>
-            <a:r>
               <a:rPr lang="en-US" altLang="ko-KR" dirty="0"/>
-              <a:t>, Suction velocity</a:t>
+              <a:t>Comparison, Suction velocity</a:t>
             </a:r>
             <a:endParaRPr lang="ko-KR" altLang="en-US" dirty="0">
               <a:latin typeface="メイリオ" panose="020B0604030504040204" pitchFamily="50" charset="-128"/>
@@ -9983,10 +10210,10 @@
           <a:lstStyle/>
           <a:p>
             <a:r>
-              <a:rPr kumimoji="1" lang="ja-JP" altLang="en-US" sz="2800" dirty="0" smtClean="0"/>
+              <a:rPr kumimoji="1" lang="ja-JP" altLang="en-US" sz="2800" dirty="0"/>
               <a:t>結果・考察</a:t>
             </a:r>
-            <a:endParaRPr kumimoji="1" lang="en-US" altLang="ja-JP" sz="2800" dirty="0" smtClean="0"/>
+            <a:endParaRPr kumimoji="1" lang="en-US" altLang="ja-JP" sz="2800" dirty="0"/>
           </a:p>
         </p:txBody>
       </p:sp>
@@ -10013,18 +10240,18 @@
           <a:lstStyle/>
           <a:p>
             <a:r>
-              <a:rPr kumimoji="1" lang="ja-JP" altLang="en-US" dirty="0" smtClean="0"/>
+              <a:rPr kumimoji="1" lang="ja-JP" altLang="en-US" dirty="0"/>
               <a:t>・ </a:t>
             </a:r>
             <a:r>
-              <a:rPr kumimoji="1" lang="en-US" altLang="ja-JP" dirty="0" smtClean="0"/>
+              <a:rPr kumimoji="1" lang="en-US" altLang="ja-JP" dirty="0"/>
               <a:t>200,300[mm/s]</a:t>
             </a:r>
             <a:r>
-              <a:rPr kumimoji="1" lang="ja-JP" altLang="en-US" dirty="0" smtClean="0"/>
+              <a:rPr kumimoji="1" lang="ja-JP" altLang="en-US" dirty="0"/>
               <a:t>を比較すると、そこまで粒子数に差がない</a:t>
             </a:r>
-            <a:endParaRPr kumimoji="1" lang="en-US" altLang="ja-JP" dirty="0" smtClean="0"/>
+            <a:endParaRPr kumimoji="1" lang="en-US" altLang="ja-JP" dirty="0"/>
           </a:p>
         </p:txBody>
       </p:sp>
@@ -10051,10 +10278,10 @@
           <a:lstStyle/>
           <a:p>
             <a:r>
-              <a:rPr kumimoji="1" lang="ja-JP" altLang="en-US" dirty="0" smtClean="0"/>
+              <a:rPr kumimoji="1" lang="ja-JP" altLang="en-US" dirty="0"/>
               <a:t>・ 速度が大きくなるほど、穴に入る粒子数が増加している</a:t>
             </a:r>
-            <a:endParaRPr kumimoji="1" lang="en-US" altLang="ja-JP" dirty="0" smtClean="0"/>
+            <a:endParaRPr kumimoji="1" lang="en-US" altLang="ja-JP" dirty="0"/>
           </a:p>
         </p:txBody>
       </p:sp>
@@ -10081,20 +10308,16 @@
           <a:lstStyle/>
           <a:p>
             <a:r>
-              <a:rPr kumimoji="1" lang="ja-JP" altLang="en-US" dirty="0" smtClean="0"/>
+              <a:rPr kumimoji="1" lang="ja-JP" altLang="en-US" dirty="0"/>
               <a:t>　　</a:t>
             </a:r>
             <a:r>
-              <a:rPr kumimoji="1" lang="en-US" altLang="ja-JP" dirty="0" smtClean="0"/>
+              <a:rPr kumimoji="1" lang="en-US" altLang="ja-JP" dirty="0"/>
               <a:t>-&gt; </a:t>
             </a:r>
             <a:r>
               <a:rPr kumimoji="1" lang="ja-JP" altLang="en-US" dirty="0"/>
-              <a:t>ある程度の速度で頭打ちに</a:t>
-            </a:r>
-            <a:r>
-              <a:rPr kumimoji="1" lang="ja-JP" altLang="en-US" dirty="0" smtClean="0"/>
-              <a:t>なる</a:t>
+              <a:t>ある程度の速度で頭打ちになる</a:t>
             </a:r>
             <a:endParaRPr kumimoji="1" lang="en-US" altLang="ja-JP" dirty="0"/>
           </a:p>
@@ -10123,15 +10346,15 @@
           <a:lstStyle/>
           <a:p>
             <a:r>
-              <a:rPr kumimoji="1" lang="ja-JP" altLang="en-US" dirty="0" smtClean="0"/>
+              <a:rPr kumimoji="1" lang="ja-JP" altLang="en-US" dirty="0"/>
               <a:t>　　</a:t>
             </a:r>
             <a:r>
-              <a:rPr kumimoji="1" lang="en-US" altLang="ja-JP" dirty="0" smtClean="0"/>
+              <a:rPr kumimoji="1" lang="en-US" altLang="ja-JP" dirty="0"/>
               <a:t>-&gt; </a:t>
             </a:r>
             <a:r>
-              <a:rPr kumimoji="1" lang="ja-JP" altLang="en-US" dirty="0" smtClean="0"/>
+              <a:rPr kumimoji="1" lang="ja-JP" altLang="en-US" dirty="0"/>
               <a:t>圧力差による吸引力が強い</a:t>
             </a:r>
             <a:endParaRPr kumimoji="1" lang="en-US" altLang="ja-JP" dirty="0"/>
@@ -10148,13 +10371,6 @@
   <p:clrMapOvr>
     <a:masterClrMapping/>
   </p:clrMapOvr>
-  <p:timing>
-    <p:tnLst>
-      <p:par>
-        <p:cTn id="1" dur="indefinite" restart="never" nodeType="tmRoot"/>
-      </p:par>
-    </p:tnLst>
-  </p:timing>
 </p:sld>
 </file>
 
@@ -10357,9 +10573,27 @@
             <a:tbl>
               <a:tblPr/>
               <a:tblGrid>
-                <a:gridCol w="1945230"/>
-                <a:gridCol w="1945230"/>
-                <a:gridCol w="1945230"/>
+                <a:gridCol w="1945230">
+                  <a:extLst>
+                    <a:ext uri="{9D8B030D-6E8A-4147-A177-3AD203B41FA5}">
+                      <a16:colId xmlns:a16="http://schemas.microsoft.com/office/drawing/2014/main" val="20000"/>
+                    </a:ext>
+                  </a:extLst>
+                </a:gridCol>
+                <a:gridCol w="1945230">
+                  <a:extLst>
+                    <a:ext uri="{9D8B030D-6E8A-4147-A177-3AD203B41FA5}">
+                      <a16:colId xmlns:a16="http://schemas.microsoft.com/office/drawing/2014/main" val="20001"/>
+                    </a:ext>
+                  </a:extLst>
+                </a:gridCol>
+                <a:gridCol w="1945230">
+                  <a:extLst>
+                    <a:ext uri="{9D8B030D-6E8A-4147-A177-3AD203B41FA5}">
+                      <a16:colId xmlns:a16="http://schemas.microsoft.com/office/drawing/2014/main" val="20002"/>
+                    </a:ext>
+                  </a:extLst>
+                </a:gridCol>
               </a:tblGrid>
               <a:tr h="246454">
                 <a:tc gridSpan="3">
@@ -10440,6 +10674,11 @@
                   </a:txBody>
                   <a:tcPr/>
                 </a:tc>
+                <a:extLst>
+                  <a:ext uri="{0D108BD9-81ED-4DB2-BD59-A6C34878D82A}">
+                    <a16:rowId xmlns:a16="http://schemas.microsoft.com/office/drawing/2014/main" val="10000"/>
+                  </a:ext>
+                </a:extLst>
               </a:tr>
               <a:tr h="246454">
                 <a:tc>
@@ -10616,6 +10855,11 @@
                     </a:lnB>
                   </a:tcPr>
                 </a:tc>
+                <a:extLst>
+                  <a:ext uri="{0D108BD9-81ED-4DB2-BD59-A6C34878D82A}">
+                    <a16:rowId xmlns:a16="http://schemas.microsoft.com/office/drawing/2014/main" val="10001"/>
+                  </a:ext>
+                </a:extLst>
               </a:tr>
             </a:tbl>
           </a:graphicData>
@@ -10852,12 +11096,48 @@
             <a:tbl>
               <a:tblPr/>
               <a:tblGrid>
-                <a:gridCol w="681899"/>
-                <a:gridCol w="254206"/>
-                <a:gridCol w="1008112"/>
-                <a:gridCol w="1944216"/>
-                <a:gridCol w="1944216"/>
-                <a:gridCol w="1935073"/>
+                <a:gridCol w="681899">
+                  <a:extLst>
+                    <a:ext uri="{9D8B030D-6E8A-4147-A177-3AD203B41FA5}">
+                      <a16:colId xmlns:a16="http://schemas.microsoft.com/office/drawing/2014/main" val="20000"/>
+                    </a:ext>
+                  </a:extLst>
+                </a:gridCol>
+                <a:gridCol w="254206">
+                  <a:extLst>
+                    <a:ext uri="{9D8B030D-6E8A-4147-A177-3AD203B41FA5}">
+                      <a16:colId xmlns:a16="http://schemas.microsoft.com/office/drawing/2014/main" val="20001"/>
+                    </a:ext>
+                  </a:extLst>
+                </a:gridCol>
+                <a:gridCol w="1008112">
+                  <a:extLst>
+                    <a:ext uri="{9D8B030D-6E8A-4147-A177-3AD203B41FA5}">
+                      <a16:colId xmlns:a16="http://schemas.microsoft.com/office/drawing/2014/main" val="20002"/>
+                    </a:ext>
+                  </a:extLst>
+                </a:gridCol>
+                <a:gridCol w="1944216">
+                  <a:extLst>
+                    <a:ext uri="{9D8B030D-6E8A-4147-A177-3AD203B41FA5}">
+                      <a16:colId xmlns:a16="http://schemas.microsoft.com/office/drawing/2014/main" val="20003"/>
+                    </a:ext>
+                  </a:extLst>
+                </a:gridCol>
+                <a:gridCol w="1944216">
+                  <a:extLst>
+                    <a:ext uri="{9D8B030D-6E8A-4147-A177-3AD203B41FA5}">
+                      <a16:colId xmlns:a16="http://schemas.microsoft.com/office/drawing/2014/main" val="20004"/>
+                    </a:ext>
+                  </a:extLst>
+                </a:gridCol>
+                <a:gridCol w="1935073">
+                  <a:extLst>
+                    <a:ext uri="{9D8B030D-6E8A-4147-A177-3AD203B41FA5}">
+                      <a16:colId xmlns:a16="http://schemas.microsoft.com/office/drawing/2014/main" val="20005"/>
+                    </a:ext>
+                  </a:extLst>
+                </a:gridCol>
               </a:tblGrid>
               <a:tr h="171450">
                 <a:tc rowSpan="5">
@@ -11211,6 +11491,11 @@
                     </a:lnB>
                   </a:tcPr>
                 </a:tc>
+                <a:extLst>
+                  <a:ext uri="{0D108BD9-81ED-4DB2-BD59-A6C34878D82A}">
+                    <a16:rowId xmlns:a16="http://schemas.microsoft.com/office/drawing/2014/main" val="10000"/>
+                  </a:ext>
+                </a:extLst>
               </a:tr>
               <a:tr h="171450">
                 <a:tc vMerge="1">
@@ -11516,6 +11801,11 @@
                     </a:lnB>
                   </a:tcPr>
                 </a:tc>
+                <a:extLst>
+                  <a:ext uri="{0D108BD9-81ED-4DB2-BD59-A6C34878D82A}">
+                    <a16:rowId xmlns:a16="http://schemas.microsoft.com/office/drawing/2014/main" val="10001"/>
+                  </a:ext>
+                </a:extLst>
               </a:tr>
               <a:tr h="171450">
                 <a:tc vMerge="1">
@@ -11821,6 +12111,11 @@
                     </a:lnB>
                   </a:tcPr>
                 </a:tc>
+                <a:extLst>
+                  <a:ext uri="{0D108BD9-81ED-4DB2-BD59-A6C34878D82A}">
+                    <a16:rowId xmlns:a16="http://schemas.microsoft.com/office/drawing/2014/main" val="10002"/>
+                  </a:ext>
+                </a:extLst>
               </a:tr>
               <a:tr h="180975">
                 <a:tc vMerge="1">
@@ -12126,6 +12421,11 @@
                     </a:lnB>
                   </a:tcPr>
                 </a:tc>
+                <a:extLst>
+                  <a:ext uri="{0D108BD9-81ED-4DB2-BD59-A6C34878D82A}">
+                    <a16:rowId xmlns:a16="http://schemas.microsoft.com/office/drawing/2014/main" val="10003"/>
+                  </a:ext>
+                </a:extLst>
               </a:tr>
               <a:tr h="180975">
                 <a:tc vMerge="1">
@@ -12431,6 +12731,11 @@
                     </a:lnB>
                   </a:tcPr>
                 </a:tc>
+                <a:extLst>
+                  <a:ext uri="{0D108BD9-81ED-4DB2-BD59-A6C34878D82A}">
+                    <a16:rowId xmlns:a16="http://schemas.microsoft.com/office/drawing/2014/main" val="10004"/>
+                  </a:ext>
+                </a:extLst>
               </a:tr>
             </a:tbl>
           </a:graphicData>
@@ -12441,7 +12746,7 @@
           <p:cNvPr id="20" name="テキスト ボックス 19">
             <a:extLst>
               <a:ext uri="{FF2B5EF4-FFF2-40B4-BE49-F238E27FC236}">
-                <a16:creationId xmlns:a16="http://schemas.microsoft.com/office/drawing/2014/main" xmlns="" id="{093C528F-2820-7842-B097-0CEA13538469}"/>
+                <a16:creationId xmlns:a16="http://schemas.microsoft.com/office/drawing/2014/main" id="{093C528F-2820-7842-B097-0CEA13538469}"/>
               </a:ext>
             </a:extLst>
           </p:cNvPr>
@@ -12466,22 +12771,22 @@
           <a:p>
             <a:pPr algn="ctr"/>
             <a:r>
-              <a:rPr kumimoji="1" lang="en-US" altLang="ja-JP" u="sng" dirty="0" smtClean="0"/>
+              <a:rPr kumimoji="1" lang="en-US" altLang="ja-JP" u="sng" dirty="0"/>
               <a:t>Number of particles rate</a:t>
             </a:r>
           </a:p>
           <a:p>
             <a:pPr algn="ctr"/>
             <a:r>
-              <a:rPr kumimoji="1" lang="en-US" altLang="ja-JP" u="sng" dirty="0" smtClean="0"/>
-              <a:t>in the area</a:t>
+              <a:rPr kumimoji="1" lang="en-US" altLang="ja-JP" u="sng" dirty="0"/>
+              <a:t>in the die</a:t>
             </a:r>
             <a:r>
-              <a:rPr kumimoji="1" lang="ja-JP" altLang="en-US" u="sng" dirty="0" smtClean="0"/>
+              <a:rPr kumimoji="1" lang="ja-JP" altLang="en-US" u="sng" dirty="0"/>
               <a:t>　</a:t>
             </a:r>
             <a:r>
-              <a:rPr kumimoji="1" lang="en-US" altLang="ja-JP" u="sng" dirty="0" smtClean="0"/>
+              <a:rPr kumimoji="1" lang="en-US" altLang="ja-JP" u="sng" dirty="0"/>
               <a:t>[%]</a:t>
             </a:r>
           </a:p>
@@ -12497,13 +12802,6 @@
   <p:clrMapOvr>
     <a:masterClrMapping/>
   </p:clrMapOvr>
-  <p:timing>
-    <p:tnLst>
-      <p:par>
-        <p:cTn id="1" dur="indefinite" restart="never" nodeType="tmRoot"/>
-      </p:par>
-    </p:tnLst>
-  </p:timing>
 </p:sld>
 </file>
 
@@ -12547,12 +12845,8 @@
               <a:t> </a:t>
             </a:r>
             <a:r>
-              <a:rPr lang="en-US" altLang="ko-KR" dirty="0" smtClean="0"/>
-              <a:t>Comparison</a:t>
-            </a:r>
-            <a:r>
               <a:rPr lang="en-US" altLang="ko-KR" dirty="0"/>
-              <a:t>, Suction velocity</a:t>
+              <a:t>Comparison, Suction velocity</a:t>
             </a:r>
             <a:endParaRPr lang="ko-KR" altLang="en-US" dirty="0">
               <a:latin typeface="メイリオ" panose="020B0604030504040204" pitchFamily="50" charset="-128"/>
@@ -12630,10 +12924,10 @@
           <a:lstStyle/>
           <a:p>
             <a:r>
-              <a:rPr kumimoji="1" lang="ja-JP" altLang="en-US" sz="2800" dirty="0" smtClean="0"/>
+              <a:rPr kumimoji="1" lang="ja-JP" altLang="en-US" sz="2800" dirty="0"/>
               <a:t>結果・考察</a:t>
             </a:r>
-            <a:endParaRPr kumimoji="1" lang="en-US" altLang="ja-JP" sz="2800" dirty="0" smtClean="0"/>
+            <a:endParaRPr kumimoji="1" lang="en-US" altLang="ja-JP" sz="2800" dirty="0"/>
           </a:p>
         </p:txBody>
       </p:sp>
@@ -12660,18 +12954,18 @@
           <a:lstStyle/>
           <a:p>
             <a:r>
-              <a:rPr kumimoji="1" lang="ja-JP" altLang="en-US" dirty="0" smtClean="0"/>
+              <a:rPr kumimoji="1" lang="ja-JP" altLang="en-US" dirty="0"/>
               <a:t>・ </a:t>
             </a:r>
             <a:r>
-              <a:rPr kumimoji="1" lang="en-US" altLang="ja-JP" dirty="0" smtClean="0"/>
+              <a:rPr kumimoji="1" lang="en-US" altLang="ja-JP" dirty="0"/>
               <a:t>100-&gt;200-&gt;300[mm/s] </a:t>
             </a:r>
             <a:r>
-              <a:rPr kumimoji="1" lang="ja-JP" altLang="en-US" dirty="0" smtClean="0"/>
+              <a:rPr kumimoji="1" lang="ja-JP" altLang="en-US" dirty="0"/>
               <a:t>で、同じ間隔ではないが割合が変化していっている。速くなるにつれ、下層粒子の割合が高くなり、元の層を保っている。</a:t>
             </a:r>
-            <a:endParaRPr kumimoji="1" lang="en-US" altLang="ja-JP" dirty="0" smtClean="0"/>
+            <a:endParaRPr kumimoji="1" lang="en-US" altLang="ja-JP" dirty="0"/>
           </a:p>
         </p:txBody>
       </p:sp>
@@ -12698,10 +12992,10 @@
           <a:lstStyle/>
           <a:p>
             <a:r>
-              <a:rPr kumimoji="1" lang="ja-JP" altLang="en-US" dirty="0" smtClean="0"/>
+              <a:rPr kumimoji="1" lang="ja-JP" altLang="en-US" dirty="0"/>
               <a:t>・ 速度が大きくなるほど、下層粒子の割合が増加している</a:t>
             </a:r>
-            <a:endParaRPr kumimoji="1" lang="en-US" altLang="ja-JP" dirty="0" smtClean="0"/>
+            <a:endParaRPr kumimoji="1" lang="en-US" altLang="ja-JP" dirty="0"/>
           </a:p>
         </p:txBody>
       </p:sp>
@@ -12728,15 +13022,15 @@
           <a:lstStyle/>
           <a:p>
             <a:r>
-              <a:rPr kumimoji="1" lang="ja-JP" altLang="en-US" dirty="0" smtClean="0"/>
+              <a:rPr kumimoji="1" lang="ja-JP" altLang="en-US" dirty="0"/>
               <a:t>　　</a:t>
             </a:r>
             <a:r>
-              <a:rPr kumimoji="1" lang="en-US" altLang="ja-JP" dirty="0" smtClean="0"/>
+              <a:rPr kumimoji="1" lang="en-US" altLang="ja-JP" dirty="0"/>
               <a:t>-&gt; </a:t>
             </a:r>
             <a:r>
-              <a:rPr kumimoji="1" lang="ja-JP" altLang="en-US" dirty="0" smtClean="0"/>
+              <a:rPr kumimoji="1" lang="ja-JP" altLang="en-US" dirty="0"/>
               <a:t>もう少し速度をあげれば、より綺麗に層ができる？</a:t>
             </a:r>
             <a:endParaRPr kumimoji="1" lang="en-US" altLang="ja-JP" dirty="0"/>
@@ -12766,15 +13060,15 @@
           <a:lstStyle/>
           <a:p>
             <a:r>
-              <a:rPr kumimoji="1" lang="ja-JP" altLang="en-US" dirty="0" smtClean="0"/>
+              <a:rPr kumimoji="1" lang="ja-JP" altLang="en-US" dirty="0"/>
               <a:t>　　</a:t>
             </a:r>
             <a:r>
-              <a:rPr kumimoji="1" lang="en-US" altLang="ja-JP" dirty="0" smtClean="0"/>
+              <a:rPr kumimoji="1" lang="en-US" altLang="ja-JP" dirty="0"/>
               <a:t>-&gt; </a:t>
             </a:r>
             <a:r>
-              <a:rPr kumimoji="1" lang="ja-JP" altLang="en-US" dirty="0" smtClean="0"/>
+              <a:rPr kumimoji="1" lang="ja-JP" altLang="en-US" dirty="0"/>
               <a:t>圧力差による吸引力の影響と思われる</a:t>
             </a:r>
             <a:endParaRPr kumimoji="1" lang="en-US" altLang="ja-JP" dirty="0"/>
@@ -12791,13 +13085,6 @@
   <p:clrMapOvr>
     <a:masterClrMapping/>
   </p:clrMapOvr>
-  <p:timing>
-    <p:tnLst>
-      <p:par>
-        <p:cTn id="1" dur="indefinite" restart="never" nodeType="tmRoot"/>
-      </p:par>
-    </p:tnLst>
-  </p:timing>
 </p:sld>
 </file>
 
@@ -12841,12 +13128,8 @@
               <a:t> </a:t>
             </a:r>
             <a:r>
-              <a:rPr lang="en-US" altLang="ko-KR" dirty="0" smtClean="0"/>
-              <a:t>Comparison</a:t>
-            </a:r>
-            <a:r>
               <a:rPr lang="en-US" altLang="ko-KR" dirty="0"/>
-              <a:t>, Suction velocity</a:t>
+              <a:t>Comparison, Suction velocity</a:t>
             </a:r>
             <a:endParaRPr lang="ko-KR" altLang="en-US" dirty="0">
               <a:latin typeface="メイリオ" panose="020B0604030504040204" pitchFamily="50" charset="-128"/>
@@ -12924,10 +13207,10 @@
           <a:lstStyle/>
           <a:p>
             <a:r>
-              <a:rPr kumimoji="1" lang="ja-JP" altLang="en-US" sz="2800" dirty="0" smtClean="0"/>
+              <a:rPr kumimoji="1" lang="ja-JP" altLang="en-US" sz="2800" dirty="0"/>
               <a:t>まとめ</a:t>
             </a:r>
-            <a:endParaRPr kumimoji="1" lang="en-US" altLang="ja-JP" sz="2800" dirty="0" smtClean="0"/>
+            <a:endParaRPr kumimoji="1" lang="en-US" altLang="ja-JP" sz="2800" dirty="0"/>
           </a:p>
         </p:txBody>
       </p:sp>
@@ -12954,18 +13237,18 @@
           <a:lstStyle/>
           <a:p>
             <a:r>
-              <a:rPr kumimoji="1" lang="ja-JP" altLang="en-US" dirty="0" smtClean="0"/>
+              <a:rPr kumimoji="1" lang="ja-JP" altLang="en-US" dirty="0"/>
               <a:t>・ </a:t>
             </a:r>
             <a:r>
-              <a:rPr kumimoji="1" lang="ja-JP" altLang="en-US" u="sng" dirty="0" smtClean="0"/>
+              <a:rPr kumimoji="1" lang="ja-JP" altLang="en-US" u="sng" dirty="0"/>
               <a:t>穴に入る粒子の層別割合は、速度が大きくなるほど均等</a:t>
             </a:r>
             <a:r>
-              <a:rPr kumimoji="1" lang="ja-JP" altLang="en-US" dirty="0" smtClean="0"/>
+              <a:rPr kumimoji="1" lang="ja-JP" altLang="en-US" dirty="0"/>
               <a:t>になっていき、元の層形状をよく保っている。</a:t>
             </a:r>
-            <a:endParaRPr kumimoji="1" lang="en-US" altLang="ja-JP" dirty="0" smtClean="0"/>
+            <a:endParaRPr kumimoji="1" lang="en-US" altLang="ja-JP" dirty="0"/>
           </a:p>
         </p:txBody>
       </p:sp>
@@ -12992,15 +13275,15 @@
           <a:lstStyle/>
           <a:p>
             <a:r>
-              <a:rPr kumimoji="1" lang="ja-JP" altLang="en-US" dirty="0" smtClean="0"/>
+              <a:rPr kumimoji="1" lang="ja-JP" altLang="en-US" dirty="0"/>
               <a:t>　　</a:t>
             </a:r>
             <a:r>
-              <a:rPr kumimoji="1" lang="en-US" altLang="ja-JP" dirty="0" smtClean="0"/>
+              <a:rPr kumimoji="1" lang="en-US" altLang="ja-JP" dirty="0"/>
               <a:t>-&gt; </a:t>
             </a:r>
             <a:r>
-              <a:rPr kumimoji="1" lang="ja-JP" altLang="en-US" dirty="0" smtClean="0"/>
+              <a:rPr kumimoji="1" lang="ja-JP" altLang="en-US" dirty="0"/>
               <a:t>もう少し速度をあげても、同じように変化するか確認の必要あり。</a:t>
             </a:r>
             <a:endParaRPr kumimoji="1" lang="en-US" altLang="ja-JP" dirty="0"/>
@@ -13030,26 +13313,18 @@
           <a:lstStyle/>
           <a:p>
             <a:r>
-              <a:rPr kumimoji="1" lang="ja-JP" altLang="en-US" dirty="0" smtClean="0"/>
+              <a:rPr kumimoji="1" lang="ja-JP" altLang="en-US" dirty="0"/>
               <a:t>・ </a:t>
             </a:r>
             <a:r>
-              <a:rPr kumimoji="1" lang="ja-JP" altLang="en-US" u="sng" dirty="0" smtClean="0"/>
-              <a:t>穴に入る粒子数は、速度</a:t>
+              <a:rPr kumimoji="1" lang="ja-JP" altLang="en-US" u="sng" dirty="0"/>
+              <a:t>穴に入る粒子数は、速度が大きくなるほど増加</a:t>
             </a:r>
             <a:r>
-              <a:rPr kumimoji="1" lang="ja-JP" altLang="en-US" u="sng" dirty="0"/>
-              <a:t>が大きくなるほど</a:t>
-            </a:r>
-            <a:r>
-              <a:rPr kumimoji="1" lang="ja-JP" altLang="en-US" u="sng" dirty="0" smtClean="0"/>
-              <a:t>増加</a:t>
-            </a:r>
-            <a:r>
-              <a:rPr kumimoji="1" lang="ja-JP" altLang="en-US" dirty="0" smtClean="0"/>
+              <a:rPr kumimoji="1" lang="ja-JP" altLang="en-US" dirty="0"/>
               <a:t>している。しかし、ある程度の速度で数は収束していく</a:t>
             </a:r>
-            <a:endParaRPr kumimoji="1" lang="en-US" altLang="ja-JP" dirty="0" smtClean="0"/>
+            <a:endParaRPr kumimoji="1" lang="en-US" altLang="ja-JP" dirty="0"/>
           </a:p>
         </p:txBody>
       </p:sp>
@@ -13063,13 +13338,6 @@
   <p:clrMapOvr>
     <a:masterClrMapping/>
   </p:clrMapOvr>
-  <p:timing>
-    <p:tnLst>
-      <p:par>
-        <p:cTn id="1" dur="indefinite" restart="never" nodeType="tmRoot"/>
-      </p:par>
-    </p:tnLst>
-  </p:timing>
 </p:sld>
 </file>
 
@@ -13095,7 +13363,7 @@
           <p:cNvPr id="5" name="正方形/長方形 4">
             <a:extLst>
               <a:ext uri="{FF2B5EF4-FFF2-40B4-BE49-F238E27FC236}">
-                <a16:creationId xmlns:a16="http://schemas.microsoft.com/office/drawing/2014/main" xmlns="" id="{24BDBAAB-565F-544E-8F79-2E06B1AC400F}"/>
+                <a16:creationId xmlns:a16="http://schemas.microsoft.com/office/drawing/2014/main" id="{24BDBAAB-565F-544E-8F79-2E06B1AC400F}"/>
               </a:ext>
             </a:extLst>
           </p:cNvPr>
@@ -13149,7 +13417,7 @@
           <p:cNvPr id="3" name="コンテンツ プレースホルダー 2">
             <a:extLst>
               <a:ext uri="{FF2B5EF4-FFF2-40B4-BE49-F238E27FC236}">
-                <a16:creationId xmlns:a16="http://schemas.microsoft.com/office/drawing/2014/main" xmlns="" id="{57201CEF-5B54-EC41-97DF-2A5FDA9A8199}"/>
+                <a16:creationId xmlns:a16="http://schemas.microsoft.com/office/drawing/2014/main" id="{57201CEF-5B54-EC41-97DF-2A5FDA9A8199}"/>
               </a:ext>
             </a:extLst>
           </p:cNvPr>
@@ -13172,7 +13440,7 @@
           <a:p>
             <a:pPr algn="ctr"/>
             <a:r>
-              <a:rPr kumimoji="1" lang="en-US" altLang="ja-JP" sz="4800" dirty="0" smtClean="0">
+              <a:rPr kumimoji="1" lang="en-US" altLang="ja-JP" sz="4800" dirty="0">
                 <a:latin typeface="+mj-lt"/>
               </a:rPr>
               <a:t>Stationary Pestle</a:t>
@@ -13190,13 +13458,6 @@
   <p:clrMapOvr>
     <a:masterClrMapping/>
   </p:clrMapOvr>
-  <p:timing>
-    <p:tnLst>
-      <p:par>
-        <p:cTn id="1" dur="indefinite" restart="never" nodeType="tmRoot"/>
-      </p:par>
-    </p:tnLst>
-  </p:timing>
 </p:sld>
 </file>
 
@@ -13234,11 +13495,7 @@
           <a:p>
             <a:r>
               <a:rPr lang="en-US" altLang="ko-KR" dirty="0"/>
-              <a:t> </a:t>
-            </a:r>
-            <a:r>
-              <a:rPr lang="en-US" altLang="ko-KR" dirty="0" smtClean="0"/>
-              <a:t>Compared parameter</a:t>
+              <a:t> Compared parameter</a:t>
             </a:r>
             <a:endParaRPr lang="ko-KR" altLang="en-US" dirty="0"/>
           </a:p>
@@ -13318,28 +13575,28 @@
                 <a:gridCol w="1980220">
                   <a:extLst>
                     <a:ext uri="{9D8B030D-6E8A-4147-A177-3AD203B41FA5}">
-                      <a16:colId xmlns:a16="http://schemas.microsoft.com/office/drawing/2014/main" xmlns="" val="20000"/>
+                      <a16:colId xmlns:a16="http://schemas.microsoft.com/office/drawing/2014/main" val="20000"/>
                     </a:ext>
                   </a:extLst>
                 </a:gridCol>
                 <a:gridCol w="1980220">
                   <a:extLst>
                     <a:ext uri="{9D8B030D-6E8A-4147-A177-3AD203B41FA5}">
-                      <a16:colId xmlns:a16="http://schemas.microsoft.com/office/drawing/2014/main" xmlns="" val="20001"/>
+                      <a16:colId xmlns:a16="http://schemas.microsoft.com/office/drawing/2014/main" val="20001"/>
                     </a:ext>
                   </a:extLst>
                 </a:gridCol>
                 <a:gridCol w="1980220">
                   <a:extLst>
                     <a:ext uri="{9D8B030D-6E8A-4147-A177-3AD203B41FA5}">
-                      <a16:colId xmlns:a16="http://schemas.microsoft.com/office/drawing/2014/main" xmlns="" val="20002"/>
+                      <a16:colId xmlns:a16="http://schemas.microsoft.com/office/drawing/2014/main" val="20002"/>
                     </a:ext>
                   </a:extLst>
                 </a:gridCol>
                 <a:gridCol w="1980220">
                   <a:extLst>
                     <a:ext uri="{9D8B030D-6E8A-4147-A177-3AD203B41FA5}">
-                      <a16:colId xmlns:a16="http://schemas.microsoft.com/office/drawing/2014/main" xmlns="" val="20003"/>
+                      <a16:colId xmlns:a16="http://schemas.microsoft.com/office/drawing/2014/main" val="20003"/>
                     </a:ext>
                   </a:extLst>
                 </a:gridCol>
@@ -13456,7 +13713,7 @@
                 </a:tc>
                 <a:extLst>
                   <a:ext uri="{0D108BD9-81ED-4DB2-BD59-A6C34878D82A}">
-                    <a16:rowId xmlns:a16="http://schemas.microsoft.com/office/drawing/2014/main" xmlns="" val="10000"/>
+                    <a16:rowId xmlns:a16="http://schemas.microsoft.com/office/drawing/2014/main" val="10000"/>
                   </a:ext>
                 </a:extLst>
               </a:tr>
@@ -13472,14 +13729,7 @@
                           <a:effectLst/>
                           <a:latin typeface="+mn-lt"/>
                         </a:rPr>
-                        <a:t> </a:t>
-                      </a:r>
-                      <a:r>
-                        <a:rPr lang="en-US" sz="1100" u="none" strike="noStrike" dirty="0" smtClean="0">
-                          <a:effectLst/>
-                          <a:latin typeface="+mn-lt"/>
-                        </a:rPr>
-                        <a:t>Pestle Move</a:t>
+                        <a:t> Pestle Move</a:t>
                       </a:r>
                       <a:endParaRPr lang="en-US" sz="1100" b="0" i="0" u="none" strike="noStrike" dirty="0">
                         <a:solidFill>
@@ -13504,7 +13754,7 @@
                     <a:p>
                       <a:pPr algn="ctr" fontAlgn="ctr"/>
                       <a:r>
-                        <a:rPr lang="en-US" altLang="ja-JP" sz="1100" u="none" strike="noStrike" dirty="0" smtClean="0">
+                        <a:rPr lang="en-US" altLang="ja-JP" sz="1100" u="none" strike="noStrike" dirty="0">
                           <a:effectLst/>
                           <a:latin typeface="+mn-lt"/>
                         </a:rPr>
@@ -13549,7 +13799,7 @@
                         <a:defRPr/>
                       </a:pPr>
                       <a:r>
-                        <a:rPr lang="en-US" altLang="ja-JP" sz="1100" u="none" strike="noStrike" baseline="0" dirty="0" smtClean="0">
+                        <a:rPr lang="en-US" altLang="ja-JP" sz="1100" u="none" strike="noStrike" baseline="0" dirty="0">
                           <a:effectLst/>
                           <a:latin typeface="+mn-lt"/>
                         </a:rPr>
@@ -13601,18 +13851,11 @@
                         <a:defRPr/>
                       </a:pPr>
                       <a:r>
-                        <a:rPr lang="en-US" altLang="ja-JP" sz="1100" u="none" strike="noStrike" dirty="0" smtClean="0">
-                          <a:effectLst/>
-                          <a:latin typeface="+mn-lt"/>
-                        </a:rPr>
-                        <a:t>Move - 300 </a:t>
-                      </a:r>
-                      <a:r>
                         <a:rPr lang="en-US" altLang="ja-JP" sz="1100" u="none" strike="noStrike" dirty="0">
                           <a:effectLst/>
                           <a:latin typeface="+mn-lt"/>
                         </a:rPr>
-                        <a:t>[mm/s]</a:t>
+                        <a:t>Move - 300 [mm/s]</a:t>
                       </a:r>
                       <a:endParaRPr lang="en-US" altLang="ja-JP" sz="1100" b="0" i="0" u="none" strike="noStrike" dirty="0">
                         <a:solidFill>
@@ -13632,7 +13875,7 @@
                 </a:tc>
                 <a:extLst>
                   <a:ext uri="{0D108BD9-81ED-4DB2-BD59-A6C34878D82A}">
-                    <a16:rowId xmlns:a16="http://schemas.microsoft.com/office/drawing/2014/main" xmlns="" val="10001"/>
+                    <a16:rowId xmlns:a16="http://schemas.microsoft.com/office/drawing/2014/main" val="10001"/>
                   </a:ext>
                 </a:extLst>
               </a:tr>
@@ -13650,13 +13893,6 @@
   <p:clrMapOvr>
     <a:masterClrMapping/>
   </p:clrMapOvr>
-  <p:timing>
-    <p:tnLst>
-      <p:par>
-        <p:cTn id="1" dur="indefinite" restart="never" nodeType="tmRoot"/>
-      </p:par>
-    </p:tnLst>
-  </p:timing>
 </p:sld>
 </file>
 
@@ -13693,12 +13929,8 @@
           <a:lstStyle/>
           <a:p>
             <a:r>
-              <a:rPr kumimoji="1" lang="en-US" altLang="ja-JP" dirty="0" smtClean="0"/>
-              <a:t> Stationary </a:t>
-            </a:r>
-            <a:r>
               <a:rPr kumimoji="1" lang="en-US" altLang="ja-JP" dirty="0"/>
-              <a:t>Pestle</a:t>
+              <a:t> Stationary Pestle</a:t>
             </a:r>
             <a:endParaRPr lang="ko-KR" altLang="en-US" dirty="0"/>
           </a:p>
@@ -13774,7 +14006,7 @@
           <a:p>
             <a:pPr algn="ctr"/>
             <a:r>
-              <a:rPr kumimoji="1" lang="en-US" altLang="ja-JP" dirty="0" smtClean="0"/>
+              <a:rPr kumimoji="1" lang="en-US" altLang="ja-JP" dirty="0"/>
               <a:t>case1</a:t>
             </a:r>
           </a:p>
@@ -13782,13 +14014,8 @@
             <a:pPr algn="ctr"/>
             <a:r>
               <a:rPr kumimoji="1" lang="en-US" altLang="ja-JP" dirty="0"/>
-              <a:t>S</a:t>
+              <a:t>Stationary</a:t>
             </a:r>
-            <a:r>
-              <a:rPr kumimoji="1" lang="en-US" altLang="ja-JP" dirty="0" smtClean="0"/>
-              <a:t>tationary</a:t>
-            </a:r>
-            <a:endParaRPr kumimoji="1" lang="en-US" altLang="ja-JP" dirty="0"/>
           </a:p>
         </p:txBody>
       </p:sp>
@@ -13816,19 +14043,15 @@
           <a:p>
             <a:pPr algn="ctr"/>
             <a:r>
-              <a:rPr kumimoji="1" lang="en-US" altLang="ja-JP" dirty="0" smtClean="0"/>
+              <a:rPr kumimoji="1" lang="en-US" altLang="ja-JP" dirty="0"/>
               <a:t>case2</a:t>
             </a:r>
           </a:p>
           <a:p>
             <a:pPr algn="ctr"/>
             <a:r>
-              <a:rPr kumimoji="1" lang="en-US" altLang="ja-JP" dirty="0" smtClean="0"/>
-              <a:t>Move - 200 </a:t>
-            </a:r>
-            <a:r>
               <a:rPr kumimoji="1" lang="en-US" altLang="ja-JP" dirty="0"/>
-              <a:t>[mm/s]</a:t>
+              <a:t>Move - 200 [mm/s]</a:t>
             </a:r>
             <a:endParaRPr kumimoji="1" lang="ja-JP" altLang="en-US" dirty="0"/>
           </a:p>
@@ -13858,19 +14081,15 @@
           <a:p>
             <a:pPr algn="ctr"/>
             <a:r>
-              <a:rPr kumimoji="1" lang="en-US" altLang="ja-JP" dirty="0" smtClean="0"/>
+              <a:rPr kumimoji="1" lang="en-US" altLang="ja-JP" dirty="0"/>
               <a:t>case3</a:t>
             </a:r>
           </a:p>
           <a:p>
             <a:pPr algn="ctr"/>
             <a:r>
-              <a:rPr kumimoji="1" lang="en-US" altLang="ja-JP" dirty="0" smtClean="0"/>
-              <a:t>Move - 300 </a:t>
-            </a:r>
-            <a:r>
               <a:rPr kumimoji="1" lang="en-US" altLang="ja-JP" dirty="0"/>
-              <a:t>[mm/s]</a:t>
+              <a:t>Move - 300 [mm/s]</a:t>
             </a:r>
             <a:endParaRPr kumimoji="1" lang="ja-JP" altLang="en-US" dirty="0"/>
           </a:p>
@@ -13881,7 +14100,7 @@
           <p:cNvPr id="8" name="テキスト ボックス 7">
             <a:extLst>
               <a:ext uri="{FF2B5EF4-FFF2-40B4-BE49-F238E27FC236}">
-                <a16:creationId xmlns:a16="http://schemas.microsoft.com/office/drawing/2014/main" xmlns="" id="{093C528F-2820-7842-B097-0CEA13538469}"/>
+                <a16:creationId xmlns:a16="http://schemas.microsoft.com/office/drawing/2014/main" id="{093C528F-2820-7842-B097-0CEA13538469}"/>
               </a:ext>
             </a:extLst>
           </p:cNvPr>
@@ -13905,7 +14124,7 @@
           <a:lstStyle/>
           <a:p>
             <a:r>
-              <a:rPr kumimoji="1" lang="en-US" altLang="ja-JP" dirty="0" smtClean="0"/>
+              <a:rPr kumimoji="1" lang="en-US" altLang="ja-JP" dirty="0"/>
               <a:t>Color</a:t>
             </a:r>
           </a:p>
@@ -14059,7 +14278,7 @@
           <p:cNvPr id="5" name="正方形/長方形 4">
             <a:extLst>
               <a:ext uri="{FF2B5EF4-FFF2-40B4-BE49-F238E27FC236}">
-                <a16:creationId xmlns:a16="http://schemas.microsoft.com/office/drawing/2014/main" xmlns="" id="{24BDBAAB-565F-544E-8F79-2E06B1AC400F}"/>
+                <a16:creationId xmlns:a16="http://schemas.microsoft.com/office/drawing/2014/main" id="{24BDBAAB-565F-544E-8F79-2E06B1AC400F}"/>
               </a:ext>
             </a:extLst>
           </p:cNvPr>
@@ -14113,7 +14332,7 @@
           <p:cNvPr id="3" name="コンテンツ プレースホルダー 2">
             <a:extLst>
               <a:ext uri="{FF2B5EF4-FFF2-40B4-BE49-F238E27FC236}">
-                <a16:creationId xmlns:a16="http://schemas.microsoft.com/office/drawing/2014/main" xmlns="" id="{57201CEF-5B54-EC41-97DF-2A5FDA9A8199}"/>
+                <a16:creationId xmlns:a16="http://schemas.microsoft.com/office/drawing/2014/main" id="{57201CEF-5B54-EC41-97DF-2A5FDA9A8199}"/>
               </a:ext>
             </a:extLst>
           </p:cNvPr>
@@ -14157,13 +14376,6 @@
   <p:clrMapOvr>
     <a:masterClrMapping/>
   </p:clrMapOvr>
-  <p:timing>
-    <p:tnLst>
-      <p:par>
-        <p:cTn id="1" dur="indefinite" restart="never" nodeType="tmRoot"/>
-      </p:par>
-    </p:tnLst>
-  </p:timing>
 </p:sld>
 </file>
 
@@ -14204,12 +14416,8 @@
               <a:t> </a:t>
             </a:r>
             <a:r>
-              <a:rPr kumimoji="1" lang="en-US" altLang="ja-JP" dirty="0" smtClean="0"/>
-              <a:t>Stationary </a:t>
-            </a:r>
-            <a:r>
               <a:rPr kumimoji="1" lang="en-US" altLang="ja-JP" dirty="0"/>
-              <a:t>Pestle</a:t>
+              <a:t>Stationary Pestle</a:t>
             </a:r>
             <a:endParaRPr lang="ko-KR" altLang="en-US" dirty="0"/>
           </a:p>
@@ -14266,7 +14474,7 @@
           <p:cNvPr id="8" name="テキスト ボックス 7">
             <a:extLst>
               <a:ext uri="{FF2B5EF4-FFF2-40B4-BE49-F238E27FC236}">
-                <a16:creationId xmlns:a16="http://schemas.microsoft.com/office/drawing/2014/main" xmlns="" id="{093C528F-2820-7842-B097-0CEA13538469}"/>
+                <a16:creationId xmlns:a16="http://schemas.microsoft.com/office/drawing/2014/main" id="{093C528F-2820-7842-B097-0CEA13538469}"/>
               </a:ext>
             </a:extLst>
           </p:cNvPr>
@@ -14290,7 +14498,7 @@
           <a:lstStyle/>
           <a:p>
             <a:r>
-              <a:rPr kumimoji="1" lang="en-US" altLang="ja-JP" dirty="0" smtClean="0"/>
+              <a:rPr kumimoji="1" lang="en-US" altLang="ja-JP" dirty="0"/>
               <a:t>Epsilon</a:t>
             </a:r>
           </a:p>
@@ -14353,7 +14561,7 @@
           <a:p>
             <a:pPr algn="ctr"/>
             <a:r>
-              <a:rPr kumimoji="1" lang="en-US" altLang="ja-JP" dirty="0" smtClean="0"/>
+              <a:rPr kumimoji="1" lang="en-US" altLang="ja-JP" dirty="0"/>
               <a:t>case1</a:t>
             </a:r>
           </a:p>
@@ -14361,13 +14569,8 @@
             <a:pPr algn="ctr"/>
             <a:r>
               <a:rPr kumimoji="1" lang="en-US" altLang="ja-JP" dirty="0"/>
-              <a:t>S</a:t>
+              <a:t>Stationary</a:t>
             </a:r>
-            <a:r>
-              <a:rPr kumimoji="1" lang="en-US" altLang="ja-JP" dirty="0" smtClean="0"/>
-              <a:t>tationary</a:t>
-            </a:r>
-            <a:endParaRPr kumimoji="1" lang="en-US" altLang="ja-JP" dirty="0"/>
           </a:p>
         </p:txBody>
       </p:sp>
@@ -14395,19 +14598,15 @@
           <a:p>
             <a:pPr algn="ctr"/>
             <a:r>
-              <a:rPr kumimoji="1" lang="en-US" altLang="ja-JP" dirty="0" smtClean="0"/>
+              <a:rPr kumimoji="1" lang="en-US" altLang="ja-JP" dirty="0"/>
               <a:t>case2</a:t>
             </a:r>
           </a:p>
           <a:p>
             <a:pPr algn="ctr"/>
             <a:r>
-              <a:rPr kumimoji="1" lang="en-US" altLang="ja-JP" dirty="0" smtClean="0"/>
-              <a:t>Move - 200 </a:t>
-            </a:r>
-            <a:r>
               <a:rPr kumimoji="1" lang="en-US" altLang="ja-JP" dirty="0"/>
-              <a:t>[mm/s]</a:t>
+              <a:t>Move - 200 [mm/s]</a:t>
             </a:r>
             <a:endParaRPr kumimoji="1" lang="ja-JP" altLang="en-US" dirty="0"/>
           </a:p>
@@ -14437,19 +14636,15 @@
           <a:p>
             <a:pPr algn="ctr"/>
             <a:r>
-              <a:rPr kumimoji="1" lang="en-US" altLang="ja-JP" dirty="0" smtClean="0"/>
+              <a:rPr kumimoji="1" lang="en-US" altLang="ja-JP" dirty="0"/>
               <a:t>case3</a:t>
             </a:r>
           </a:p>
           <a:p>
             <a:pPr algn="ctr"/>
             <a:r>
-              <a:rPr kumimoji="1" lang="en-US" altLang="ja-JP" dirty="0" smtClean="0"/>
-              <a:t>Move - 300 </a:t>
-            </a:r>
-            <a:r>
               <a:rPr kumimoji="1" lang="en-US" altLang="ja-JP" dirty="0"/>
-              <a:t>[mm/s]</a:t>
+              <a:t>Move - 300 [mm/s]</a:t>
             </a:r>
             <a:endParaRPr kumimoji="1" lang="ja-JP" altLang="en-US" dirty="0"/>
           </a:p>
@@ -14585,12 +14780,8 @@
               <a:t> </a:t>
             </a:r>
             <a:r>
-              <a:rPr kumimoji="1" lang="en-US" altLang="ja-JP" dirty="0" smtClean="0"/>
-              <a:t>Stationary </a:t>
-            </a:r>
-            <a:r>
               <a:rPr kumimoji="1" lang="en-US" altLang="ja-JP" dirty="0"/>
-              <a:t>Pestle</a:t>
+              <a:t>Stationary Pestle</a:t>
             </a:r>
             <a:endParaRPr lang="ko-KR" altLang="en-US" dirty="0"/>
           </a:p>
@@ -14647,7 +14838,7 @@
           <p:cNvPr id="8" name="テキスト ボックス 7">
             <a:extLst>
               <a:ext uri="{FF2B5EF4-FFF2-40B4-BE49-F238E27FC236}">
-                <a16:creationId xmlns:a16="http://schemas.microsoft.com/office/drawing/2014/main" xmlns="" id="{093C528F-2820-7842-B097-0CEA13538469}"/>
+                <a16:creationId xmlns:a16="http://schemas.microsoft.com/office/drawing/2014/main" id="{093C528F-2820-7842-B097-0CEA13538469}"/>
               </a:ext>
             </a:extLst>
           </p:cNvPr>
@@ -14671,7 +14862,7 @@
           <a:lstStyle/>
           <a:p>
             <a:r>
-              <a:rPr kumimoji="1" lang="en-US" altLang="ja-JP" dirty="0" smtClean="0"/>
+              <a:rPr kumimoji="1" lang="en-US" altLang="ja-JP" dirty="0"/>
               <a:t>Layer</a:t>
             </a:r>
           </a:p>
@@ -14711,13 +14902,6 @@
   <p:clrMapOvr>
     <a:masterClrMapping/>
   </p:clrMapOvr>
-  <p:timing>
-    <p:tnLst>
-      <p:par>
-        <p:cTn id="1" dur="indefinite" restart="never" nodeType="tmRoot"/>
-      </p:par>
-    </p:tnLst>
-  </p:timing>
 </p:sld>
 </file>
 
@@ -14976,10 +15160,34 @@
             <a:tbl>
               <a:tblPr/>
               <a:tblGrid>
-                <a:gridCol w="977556"/>
-                <a:gridCol w="1944216"/>
-                <a:gridCol w="1944216"/>
-                <a:gridCol w="1944216"/>
+                <a:gridCol w="977556">
+                  <a:extLst>
+                    <a:ext uri="{9D8B030D-6E8A-4147-A177-3AD203B41FA5}">
+                      <a16:colId xmlns:a16="http://schemas.microsoft.com/office/drawing/2014/main" val="20000"/>
+                    </a:ext>
+                  </a:extLst>
+                </a:gridCol>
+                <a:gridCol w="1944216">
+                  <a:extLst>
+                    <a:ext uri="{9D8B030D-6E8A-4147-A177-3AD203B41FA5}">
+                      <a16:colId xmlns:a16="http://schemas.microsoft.com/office/drawing/2014/main" val="20001"/>
+                    </a:ext>
+                  </a:extLst>
+                </a:gridCol>
+                <a:gridCol w="1944216">
+                  <a:extLst>
+                    <a:ext uri="{9D8B030D-6E8A-4147-A177-3AD203B41FA5}">
+                      <a16:colId xmlns:a16="http://schemas.microsoft.com/office/drawing/2014/main" val="20002"/>
+                    </a:ext>
+                  </a:extLst>
+                </a:gridCol>
+                <a:gridCol w="1944216">
+                  <a:extLst>
+                    <a:ext uri="{9D8B030D-6E8A-4147-A177-3AD203B41FA5}">
+                      <a16:colId xmlns:a16="http://schemas.microsoft.com/office/drawing/2014/main" val="20003"/>
+                    </a:ext>
+                  </a:extLst>
+                </a:gridCol>
               </a:tblGrid>
               <a:tr h="180975">
                 <a:tc>
@@ -15214,6 +15422,11 @@
                     </a:lnB>
                   </a:tcPr>
                 </a:tc>
+                <a:extLst>
+                  <a:ext uri="{0D108BD9-81ED-4DB2-BD59-A6C34878D82A}">
+                    <a16:rowId xmlns:a16="http://schemas.microsoft.com/office/drawing/2014/main" val="10000"/>
+                  </a:ext>
+                </a:extLst>
               </a:tr>
               <a:tr h="171450">
                 <a:tc>
@@ -15364,6 +15577,11 @@
                     </a:lnB>
                   </a:tcPr>
                 </a:tc>
+                <a:extLst>
+                  <a:ext uri="{0D108BD9-81ED-4DB2-BD59-A6C34878D82A}">
+                    <a16:rowId xmlns:a16="http://schemas.microsoft.com/office/drawing/2014/main" val="10001"/>
+                  </a:ext>
+                </a:extLst>
               </a:tr>
             </a:tbl>
           </a:graphicData>
@@ -15440,7 +15658,7 @@
           <p:cNvPr id="33" name="テキスト ボックス 32">
             <a:extLst>
               <a:ext uri="{FF2B5EF4-FFF2-40B4-BE49-F238E27FC236}">
-                <a16:creationId xmlns:a16="http://schemas.microsoft.com/office/drawing/2014/main" xmlns="" id="{093C528F-2820-7842-B097-0CEA13538469}"/>
+                <a16:creationId xmlns:a16="http://schemas.microsoft.com/office/drawing/2014/main" id="{093C528F-2820-7842-B097-0CEA13538469}"/>
               </a:ext>
             </a:extLst>
           </p:cNvPr>
@@ -15465,24 +15683,20 @@
           <a:p>
             <a:pPr algn="ctr"/>
             <a:r>
-              <a:rPr kumimoji="1" lang="en-US" altLang="ja-JP" u="sng" dirty="0" smtClean="0"/>
+              <a:rPr kumimoji="1" lang="en-US" altLang="ja-JP" u="sng" dirty="0"/>
               <a:t>Number of </a:t>
             </a:r>
             <a:r>
               <a:rPr kumimoji="1" lang="en-US" altLang="ja-JP" u="sng" dirty="0" err="1"/>
-              <a:t>p</a:t>
+              <a:t>partilces</a:t>
             </a:r>
-            <a:r>
-              <a:rPr kumimoji="1" lang="en-US" altLang="ja-JP" u="sng" dirty="0" err="1" smtClean="0"/>
-              <a:t>artilces</a:t>
-            </a:r>
-            <a:endParaRPr kumimoji="1" lang="en-US" altLang="ja-JP" u="sng" dirty="0" smtClean="0"/>
+            <a:endParaRPr kumimoji="1" lang="en-US" altLang="ja-JP" u="sng" dirty="0"/>
           </a:p>
           <a:p>
             <a:pPr algn="ctr"/>
             <a:r>
-              <a:rPr kumimoji="1" lang="en-US" altLang="ja-JP" u="sng" dirty="0" smtClean="0"/>
-              <a:t>in the area</a:t>
+              <a:rPr kumimoji="1" lang="en-US" altLang="ja-JP" u="sng" dirty="0"/>
+              <a:t>in the die</a:t>
             </a:r>
           </a:p>
         </p:txBody>
@@ -15510,12 +15724,48 @@
             <a:tbl>
               <a:tblPr/>
               <a:tblGrid>
-                <a:gridCol w="681899"/>
-                <a:gridCol w="254206"/>
-                <a:gridCol w="1008112"/>
-                <a:gridCol w="1944216"/>
-                <a:gridCol w="1944216"/>
-                <a:gridCol w="1935073"/>
+                <a:gridCol w="681899">
+                  <a:extLst>
+                    <a:ext uri="{9D8B030D-6E8A-4147-A177-3AD203B41FA5}">
+                      <a16:colId xmlns:a16="http://schemas.microsoft.com/office/drawing/2014/main" val="20000"/>
+                    </a:ext>
+                  </a:extLst>
+                </a:gridCol>
+                <a:gridCol w="254206">
+                  <a:extLst>
+                    <a:ext uri="{9D8B030D-6E8A-4147-A177-3AD203B41FA5}">
+                      <a16:colId xmlns:a16="http://schemas.microsoft.com/office/drawing/2014/main" val="20001"/>
+                    </a:ext>
+                  </a:extLst>
+                </a:gridCol>
+                <a:gridCol w="1008112">
+                  <a:extLst>
+                    <a:ext uri="{9D8B030D-6E8A-4147-A177-3AD203B41FA5}">
+                      <a16:colId xmlns:a16="http://schemas.microsoft.com/office/drawing/2014/main" val="20002"/>
+                    </a:ext>
+                  </a:extLst>
+                </a:gridCol>
+                <a:gridCol w="1944216">
+                  <a:extLst>
+                    <a:ext uri="{9D8B030D-6E8A-4147-A177-3AD203B41FA5}">
+                      <a16:colId xmlns:a16="http://schemas.microsoft.com/office/drawing/2014/main" val="20003"/>
+                    </a:ext>
+                  </a:extLst>
+                </a:gridCol>
+                <a:gridCol w="1944216">
+                  <a:extLst>
+                    <a:ext uri="{9D8B030D-6E8A-4147-A177-3AD203B41FA5}">
+                      <a16:colId xmlns:a16="http://schemas.microsoft.com/office/drawing/2014/main" val="20004"/>
+                    </a:ext>
+                  </a:extLst>
+                </a:gridCol>
+                <a:gridCol w="1935073">
+                  <a:extLst>
+                    <a:ext uri="{9D8B030D-6E8A-4147-A177-3AD203B41FA5}">
+                      <a16:colId xmlns:a16="http://schemas.microsoft.com/office/drawing/2014/main" val="20005"/>
+                    </a:ext>
+                  </a:extLst>
+                </a:gridCol>
               </a:tblGrid>
               <a:tr h="171450">
                 <a:tc rowSpan="5">
@@ -15869,6 +16119,11 @@
                     </a:lnB>
                   </a:tcPr>
                 </a:tc>
+                <a:extLst>
+                  <a:ext uri="{0D108BD9-81ED-4DB2-BD59-A6C34878D82A}">
+                    <a16:rowId xmlns:a16="http://schemas.microsoft.com/office/drawing/2014/main" val="10000"/>
+                  </a:ext>
+                </a:extLst>
               </a:tr>
               <a:tr h="171450">
                 <a:tc vMerge="1">
@@ -16174,6 +16429,11 @@
                     </a:lnB>
                   </a:tcPr>
                 </a:tc>
+                <a:extLst>
+                  <a:ext uri="{0D108BD9-81ED-4DB2-BD59-A6C34878D82A}">
+                    <a16:rowId xmlns:a16="http://schemas.microsoft.com/office/drawing/2014/main" val="10001"/>
+                  </a:ext>
+                </a:extLst>
               </a:tr>
               <a:tr h="171450">
                 <a:tc vMerge="1">
@@ -16479,6 +16739,11 @@
                     </a:lnB>
                   </a:tcPr>
                 </a:tc>
+                <a:extLst>
+                  <a:ext uri="{0D108BD9-81ED-4DB2-BD59-A6C34878D82A}">
+                    <a16:rowId xmlns:a16="http://schemas.microsoft.com/office/drawing/2014/main" val="10002"/>
+                  </a:ext>
+                </a:extLst>
               </a:tr>
               <a:tr h="180975">
                 <a:tc vMerge="1">
@@ -16784,6 +17049,11 @@
                     </a:lnB>
                   </a:tcPr>
                 </a:tc>
+                <a:extLst>
+                  <a:ext uri="{0D108BD9-81ED-4DB2-BD59-A6C34878D82A}">
+                    <a16:rowId xmlns:a16="http://schemas.microsoft.com/office/drawing/2014/main" val="10003"/>
+                  </a:ext>
+                </a:extLst>
               </a:tr>
               <a:tr h="180975">
                 <a:tc vMerge="1">
@@ -17089,6 +17359,11 @@
                     </a:lnB>
                   </a:tcPr>
                 </a:tc>
+                <a:extLst>
+                  <a:ext uri="{0D108BD9-81ED-4DB2-BD59-A6C34878D82A}">
+                    <a16:rowId xmlns:a16="http://schemas.microsoft.com/office/drawing/2014/main" val="10004"/>
+                  </a:ext>
+                </a:extLst>
               </a:tr>
             </a:tbl>
           </a:graphicData>
@@ -17117,9 +17392,27 @@
             <a:tbl>
               <a:tblPr/>
               <a:tblGrid>
-                <a:gridCol w="1945280"/>
-                <a:gridCol w="1945280"/>
-                <a:gridCol w="1945280"/>
+                <a:gridCol w="1945280">
+                  <a:extLst>
+                    <a:ext uri="{9D8B030D-6E8A-4147-A177-3AD203B41FA5}">
+                      <a16:colId xmlns:a16="http://schemas.microsoft.com/office/drawing/2014/main" val="20000"/>
+                    </a:ext>
+                  </a:extLst>
+                </a:gridCol>
+                <a:gridCol w="1945280">
+                  <a:extLst>
+                    <a:ext uri="{9D8B030D-6E8A-4147-A177-3AD203B41FA5}">
+                      <a16:colId xmlns:a16="http://schemas.microsoft.com/office/drawing/2014/main" val="20001"/>
+                    </a:ext>
+                  </a:extLst>
+                </a:gridCol>
+                <a:gridCol w="1945280">
+                  <a:extLst>
+                    <a:ext uri="{9D8B030D-6E8A-4147-A177-3AD203B41FA5}">
+                      <a16:colId xmlns:a16="http://schemas.microsoft.com/office/drawing/2014/main" val="20002"/>
+                    </a:ext>
+                  </a:extLst>
+                </a:gridCol>
               </a:tblGrid>
               <a:tr h="209605">
                 <a:tc gridSpan="3">
@@ -17137,27 +17430,8 @@
                           <a:latin typeface="+mn-lt"/>
                           <a:ea typeface="ＭＳ Ｐゴシック" panose="020B0600070205080204" pitchFamily="50" charset="-128"/>
                         </a:rPr>
-                        <a:t>Pestle </a:t>
+                        <a:t>Pestle Move</a:t>
                       </a:r>
-                      <a:r>
-                        <a:rPr lang="en-US" sz="1100" b="0" i="0" u="none" strike="noStrike" dirty="0" smtClean="0">
-                          <a:solidFill>
-                            <a:srgbClr val="000000"/>
-                          </a:solidFill>
-                          <a:effectLst/>
-                          <a:latin typeface="+mn-lt"/>
-                          <a:ea typeface="ＭＳ Ｐゴシック" panose="020B0600070205080204" pitchFamily="50" charset="-128"/>
-                        </a:rPr>
-                        <a:t>Move</a:t>
-                      </a:r>
-                      <a:endParaRPr lang="en-US" sz="1100" b="0" i="0" u="none" strike="noStrike" dirty="0">
-                        <a:solidFill>
-                          <a:srgbClr val="000000"/>
-                        </a:solidFill>
-                        <a:effectLst/>
-                        <a:latin typeface="+mn-lt"/>
-                        <a:ea typeface="ＭＳ Ｐゴシック" panose="020B0600070205080204" pitchFamily="50" charset="-128"/>
-                      </a:endParaRPr>
                     </a:p>
                   </a:txBody>
                   <a:tcPr marL="9525" marR="9525" marT="9525" marB="0" anchor="ctr">
@@ -17219,6 +17493,11 @@
                   </a:txBody>
                   <a:tcPr/>
                 </a:tc>
+                <a:extLst>
+                  <a:ext uri="{0D108BD9-81ED-4DB2-BD59-A6C34878D82A}">
+                    <a16:rowId xmlns:a16="http://schemas.microsoft.com/office/drawing/2014/main" val="10000"/>
+                  </a:ext>
+                </a:extLst>
               </a:tr>
               <a:tr h="209605">
                 <a:tc>
@@ -17286,7 +17565,7 @@
                     <a:p>
                       <a:pPr algn="ctr" fontAlgn="ctr"/>
                       <a:r>
-                        <a:rPr lang="en-US" sz="1100" b="0" i="0" u="none" strike="noStrike" dirty="0" smtClean="0">
+                        <a:rPr lang="en-US" sz="1100" b="0" i="0" u="none" strike="noStrike" dirty="0">
                           <a:solidFill>
                             <a:srgbClr val="000000"/>
                           </a:solidFill>
@@ -17297,7 +17576,7 @@
                         <a:t>Move</a:t>
                       </a:r>
                       <a:r>
-                        <a:rPr lang="en-US" sz="1100" b="0" i="0" u="none" strike="noStrike" baseline="0" dirty="0" smtClean="0">
+                        <a:rPr lang="en-US" sz="1100" b="0" i="0" u="none" strike="noStrike" baseline="0" dirty="0">
                           <a:solidFill>
                             <a:srgbClr val="000000"/>
                           </a:solidFill>
@@ -17308,7 +17587,7 @@
                         <a:t> - </a:t>
                       </a:r>
                       <a:r>
-                        <a:rPr lang="en-US" sz="1100" b="0" i="0" u="none" strike="noStrike" dirty="0" smtClean="0">
+                        <a:rPr lang="en-US" sz="1100" b="0" i="0" u="none" strike="noStrike" dirty="0">
                           <a:solidFill>
                             <a:srgbClr val="000000"/>
                           </a:solidFill>
@@ -17318,14 +17597,6 @@
                         </a:rPr>
                         <a:t>200[mm/s]</a:t>
                       </a:r>
-                      <a:endParaRPr lang="en-US" sz="1100" b="0" i="0" u="none" strike="noStrike" dirty="0">
-                        <a:solidFill>
-                          <a:srgbClr val="000000"/>
-                        </a:solidFill>
-                        <a:effectLst/>
-                        <a:latin typeface="+mn-lt"/>
-                        <a:ea typeface="ＭＳ Ｐゴシック" panose="020B0600070205080204" pitchFamily="50" charset="-128"/>
-                      </a:endParaRPr>
                     </a:p>
                   </a:txBody>
                   <a:tcPr marL="9525" marR="9525" marT="9525" marB="0" anchor="ctr">
@@ -17374,7 +17645,7 @@
                     <a:p>
                       <a:pPr algn="ctr" fontAlgn="ctr"/>
                       <a:r>
-                        <a:rPr lang="en-US" sz="1100" b="0" i="0" u="none" strike="noStrike" dirty="0" smtClean="0">
+                        <a:rPr lang="en-US" sz="1100" b="0" i="0" u="none" strike="noStrike" dirty="0">
                           <a:solidFill>
                             <a:srgbClr val="000000"/>
                           </a:solidFill>
@@ -17385,7 +17656,7 @@
                         <a:t>Move</a:t>
                       </a:r>
                       <a:r>
-                        <a:rPr lang="en-US" sz="1100" b="0" i="0" u="none" strike="noStrike" baseline="0" dirty="0" smtClean="0">
+                        <a:rPr lang="en-US" sz="1100" b="0" i="0" u="none" strike="noStrike" baseline="0" dirty="0">
                           <a:solidFill>
                             <a:srgbClr val="000000"/>
                           </a:solidFill>
@@ -17396,7 +17667,7 @@
                         <a:t> - </a:t>
                       </a:r>
                       <a:r>
-                        <a:rPr lang="en-US" sz="1100" b="0" i="0" u="none" strike="noStrike" dirty="0" smtClean="0">
+                        <a:rPr lang="en-US" sz="1100" b="0" i="0" u="none" strike="noStrike" dirty="0">
                           <a:solidFill>
                             <a:srgbClr val="000000"/>
                           </a:solidFill>
@@ -17406,14 +17677,6 @@
                         </a:rPr>
                         <a:t>300[mm/s]</a:t>
                       </a:r>
-                      <a:endParaRPr lang="en-US" sz="1100" b="0" i="0" u="none" strike="noStrike" dirty="0">
-                        <a:solidFill>
-                          <a:srgbClr val="000000"/>
-                        </a:solidFill>
-                        <a:effectLst/>
-                        <a:latin typeface="+mn-lt"/>
-                        <a:ea typeface="ＭＳ Ｐゴシック" panose="020B0600070205080204" pitchFamily="50" charset="-128"/>
-                      </a:endParaRPr>
                     </a:p>
                   </a:txBody>
                   <a:tcPr marL="9525" marR="9525" marT="9525" marB="0" anchor="ctr">
@@ -17455,6 +17718,11 @@
                     </a:lnB>
                   </a:tcPr>
                 </a:tc>
+                <a:extLst>
+                  <a:ext uri="{0D108BD9-81ED-4DB2-BD59-A6C34878D82A}">
+                    <a16:rowId xmlns:a16="http://schemas.microsoft.com/office/drawing/2014/main" val="10001"/>
+                  </a:ext>
+                </a:extLst>
               </a:tr>
             </a:tbl>
           </a:graphicData>
@@ -17560,13 +17828,6 @@
   <p:clrMapOvr>
     <a:masterClrMapping/>
   </p:clrMapOvr>
-  <p:timing>
-    <p:tnLst>
-      <p:par>
-        <p:cTn id="1" dur="indefinite" restart="never" nodeType="tmRoot"/>
-      </p:par>
-    </p:tnLst>
-  </p:timing>
 </p:sld>
 </file>
 
@@ -17891,12 +18152,48 @@
             <a:tbl>
               <a:tblPr/>
               <a:tblGrid>
-                <a:gridCol w="681899"/>
-                <a:gridCol w="254206"/>
-                <a:gridCol w="1008112"/>
-                <a:gridCol w="1944216"/>
-                <a:gridCol w="1944216"/>
-                <a:gridCol w="1935073"/>
+                <a:gridCol w="681899">
+                  <a:extLst>
+                    <a:ext uri="{9D8B030D-6E8A-4147-A177-3AD203B41FA5}">
+                      <a16:colId xmlns:a16="http://schemas.microsoft.com/office/drawing/2014/main" val="20000"/>
+                    </a:ext>
+                  </a:extLst>
+                </a:gridCol>
+                <a:gridCol w="254206">
+                  <a:extLst>
+                    <a:ext uri="{9D8B030D-6E8A-4147-A177-3AD203B41FA5}">
+                      <a16:colId xmlns:a16="http://schemas.microsoft.com/office/drawing/2014/main" val="20001"/>
+                    </a:ext>
+                  </a:extLst>
+                </a:gridCol>
+                <a:gridCol w="1008112">
+                  <a:extLst>
+                    <a:ext uri="{9D8B030D-6E8A-4147-A177-3AD203B41FA5}">
+                      <a16:colId xmlns:a16="http://schemas.microsoft.com/office/drawing/2014/main" val="20002"/>
+                    </a:ext>
+                  </a:extLst>
+                </a:gridCol>
+                <a:gridCol w="1944216">
+                  <a:extLst>
+                    <a:ext uri="{9D8B030D-6E8A-4147-A177-3AD203B41FA5}">
+                      <a16:colId xmlns:a16="http://schemas.microsoft.com/office/drawing/2014/main" val="20003"/>
+                    </a:ext>
+                  </a:extLst>
+                </a:gridCol>
+                <a:gridCol w="1944216">
+                  <a:extLst>
+                    <a:ext uri="{9D8B030D-6E8A-4147-A177-3AD203B41FA5}">
+                      <a16:colId xmlns:a16="http://schemas.microsoft.com/office/drawing/2014/main" val="20004"/>
+                    </a:ext>
+                  </a:extLst>
+                </a:gridCol>
+                <a:gridCol w="1935073">
+                  <a:extLst>
+                    <a:ext uri="{9D8B030D-6E8A-4147-A177-3AD203B41FA5}">
+                      <a16:colId xmlns:a16="http://schemas.microsoft.com/office/drawing/2014/main" val="20005"/>
+                    </a:ext>
+                  </a:extLst>
+                </a:gridCol>
               </a:tblGrid>
               <a:tr h="171450">
                 <a:tc rowSpan="5">
@@ -18250,6 +18547,11 @@
                     </a:lnB>
                   </a:tcPr>
                 </a:tc>
+                <a:extLst>
+                  <a:ext uri="{0D108BD9-81ED-4DB2-BD59-A6C34878D82A}">
+                    <a16:rowId xmlns:a16="http://schemas.microsoft.com/office/drawing/2014/main" val="10000"/>
+                  </a:ext>
+                </a:extLst>
               </a:tr>
               <a:tr h="171450">
                 <a:tc vMerge="1">
@@ -18555,6 +18857,11 @@
                     </a:lnB>
                   </a:tcPr>
                 </a:tc>
+                <a:extLst>
+                  <a:ext uri="{0D108BD9-81ED-4DB2-BD59-A6C34878D82A}">
+                    <a16:rowId xmlns:a16="http://schemas.microsoft.com/office/drawing/2014/main" val="10001"/>
+                  </a:ext>
+                </a:extLst>
               </a:tr>
               <a:tr h="171450">
                 <a:tc vMerge="1">
@@ -18860,6 +19167,11 @@
                     </a:lnB>
                   </a:tcPr>
                 </a:tc>
+                <a:extLst>
+                  <a:ext uri="{0D108BD9-81ED-4DB2-BD59-A6C34878D82A}">
+                    <a16:rowId xmlns:a16="http://schemas.microsoft.com/office/drawing/2014/main" val="10002"/>
+                  </a:ext>
+                </a:extLst>
               </a:tr>
               <a:tr h="180975">
                 <a:tc vMerge="1">
@@ -19165,6 +19477,11 @@
                     </a:lnB>
                   </a:tcPr>
                 </a:tc>
+                <a:extLst>
+                  <a:ext uri="{0D108BD9-81ED-4DB2-BD59-A6C34878D82A}">
+                    <a16:rowId xmlns:a16="http://schemas.microsoft.com/office/drawing/2014/main" val="10003"/>
+                  </a:ext>
+                </a:extLst>
               </a:tr>
               <a:tr h="180975">
                 <a:tc vMerge="1">
@@ -19470,6 +19787,11 @@
                     </a:lnB>
                   </a:tcPr>
                 </a:tc>
+                <a:extLst>
+                  <a:ext uri="{0D108BD9-81ED-4DB2-BD59-A6C34878D82A}">
+                    <a16:rowId xmlns:a16="http://schemas.microsoft.com/office/drawing/2014/main" val="10004"/>
+                  </a:ext>
+                </a:extLst>
               </a:tr>
             </a:tbl>
           </a:graphicData>
@@ -19480,7 +19802,7 @@
           <p:cNvPr id="20" name="テキスト ボックス 19">
             <a:extLst>
               <a:ext uri="{FF2B5EF4-FFF2-40B4-BE49-F238E27FC236}">
-                <a16:creationId xmlns:a16="http://schemas.microsoft.com/office/drawing/2014/main" xmlns="" id="{093C528F-2820-7842-B097-0CEA13538469}"/>
+                <a16:creationId xmlns:a16="http://schemas.microsoft.com/office/drawing/2014/main" id="{093C528F-2820-7842-B097-0CEA13538469}"/>
               </a:ext>
             </a:extLst>
           </p:cNvPr>
@@ -19505,22 +19827,26 @@
           <a:p>
             <a:pPr algn="ctr"/>
             <a:r>
-              <a:rPr kumimoji="1" lang="en-US" altLang="ja-JP" u="sng" dirty="0" smtClean="0"/>
+              <a:rPr kumimoji="1" lang="en-US" altLang="ja-JP" u="sng" dirty="0"/>
               <a:t>Number of particles rate</a:t>
             </a:r>
           </a:p>
           <a:p>
             <a:pPr algn="ctr"/>
             <a:r>
-              <a:rPr kumimoji="1" lang="en-US" altLang="ja-JP" u="sng" dirty="0" smtClean="0"/>
-              <a:t>in the area</a:t>
+              <a:rPr kumimoji="1" lang="en-US" altLang="ja-JP" u="sng" dirty="0"/>
+              <a:t>in </a:t>
             </a:r>
             <a:r>
-              <a:rPr kumimoji="1" lang="ja-JP" altLang="en-US" u="sng" dirty="0" smtClean="0"/>
+              <a:rPr kumimoji="1" lang="en-US" altLang="ja-JP" u="sng"/>
+              <a:t>the die</a:t>
+            </a:r>
+            <a:r>
+              <a:rPr kumimoji="1" lang="ja-JP" altLang="en-US" u="sng" dirty="0"/>
               <a:t>　</a:t>
             </a:r>
             <a:r>
-              <a:rPr kumimoji="1" lang="en-US" altLang="ja-JP" u="sng" dirty="0" smtClean="0"/>
+              <a:rPr kumimoji="1" lang="en-US" altLang="ja-JP" u="sng" dirty="0"/>
               <a:t>[%]</a:t>
             </a:r>
           </a:p>
@@ -19549,9 +19875,27 @@
             <a:tbl>
               <a:tblPr/>
               <a:tblGrid>
-                <a:gridCol w="1945280"/>
-                <a:gridCol w="1945280"/>
-                <a:gridCol w="1945280"/>
+                <a:gridCol w="1945280">
+                  <a:extLst>
+                    <a:ext uri="{9D8B030D-6E8A-4147-A177-3AD203B41FA5}">
+                      <a16:colId xmlns:a16="http://schemas.microsoft.com/office/drawing/2014/main" val="20000"/>
+                    </a:ext>
+                  </a:extLst>
+                </a:gridCol>
+                <a:gridCol w="1945280">
+                  <a:extLst>
+                    <a:ext uri="{9D8B030D-6E8A-4147-A177-3AD203B41FA5}">
+                      <a16:colId xmlns:a16="http://schemas.microsoft.com/office/drawing/2014/main" val="20001"/>
+                    </a:ext>
+                  </a:extLst>
+                </a:gridCol>
+                <a:gridCol w="1945280">
+                  <a:extLst>
+                    <a:ext uri="{9D8B030D-6E8A-4147-A177-3AD203B41FA5}">
+                      <a16:colId xmlns:a16="http://schemas.microsoft.com/office/drawing/2014/main" val="20002"/>
+                    </a:ext>
+                  </a:extLst>
+                </a:gridCol>
               </a:tblGrid>
               <a:tr h="209605">
                 <a:tc gridSpan="3">
@@ -19569,27 +19913,8 @@
                           <a:latin typeface="+mn-lt"/>
                           <a:ea typeface="ＭＳ Ｐゴシック" panose="020B0600070205080204" pitchFamily="50" charset="-128"/>
                         </a:rPr>
-                        <a:t>Pestle </a:t>
+                        <a:t>Pestle Move</a:t>
                       </a:r>
-                      <a:r>
-                        <a:rPr lang="en-US" sz="1100" b="0" i="0" u="none" strike="noStrike" dirty="0" smtClean="0">
-                          <a:solidFill>
-                            <a:srgbClr val="000000"/>
-                          </a:solidFill>
-                          <a:effectLst/>
-                          <a:latin typeface="+mn-lt"/>
-                          <a:ea typeface="ＭＳ Ｐゴシック" panose="020B0600070205080204" pitchFamily="50" charset="-128"/>
-                        </a:rPr>
-                        <a:t>Move</a:t>
-                      </a:r>
-                      <a:endParaRPr lang="en-US" sz="1100" b="0" i="0" u="none" strike="noStrike" dirty="0">
-                        <a:solidFill>
-                          <a:srgbClr val="000000"/>
-                        </a:solidFill>
-                        <a:effectLst/>
-                        <a:latin typeface="+mn-lt"/>
-                        <a:ea typeface="ＭＳ Ｐゴシック" panose="020B0600070205080204" pitchFamily="50" charset="-128"/>
-                      </a:endParaRPr>
                     </a:p>
                   </a:txBody>
                   <a:tcPr marL="9525" marR="9525" marT="9525" marB="0" anchor="ctr">
@@ -19651,6 +19976,11 @@
                   </a:txBody>
                   <a:tcPr/>
                 </a:tc>
+                <a:extLst>
+                  <a:ext uri="{0D108BD9-81ED-4DB2-BD59-A6C34878D82A}">
+                    <a16:rowId xmlns:a16="http://schemas.microsoft.com/office/drawing/2014/main" val="10000"/>
+                  </a:ext>
+                </a:extLst>
               </a:tr>
               <a:tr h="209605">
                 <a:tc>
@@ -19718,7 +20048,7 @@
                     <a:p>
                       <a:pPr algn="ctr" fontAlgn="ctr"/>
                       <a:r>
-                        <a:rPr lang="en-US" sz="1100" b="0" i="0" u="none" strike="noStrike" dirty="0" smtClean="0">
+                        <a:rPr lang="en-US" sz="1100" b="0" i="0" u="none" strike="noStrike" dirty="0">
                           <a:solidFill>
                             <a:srgbClr val="000000"/>
                           </a:solidFill>
@@ -19729,7 +20059,7 @@
                         <a:t>Move</a:t>
                       </a:r>
                       <a:r>
-                        <a:rPr lang="en-US" sz="1100" b="0" i="0" u="none" strike="noStrike" baseline="0" dirty="0" smtClean="0">
+                        <a:rPr lang="en-US" sz="1100" b="0" i="0" u="none" strike="noStrike" baseline="0" dirty="0">
                           <a:solidFill>
                             <a:srgbClr val="000000"/>
                           </a:solidFill>
@@ -19740,7 +20070,7 @@
                         <a:t> - </a:t>
                       </a:r>
                       <a:r>
-                        <a:rPr lang="en-US" sz="1100" b="0" i="0" u="none" strike="noStrike" dirty="0" smtClean="0">
+                        <a:rPr lang="en-US" sz="1100" b="0" i="0" u="none" strike="noStrike" dirty="0">
                           <a:solidFill>
                             <a:srgbClr val="000000"/>
                           </a:solidFill>
@@ -19750,14 +20080,6 @@
                         </a:rPr>
                         <a:t>200[mm/s]</a:t>
                       </a:r>
-                      <a:endParaRPr lang="en-US" sz="1100" b="0" i="0" u="none" strike="noStrike" dirty="0">
-                        <a:solidFill>
-                          <a:srgbClr val="000000"/>
-                        </a:solidFill>
-                        <a:effectLst/>
-                        <a:latin typeface="+mn-lt"/>
-                        <a:ea typeface="ＭＳ Ｐゴシック" panose="020B0600070205080204" pitchFamily="50" charset="-128"/>
-                      </a:endParaRPr>
                     </a:p>
                   </a:txBody>
                   <a:tcPr marL="9525" marR="9525" marT="9525" marB="0" anchor="ctr">
@@ -19806,7 +20128,7 @@
                     <a:p>
                       <a:pPr algn="ctr" fontAlgn="ctr"/>
                       <a:r>
-                        <a:rPr lang="en-US" sz="1100" b="0" i="0" u="none" strike="noStrike" dirty="0" smtClean="0">
+                        <a:rPr lang="en-US" sz="1100" b="0" i="0" u="none" strike="noStrike" dirty="0">
                           <a:solidFill>
                             <a:srgbClr val="000000"/>
                           </a:solidFill>
@@ -19817,7 +20139,7 @@
                         <a:t>Move</a:t>
                       </a:r>
                       <a:r>
-                        <a:rPr lang="en-US" sz="1100" b="0" i="0" u="none" strike="noStrike" baseline="0" dirty="0" smtClean="0">
+                        <a:rPr lang="en-US" sz="1100" b="0" i="0" u="none" strike="noStrike" baseline="0" dirty="0">
                           <a:solidFill>
                             <a:srgbClr val="000000"/>
                           </a:solidFill>
@@ -19828,7 +20150,7 @@
                         <a:t> - </a:t>
                       </a:r>
                       <a:r>
-                        <a:rPr lang="en-US" sz="1100" b="0" i="0" u="none" strike="noStrike" dirty="0" smtClean="0">
+                        <a:rPr lang="en-US" sz="1100" b="0" i="0" u="none" strike="noStrike" dirty="0">
                           <a:solidFill>
                             <a:srgbClr val="000000"/>
                           </a:solidFill>
@@ -19838,14 +20160,6 @@
                         </a:rPr>
                         <a:t>300[mm/s]</a:t>
                       </a:r>
-                      <a:endParaRPr lang="en-US" sz="1100" b="0" i="0" u="none" strike="noStrike" dirty="0">
-                        <a:solidFill>
-                          <a:srgbClr val="000000"/>
-                        </a:solidFill>
-                        <a:effectLst/>
-                        <a:latin typeface="+mn-lt"/>
-                        <a:ea typeface="ＭＳ Ｐゴシック" panose="020B0600070205080204" pitchFamily="50" charset="-128"/>
-                      </a:endParaRPr>
                     </a:p>
                   </a:txBody>
                   <a:tcPr marL="9525" marR="9525" marT="9525" marB="0" anchor="ctr">
@@ -19887,6 +20201,11 @@
                     </a:lnB>
                   </a:tcPr>
                 </a:tc>
+                <a:extLst>
+                  <a:ext uri="{0D108BD9-81ED-4DB2-BD59-A6C34878D82A}">
+                    <a16:rowId xmlns:a16="http://schemas.microsoft.com/office/drawing/2014/main" val="10001"/>
+                  </a:ext>
+                </a:extLst>
               </a:tr>
             </a:tbl>
           </a:graphicData>
@@ -19992,13 +20311,6 @@
   <p:clrMapOvr>
     <a:masterClrMapping/>
   </p:clrMapOvr>
-  <p:timing>
-    <p:tnLst>
-      <p:par>
-        <p:cTn id="1" dur="indefinite" restart="never" nodeType="tmRoot"/>
-      </p:par>
-    </p:tnLst>
-  </p:timing>
 </p:sld>
 </file>
 
@@ -20043,11 +20355,7 @@
             </a:r>
             <a:r>
               <a:rPr kumimoji="1" lang="en-US" altLang="ja-JP" dirty="0"/>
-              <a:t>Stationary </a:t>
-            </a:r>
-            <a:r>
-              <a:rPr kumimoji="1" lang="en-US" altLang="ja-JP" dirty="0" smtClean="0"/>
-              <a:t>Pestle</a:t>
+              <a:t>Stationary Pestle</a:t>
             </a:r>
             <a:endParaRPr lang="ko-KR" altLang="en-US" dirty="0">
               <a:latin typeface="メイリオ" panose="020B0604030504040204" pitchFamily="50" charset="-128"/>
@@ -20125,10 +20433,10 @@
           <a:lstStyle/>
           <a:p>
             <a:r>
-              <a:rPr kumimoji="1" lang="ja-JP" altLang="en-US" sz="2800" dirty="0" smtClean="0"/>
+              <a:rPr kumimoji="1" lang="ja-JP" altLang="en-US" sz="2800" dirty="0"/>
               <a:t>結果・考察</a:t>
             </a:r>
-            <a:endParaRPr kumimoji="1" lang="en-US" altLang="ja-JP" sz="2800" dirty="0" smtClean="0"/>
+            <a:endParaRPr kumimoji="1" lang="en-US" altLang="ja-JP" sz="2800" dirty="0"/>
           </a:p>
         </p:txBody>
       </p:sp>
@@ -20159,12 +20467,8 @@
               <a:t>・ </a:t>
             </a:r>
             <a:r>
-              <a:rPr kumimoji="1" lang="en-US" altLang="ja-JP" dirty="0" smtClean="0"/>
-              <a:t>Move </a:t>
-            </a:r>
-            <a:r>
               <a:rPr kumimoji="1" lang="en-US" altLang="ja-JP" dirty="0"/>
-              <a:t>– 200[</a:t>
+              <a:t>Move – 200[</a:t>
             </a:r>
             <a:r>
               <a:rPr kumimoji="1" lang="en-US" altLang="ja-JP" dirty="0" err="1"/>
@@ -20176,18 +20480,14 @@
             </a:r>
             <a:r>
               <a:rPr kumimoji="1" lang="ja-JP" altLang="en-US" dirty="0"/>
-              <a:t>と比較すると、流れ込んでいる粒子数がほぼ同じ</a:t>
+              <a:t>と比較すると、流れ込んでいる粒子数がほぼ同じ。粒子の層別割合は異なる。</a:t>
             </a:r>
             <a:r>
-              <a:rPr kumimoji="1" lang="ja-JP" altLang="en-US" dirty="0" smtClean="0"/>
-              <a:t>。粒子の層別割合は異なる。</a:t>
-            </a:r>
-            <a:r>
-              <a:rPr kumimoji="1" lang="en-US" altLang="ja-JP" dirty="0" smtClean="0"/>
+              <a:rPr kumimoji="1" lang="en-US" altLang="ja-JP" dirty="0"/>
               <a:t>Stationary</a:t>
             </a:r>
             <a:r>
-              <a:rPr kumimoji="1" lang="ja-JP" altLang="en-US" dirty="0" smtClean="0"/>
+              <a:rPr kumimoji="1" lang="ja-JP" altLang="en-US" dirty="0"/>
               <a:t>だと上層粒子の割合が高い。</a:t>
             </a:r>
             <a:endParaRPr kumimoji="1" lang="en-US" altLang="ja-JP" dirty="0"/>
@@ -20218,19 +20518,7 @@
           <a:p>
             <a:r>
               <a:rPr kumimoji="1" lang="ja-JP" altLang="en-US" dirty="0"/>
-              <a:t>・ </a:t>
-            </a:r>
-            <a:r>
-              <a:rPr kumimoji="1" lang="ja-JP" altLang="en-US" dirty="0" smtClean="0"/>
-              <a:t>気層の流れ込み</a:t>
-            </a:r>
-            <a:r>
-              <a:rPr kumimoji="1" lang="ja-JP" altLang="en-US" dirty="0"/>
-              <a:t>が多く、</a:t>
-            </a:r>
-            <a:r>
-              <a:rPr kumimoji="1" lang="ja-JP" altLang="en-US" dirty="0" smtClean="0"/>
-              <a:t>スプラッシュが大きい</a:t>
+              <a:t>・ 気層の流れ込みが多く、スプラッシュが大きい</a:t>
             </a:r>
             <a:endParaRPr kumimoji="1" lang="en-US" altLang="ja-JP" dirty="0"/>
           </a:p>
@@ -20259,15 +20547,15 @@
           <a:lstStyle/>
           <a:p>
             <a:r>
-              <a:rPr kumimoji="1" lang="ja-JP" altLang="en-US" dirty="0" smtClean="0"/>
+              <a:rPr kumimoji="1" lang="ja-JP" altLang="en-US" dirty="0"/>
               <a:t>　　</a:t>
             </a:r>
             <a:r>
-              <a:rPr kumimoji="1" lang="en-US" altLang="ja-JP" dirty="0" smtClean="0"/>
+              <a:rPr kumimoji="1" lang="en-US" altLang="ja-JP" dirty="0"/>
               <a:t>-&gt; Saxon</a:t>
             </a:r>
             <a:r>
-              <a:rPr kumimoji="1" lang="ja-JP" altLang="en-US" dirty="0" smtClean="0"/>
+              <a:rPr kumimoji="1" lang="ja-JP" altLang="en-US" dirty="0"/>
               <a:t>効果による引き込みには、層形状を保つ効果</a:t>
             </a:r>
             <a:endParaRPr kumimoji="1" lang="en-US" altLang="ja-JP" dirty="0"/>
@@ -20297,10 +20585,10 @@
           <a:lstStyle/>
           <a:p>
             <a:r>
-              <a:rPr kumimoji="1" lang="ja-JP" altLang="en-US" dirty="0" smtClean="0"/>
+              <a:rPr kumimoji="1" lang="ja-JP" altLang="en-US" dirty="0"/>
               <a:t>・ 下層粒子が穴上部に流れ込んでいる</a:t>
             </a:r>
-            <a:endParaRPr kumimoji="1" lang="en-US" altLang="ja-JP" dirty="0" smtClean="0"/>
+            <a:endParaRPr kumimoji="1" lang="en-US" altLang="ja-JP" dirty="0"/>
           </a:p>
         </p:txBody>
       </p:sp>
@@ -20314,13 +20602,6 @@
   <p:clrMapOvr>
     <a:masterClrMapping/>
   </p:clrMapOvr>
-  <p:timing>
-    <p:tnLst>
-      <p:par>
-        <p:cTn id="1" dur="indefinite" restart="never" nodeType="tmRoot"/>
-      </p:par>
-    </p:tnLst>
-  </p:timing>
 </p:sld>
 </file>
 
@@ -20440,14 +20721,14 @@
                     <a:gridCol w="3744416">
                       <a:extLst>
                         <a:ext uri="{9D8B030D-6E8A-4147-A177-3AD203B41FA5}">
-                          <a16:colId xmlns:a16="http://schemas.microsoft.com/office/drawing/2014/main" xmlns="" val="20000"/>
+                          <a16:colId xmlns:a16="http://schemas.microsoft.com/office/drawing/2014/main" val="20000"/>
                         </a:ext>
                       </a:extLst>
                     </a:gridCol>
                     <a:gridCol w="3744416">
                       <a:extLst>
                         <a:ext uri="{9D8B030D-6E8A-4147-A177-3AD203B41FA5}">
-                          <a16:colId xmlns:a16="http://schemas.microsoft.com/office/drawing/2014/main" xmlns="" val="20001"/>
+                          <a16:colId xmlns:a16="http://schemas.microsoft.com/office/drawing/2014/main" val="20001"/>
                         </a:ext>
                       </a:extLst>
                     </a:gridCol>
@@ -20493,7 +20774,7 @@
                     </a:tc>
                     <a:extLst>
                       <a:ext uri="{0D108BD9-81ED-4DB2-BD59-A6C34878D82A}">
-                        <a16:rowId xmlns:a16="http://schemas.microsoft.com/office/drawing/2014/main" xmlns="" val="10000"/>
+                        <a16:rowId xmlns:a16="http://schemas.microsoft.com/office/drawing/2014/main" val="10000"/>
                       </a:ext>
                     </a:extLst>
                   </a:tr>
@@ -20607,7 +20888,7 @@
                     </a:tc>
                     <a:extLst>
                       <a:ext uri="{0D108BD9-81ED-4DB2-BD59-A6C34878D82A}">
-                        <a16:rowId xmlns:a16="http://schemas.microsoft.com/office/drawing/2014/main" xmlns="" val="10001"/>
+                        <a16:rowId xmlns:a16="http://schemas.microsoft.com/office/drawing/2014/main" val="10001"/>
                       </a:ext>
                     </a:extLst>
                   </a:tr>
@@ -20682,7 +20963,7 @@
                     </a:tc>
                     <a:extLst>
                       <a:ext uri="{0D108BD9-81ED-4DB2-BD59-A6C34878D82A}">
-                        <a16:rowId xmlns:a16="http://schemas.microsoft.com/office/drawing/2014/main" xmlns="" val="10002"/>
+                        <a16:rowId xmlns:a16="http://schemas.microsoft.com/office/drawing/2014/main" val="10002"/>
                       </a:ext>
                     </a:extLst>
                   </a:tr>
@@ -20735,7 +21016,7 @@
                     </a:tc>
                     <a:extLst>
                       <a:ext uri="{0D108BD9-81ED-4DB2-BD59-A6C34878D82A}">
-                        <a16:rowId xmlns:a16="http://schemas.microsoft.com/office/drawing/2014/main" xmlns="" val="10003"/>
+                        <a16:rowId xmlns:a16="http://schemas.microsoft.com/office/drawing/2014/main" val="10003"/>
                       </a:ext>
                     </a:extLst>
                   </a:tr>
@@ -20810,7 +21091,7 @@
                     </a:tc>
                     <a:extLst>
                       <a:ext uri="{0D108BD9-81ED-4DB2-BD59-A6C34878D82A}">
-                        <a16:rowId xmlns:a16="http://schemas.microsoft.com/office/drawing/2014/main" xmlns="" val="10004"/>
+                        <a16:rowId xmlns:a16="http://schemas.microsoft.com/office/drawing/2014/main" val="10004"/>
                       </a:ext>
                     </a:extLst>
                   </a:tr>
@@ -20885,7 +21166,7 @@
                     </a:tc>
                     <a:extLst>
                       <a:ext uri="{0D108BD9-81ED-4DB2-BD59-A6C34878D82A}">
-                        <a16:rowId xmlns:a16="http://schemas.microsoft.com/office/drawing/2014/main" xmlns="" val="10005"/>
+                        <a16:rowId xmlns:a16="http://schemas.microsoft.com/office/drawing/2014/main" val="10005"/>
                       </a:ext>
                     </a:extLst>
                   </a:tr>
@@ -20954,7 +21235,7 @@
                     </a:tc>
                     <a:extLst>
                       <a:ext uri="{0D108BD9-81ED-4DB2-BD59-A6C34878D82A}">
-                        <a16:rowId xmlns:a16="http://schemas.microsoft.com/office/drawing/2014/main" xmlns="" val="10006"/>
+                        <a16:rowId xmlns:a16="http://schemas.microsoft.com/office/drawing/2014/main" val="10006"/>
                       </a:ext>
                     </a:extLst>
                   </a:tr>
@@ -21017,7 +21298,7 @@
                     </a:tc>
                     <a:extLst>
                       <a:ext uri="{0D108BD9-81ED-4DB2-BD59-A6C34878D82A}">
-                        <a16:rowId xmlns:a16="http://schemas.microsoft.com/office/drawing/2014/main" xmlns="" val="10007"/>
+                        <a16:rowId xmlns:a16="http://schemas.microsoft.com/office/drawing/2014/main" val="10007"/>
                       </a:ext>
                     </a:extLst>
                   </a:tr>
@@ -21051,7 +21332,7 @@
                             <a:t> Coefficient of </a:t>
                           </a:r>
                           <a:r>
-                            <a:rPr lang="en-US" altLang="ja-JP" sz="1100" u="none" strike="noStrike" dirty="0" err="1" smtClean="0">
+                            <a:rPr lang="en-US" altLang="ja-JP" sz="1100" u="none" strike="noStrike" dirty="0" err="1">
                               <a:effectLst/>
                             </a:rPr>
                             <a:t>friciton</a:t>
@@ -21108,7 +21389,7 @@
                     </a:tc>
                     <a:extLst>
                       <a:ext uri="{0D108BD9-81ED-4DB2-BD59-A6C34878D82A}">
-                        <a16:rowId xmlns:a16="http://schemas.microsoft.com/office/drawing/2014/main" xmlns="" val="10008"/>
+                        <a16:rowId xmlns:a16="http://schemas.microsoft.com/office/drawing/2014/main" val="10008"/>
                       </a:ext>
                     </a:extLst>
                   </a:tr>
@@ -21772,13 +22053,6 @@
   <p:clrMapOvr>
     <a:masterClrMapping/>
   </p:clrMapOvr>
-  <p:timing>
-    <p:tnLst>
-      <p:par>
-        <p:cTn id="1" dur="indefinite" restart="never" nodeType="tmRoot"/>
-      </p:par>
-    </p:tnLst>
-  </p:timing>
 </p:sld>
 </file>
 
@@ -21896,14 +22170,14 @@
                 <a:gridCol w="3960440">
                   <a:extLst>
                     <a:ext uri="{9D8B030D-6E8A-4147-A177-3AD203B41FA5}">
-                      <a16:colId xmlns:a16="http://schemas.microsoft.com/office/drawing/2014/main" xmlns="" val="20000"/>
+                      <a16:colId xmlns:a16="http://schemas.microsoft.com/office/drawing/2014/main" val="20000"/>
                     </a:ext>
                   </a:extLst>
                 </a:gridCol>
                 <a:gridCol w="3960440">
                   <a:extLst>
                     <a:ext uri="{9D8B030D-6E8A-4147-A177-3AD203B41FA5}">
-                      <a16:colId xmlns:a16="http://schemas.microsoft.com/office/drawing/2014/main" xmlns="" val="20001"/>
+                      <a16:colId xmlns:a16="http://schemas.microsoft.com/office/drawing/2014/main" val="20001"/>
                     </a:ext>
                   </a:extLst>
                 </a:gridCol>
@@ -22021,7 +22295,7 @@
                 </a:tc>
                 <a:extLst>
                   <a:ext uri="{0D108BD9-81ED-4DB2-BD59-A6C34878D82A}">
-                    <a16:rowId xmlns:a16="http://schemas.microsoft.com/office/drawing/2014/main" xmlns="" val="10000"/>
+                    <a16:rowId xmlns:a16="http://schemas.microsoft.com/office/drawing/2014/main" val="10000"/>
                   </a:ext>
                 </a:extLst>
               </a:tr>
@@ -22185,7 +22459,7 @@
                 </a:tc>
                 <a:extLst>
                   <a:ext uri="{0D108BD9-81ED-4DB2-BD59-A6C34878D82A}">
-                    <a16:rowId xmlns:a16="http://schemas.microsoft.com/office/drawing/2014/main" xmlns="" val="10001"/>
+                    <a16:rowId xmlns:a16="http://schemas.microsoft.com/office/drawing/2014/main" val="10001"/>
                   </a:ext>
                 </a:extLst>
               </a:tr>
@@ -22246,7 +22520,7 @@
                 </a:tc>
                 <a:extLst>
                   <a:ext uri="{0D108BD9-81ED-4DB2-BD59-A6C34878D82A}">
-                    <a16:rowId xmlns:a16="http://schemas.microsoft.com/office/drawing/2014/main" xmlns="" val="10002"/>
+                    <a16:rowId xmlns:a16="http://schemas.microsoft.com/office/drawing/2014/main" val="10002"/>
                   </a:ext>
                 </a:extLst>
               </a:tr>
@@ -22307,7 +22581,7 @@
                 </a:tc>
                 <a:extLst>
                   <a:ext uri="{0D108BD9-81ED-4DB2-BD59-A6C34878D82A}">
-                    <a16:rowId xmlns:a16="http://schemas.microsoft.com/office/drawing/2014/main" xmlns="" val="10003"/>
+                    <a16:rowId xmlns:a16="http://schemas.microsoft.com/office/drawing/2014/main" val="10003"/>
                   </a:ext>
                 </a:extLst>
               </a:tr>
@@ -22376,7 +22650,7 @@
                 </a:tc>
                 <a:extLst>
                   <a:ext uri="{0D108BD9-81ED-4DB2-BD59-A6C34878D82A}">
-                    <a16:rowId xmlns:a16="http://schemas.microsoft.com/office/drawing/2014/main" xmlns="" val="10004"/>
+                    <a16:rowId xmlns:a16="http://schemas.microsoft.com/office/drawing/2014/main" val="10004"/>
                   </a:ext>
                 </a:extLst>
               </a:tr>
@@ -22428,7 +22702,7 @@
                         <a:t> </a:t>
                       </a:r>
                       <a:r>
-                        <a:rPr lang="en-US" altLang="ja-JP" sz="1100" b="0" i="0" u="none" strike="noStrike" dirty="0" smtClean="0">
+                        <a:rPr lang="en-US" altLang="ja-JP" sz="1100" b="0" i="0" u="none" strike="noStrike" dirty="0">
                           <a:solidFill>
                             <a:srgbClr val="FF0000"/>
                           </a:solidFill>
@@ -22439,17 +22713,6 @@
                         <a:t>0.5</a:t>
                       </a:r>
                       <a:r>
-                        <a:rPr lang="en-US" altLang="ja-JP" sz="1100" b="0" i="0" u="none" strike="noStrike" dirty="0" smtClean="0">
-                          <a:solidFill>
-                            <a:srgbClr val="000000"/>
-                          </a:solidFill>
-                          <a:effectLst/>
-                          <a:latin typeface="+mn-lt"/>
-                          <a:ea typeface="ＭＳ Ｐゴシック" panose="020B0600070205080204" pitchFamily="50" charset="-128"/>
-                        </a:rPr>
-                        <a:t> </a:t>
-                      </a:r>
-                      <a:r>
                         <a:rPr lang="en-US" altLang="ja-JP" sz="1100" b="0" i="0" u="none" strike="noStrike" dirty="0">
                           <a:solidFill>
                             <a:srgbClr val="000000"/>
@@ -22458,7 +22721,7 @@
                           <a:latin typeface="+mn-lt"/>
                           <a:ea typeface="ＭＳ Ｐゴシック" panose="020B0600070205080204" pitchFamily="50" charset="-128"/>
                         </a:rPr>
-                        <a:t>[mm]</a:t>
+                        <a:t> [mm]</a:t>
                       </a:r>
                       <a:endParaRPr lang="ja-JP" altLang="en-US" sz="1100" b="0" i="0" u="none" strike="noStrike" dirty="0">
                         <a:solidFill>
@@ -22478,7 +22741,7 @@
                 </a:tc>
                 <a:extLst>
                   <a:ext uri="{0D108BD9-81ED-4DB2-BD59-A6C34878D82A}">
-                    <a16:rowId xmlns:a16="http://schemas.microsoft.com/office/drawing/2014/main" xmlns="" val="10005"/>
+                    <a16:rowId xmlns:a16="http://schemas.microsoft.com/office/drawing/2014/main" val="10005"/>
                   </a:ext>
                 </a:extLst>
               </a:tr>
@@ -22539,7 +22802,7 @@
                 </a:tc>
                 <a:extLst>
                   <a:ext uri="{0D108BD9-81ED-4DB2-BD59-A6C34878D82A}">
-                    <a16:rowId xmlns:a16="http://schemas.microsoft.com/office/drawing/2014/main" xmlns="" val="10006"/>
+                    <a16:rowId xmlns:a16="http://schemas.microsoft.com/office/drawing/2014/main" val="10006"/>
                   </a:ext>
                 </a:extLst>
               </a:tr>
@@ -22575,14 +22838,14 @@
                 <a:gridCol w="3960440">
                   <a:extLst>
                     <a:ext uri="{9D8B030D-6E8A-4147-A177-3AD203B41FA5}">
-                      <a16:colId xmlns:a16="http://schemas.microsoft.com/office/drawing/2014/main" xmlns="" val="20000"/>
+                      <a16:colId xmlns:a16="http://schemas.microsoft.com/office/drawing/2014/main" val="20000"/>
                     </a:ext>
                   </a:extLst>
                 </a:gridCol>
                 <a:gridCol w="3960440">
                   <a:extLst>
                     <a:ext uri="{9D8B030D-6E8A-4147-A177-3AD203B41FA5}">
-                      <a16:colId xmlns:a16="http://schemas.microsoft.com/office/drawing/2014/main" xmlns="" val="20001"/>
+                      <a16:colId xmlns:a16="http://schemas.microsoft.com/office/drawing/2014/main" val="20001"/>
                     </a:ext>
                   </a:extLst>
                 </a:gridCol>
@@ -22646,7 +22909,7 @@
                 </a:tc>
                 <a:extLst>
                   <a:ext uri="{0D108BD9-81ED-4DB2-BD59-A6C34878D82A}">
-                    <a16:rowId xmlns:a16="http://schemas.microsoft.com/office/drawing/2014/main" xmlns="" val="10000"/>
+                    <a16:rowId xmlns:a16="http://schemas.microsoft.com/office/drawing/2014/main" val="10000"/>
                   </a:ext>
                 </a:extLst>
               </a:tr>
@@ -22709,7 +22972,7 @@
                 </a:tc>
                 <a:extLst>
                   <a:ext uri="{0D108BD9-81ED-4DB2-BD59-A6C34878D82A}">
-                    <a16:rowId xmlns:a16="http://schemas.microsoft.com/office/drawing/2014/main" xmlns="" val="10001"/>
+                    <a16:rowId xmlns:a16="http://schemas.microsoft.com/office/drawing/2014/main" val="10001"/>
                   </a:ext>
                 </a:extLst>
               </a:tr>
@@ -22780,7 +23043,7 @@
                 </a:tc>
                 <a:extLst>
                   <a:ext uri="{0D108BD9-81ED-4DB2-BD59-A6C34878D82A}">
-                    <a16:rowId xmlns:a16="http://schemas.microsoft.com/office/drawing/2014/main" xmlns="" val="10002"/>
+                    <a16:rowId xmlns:a16="http://schemas.microsoft.com/office/drawing/2014/main" val="10002"/>
                   </a:ext>
                 </a:extLst>
               </a:tr>
@@ -22798,13 +23061,6 @@
   <p:clrMapOvr>
     <a:masterClrMapping/>
   </p:clrMapOvr>
-  <p:timing>
-    <p:tnLst>
-      <p:par>
-        <p:cTn id="1" dur="indefinite" restart="never" nodeType="tmRoot"/>
-      </p:par>
-    </p:tnLst>
-  </p:timing>
 </p:sld>
 </file>
 
@@ -23433,13 +23689,6 @@
   <p:clrMapOvr>
     <a:masterClrMapping/>
   </p:clrMapOvr>
-  <p:timing>
-    <p:tnLst>
-      <p:par>
-        <p:cTn id="1" dur="indefinite" restart="never" nodeType="tmRoot"/>
-      </p:par>
-    </p:tnLst>
-  </p:timing>
 </p:sld>
 </file>
 
@@ -23465,7 +23714,7 @@
           <p:cNvPr id="5" name="正方形/長方形 4">
             <a:extLst>
               <a:ext uri="{FF2B5EF4-FFF2-40B4-BE49-F238E27FC236}">
-                <a16:creationId xmlns:a16="http://schemas.microsoft.com/office/drawing/2014/main" xmlns="" id="{24BDBAAB-565F-544E-8F79-2E06B1AC400F}"/>
+                <a16:creationId xmlns:a16="http://schemas.microsoft.com/office/drawing/2014/main" id="{24BDBAAB-565F-544E-8F79-2E06B1AC400F}"/>
               </a:ext>
             </a:extLst>
           </p:cNvPr>
@@ -23519,7 +23768,7 @@
           <p:cNvPr id="3" name="コンテンツ プレースホルダー 2">
             <a:extLst>
               <a:ext uri="{FF2B5EF4-FFF2-40B4-BE49-F238E27FC236}">
-                <a16:creationId xmlns:a16="http://schemas.microsoft.com/office/drawing/2014/main" xmlns="" id="{57201CEF-5B54-EC41-97DF-2A5FDA9A8199}"/>
+                <a16:creationId xmlns:a16="http://schemas.microsoft.com/office/drawing/2014/main" id="{57201CEF-5B54-EC41-97DF-2A5FDA9A8199}"/>
               </a:ext>
             </a:extLst>
           </p:cNvPr>
@@ -23563,13 +23812,6 @@
   <p:clrMapOvr>
     <a:masterClrMapping/>
   </p:clrMapOvr>
-  <p:timing>
-    <p:tnLst>
-      <p:par>
-        <p:cTn id="1" dur="indefinite" restart="never" nodeType="tmRoot"/>
-      </p:par>
-    </p:tnLst>
-  </p:timing>
 </p:sld>
 </file>
 
@@ -23607,11 +23849,7 @@
           <a:p>
             <a:r>
               <a:rPr lang="en-US" altLang="ko-KR" dirty="0"/>
-              <a:t> </a:t>
-            </a:r>
-            <a:r>
-              <a:rPr lang="en-US" altLang="ko-KR" dirty="0" smtClean="0"/>
-              <a:t>Compared parameter</a:t>
+              <a:t> Compared parameter</a:t>
             </a:r>
             <a:endParaRPr lang="ko-KR" altLang="en-US" dirty="0"/>
           </a:p>
@@ -23691,28 +23929,28 @@
                 <a:gridCol w="1980220">
                   <a:extLst>
                     <a:ext uri="{9D8B030D-6E8A-4147-A177-3AD203B41FA5}">
-                      <a16:colId xmlns:a16="http://schemas.microsoft.com/office/drawing/2014/main" xmlns="" val="20000"/>
+                      <a16:colId xmlns:a16="http://schemas.microsoft.com/office/drawing/2014/main" val="20000"/>
                     </a:ext>
                   </a:extLst>
                 </a:gridCol>
                 <a:gridCol w="1980220">
                   <a:extLst>
                     <a:ext uri="{9D8B030D-6E8A-4147-A177-3AD203B41FA5}">
-                      <a16:colId xmlns:a16="http://schemas.microsoft.com/office/drawing/2014/main" xmlns="" val="20001"/>
+                      <a16:colId xmlns:a16="http://schemas.microsoft.com/office/drawing/2014/main" val="20001"/>
                     </a:ext>
                   </a:extLst>
                 </a:gridCol>
                 <a:gridCol w="1980220">
                   <a:extLst>
                     <a:ext uri="{9D8B030D-6E8A-4147-A177-3AD203B41FA5}">
-                      <a16:colId xmlns:a16="http://schemas.microsoft.com/office/drawing/2014/main" xmlns="" val="20002"/>
+                      <a16:colId xmlns:a16="http://schemas.microsoft.com/office/drawing/2014/main" val="20002"/>
                     </a:ext>
                   </a:extLst>
                 </a:gridCol>
                 <a:gridCol w="1980220">
                   <a:extLst>
                     <a:ext uri="{9D8B030D-6E8A-4147-A177-3AD203B41FA5}">
-                      <a16:colId xmlns:a16="http://schemas.microsoft.com/office/drawing/2014/main" xmlns="" val="20003"/>
+                      <a16:colId xmlns:a16="http://schemas.microsoft.com/office/drawing/2014/main" val="20003"/>
                     </a:ext>
                   </a:extLst>
                 </a:gridCol>
@@ -23829,7 +24067,7 @@
                 </a:tc>
                 <a:extLst>
                   <a:ext uri="{0D108BD9-81ED-4DB2-BD59-A6C34878D82A}">
-                    <a16:rowId xmlns:a16="http://schemas.microsoft.com/office/drawing/2014/main" xmlns="" val="10000"/>
+                    <a16:rowId xmlns:a16="http://schemas.microsoft.com/office/drawing/2014/main" val="10000"/>
                   </a:ext>
                 </a:extLst>
               </a:tr>
@@ -23991,7 +24229,7 @@
                 </a:tc>
                 <a:extLst>
                   <a:ext uri="{0D108BD9-81ED-4DB2-BD59-A6C34878D82A}">
-                    <a16:rowId xmlns:a16="http://schemas.microsoft.com/office/drawing/2014/main" xmlns="" val="10001"/>
+                    <a16:rowId xmlns:a16="http://schemas.microsoft.com/office/drawing/2014/main" val="10001"/>
                   </a:ext>
                 </a:extLst>
               </a:tr>
@@ -24009,13 +24247,6 @@
   <p:clrMapOvr>
     <a:masterClrMapping/>
   </p:clrMapOvr>
-  <p:timing>
-    <p:tnLst>
-      <p:par>
-        <p:cTn id="1" dur="indefinite" restart="never" nodeType="tmRoot"/>
-      </p:par>
-    </p:tnLst>
-  </p:timing>
 </p:sld>
 </file>
 
@@ -24129,19 +24360,15 @@
           <a:p>
             <a:pPr algn="ctr"/>
             <a:r>
-              <a:rPr kumimoji="1" lang="en-US" altLang="ja-JP" dirty="0" smtClean="0"/>
+              <a:rPr kumimoji="1" lang="en-US" altLang="ja-JP" dirty="0"/>
               <a:t>case1</a:t>
             </a:r>
           </a:p>
           <a:p>
             <a:pPr algn="ctr"/>
             <a:r>
-              <a:rPr kumimoji="1" lang="en-US" altLang="ja-JP" dirty="0" smtClean="0"/>
-              <a:t>100 </a:t>
-            </a:r>
-            <a:r>
               <a:rPr kumimoji="1" lang="en-US" altLang="ja-JP" dirty="0"/>
-              <a:t>[mm/s]</a:t>
+              <a:t>100 [mm/s]</a:t>
             </a:r>
           </a:p>
         </p:txBody>
@@ -24170,19 +24397,15 @@
           <a:p>
             <a:pPr algn="ctr"/>
             <a:r>
-              <a:rPr kumimoji="1" lang="en-US" altLang="ja-JP" dirty="0" smtClean="0"/>
+              <a:rPr kumimoji="1" lang="en-US" altLang="ja-JP" dirty="0"/>
               <a:t>case2</a:t>
             </a:r>
           </a:p>
           <a:p>
             <a:pPr algn="ctr"/>
             <a:r>
-              <a:rPr kumimoji="1" lang="en-US" altLang="ja-JP" dirty="0" smtClean="0"/>
-              <a:t>200 </a:t>
-            </a:r>
-            <a:r>
               <a:rPr kumimoji="1" lang="en-US" altLang="ja-JP" dirty="0"/>
-              <a:t>[mm/s]</a:t>
+              <a:t>200 [mm/s]</a:t>
             </a:r>
             <a:endParaRPr kumimoji="1" lang="ja-JP" altLang="en-US" dirty="0"/>
           </a:p>
@@ -24212,19 +24435,15 @@
           <a:p>
             <a:pPr algn="ctr"/>
             <a:r>
-              <a:rPr kumimoji="1" lang="en-US" altLang="ja-JP" dirty="0" smtClean="0"/>
+              <a:rPr kumimoji="1" lang="en-US" altLang="ja-JP" dirty="0"/>
               <a:t>case3</a:t>
             </a:r>
           </a:p>
           <a:p>
             <a:pPr algn="ctr"/>
             <a:r>
-              <a:rPr kumimoji="1" lang="en-US" altLang="ja-JP" dirty="0" smtClean="0"/>
-              <a:t>300 </a:t>
-            </a:r>
-            <a:r>
               <a:rPr kumimoji="1" lang="en-US" altLang="ja-JP" dirty="0"/>
-              <a:t>[mm/s]</a:t>
+              <a:t>300 [mm/s]</a:t>
             </a:r>
             <a:endParaRPr kumimoji="1" lang="ja-JP" altLang="en-US" dirty="0"/>
           </a:p>
@@ -24235,7 +24454,7 @@
           <p:cNvPr id="8" name="テキスト ボックス 7">
             <a:extLst>
               <a:ext uri="{FF2B5EF4-FFF2-40B4-BE49-F238E27FC236}">
-                <a16:creationId xmlns:a16="http://schemas.microsoft.com/office/drawing/2014/main" xmlns="" id="{093C528F-2820-7842-B097-0CEA13538469}"/>
+                <a16:creationId xmlns:a16="http://schemas.microsoft.com/office/drawing/2014/main" id="{093C528F-2820-7842-B097-0CEA13538469}"/>
               </a:ext>
             </a:extLst>
           </p:cNvPr>
@@ -24259,7 +24478,7 @@
           <a:lstStyle/>
           <a:p>
             <a:r>
-              <a:rPr kumimoji="1" lang="en-US" altLang="ja-JP" dirty="0" smtClean="0"/>
+              <a:rPr kumimoji="1" lang="en-US" altLang="ja-JP" dirty="0"/>
               <a:t>Color</a:t>
             </a:r>
           </a:p>
@@ -24482,7 +24701,7 @@
           <p:cNvPr id="8" name="テキスト ボックス 7">
             <a:extLst>
               <a:ext uri="{FF2B5EF4-FFF2-40B4-BE49-F238E27FC236}">
-                <a16:creationId xmlns:a16="http://schemas.microsoft.com/office/drawing/2014/main" xmlns="" id="{093C528F-2820-7842-B097-0CEA13538469}"/>
+                <a16:creationId xmlns:a16="http://schemas.microsoft.com/office/drawing/2014/main" id="{093C528F-2820-7842-B097-0CEA13538469}"/>
               </a:ext>
             </a:extLst>
           </p:cNvPr>
@@ -24506,7 +24725,7 @@
           <a:lstStyle/>
           <a:p>
             <a:r>
-              <a:rPr kumimoji="1" lang="en-US" altLang="ja-JP" dirty="0" smtClean="0"/>
+              <a:rPr kumimoji="1" lang="en-US" altLang="ja-JP" dirty="0"/>
               <a:t>Epsilon</a:t>
             </a:r>
           </a:p>
@@ -24569,19 +24788,15 @@
           <a:p>
             <a:pPr algn="ctr"/>
             <a:r>
-              <a:rPr kumimoji="1" lang="en-US" altLang="ja-JP" dirty="0" smtClean="0"/>
+              <a:rPr kumimoji="1" lang="en-US" altLang="ja-JP" dirty="0"/>
               <a:t>case1</a:t>
             </a:r>
           </a:p>
           <a:p>
             <a:pPr algn="ctr"/>
             <a:r>
-              <a:rPr kumimoji="1" lang="en-US" altLang="ja-JP" dirty="0" smtClean="0"/>
-              <a:t>100 </a:t>
-            </a:r>
-            <a:r>
               <a:rPr kumimoji="1" lang="en-US" altLang="ja-JP" dirty="0"/>
-              <a:t>[mm/s]</a:t>
+              <a:t>100 [mm/s]</a:t>
             </a:r>
           </a:p>
         </p:txBody>
@@ -24610,19 +24825,15 @@
           <a:p>
             <a:pPr algn="ctr"/>
             <a:r>
-              <a:rPr kumimoji="1" lang="en-US" altLang="ja-JP" dirty="0" smtClean="0"/>
+              <a:rPr kumimoji="1" lang="en-US" altLang="ja-JP" dirty="0"/>
               <a:t>case2</a:t>
             </a:r>
           </a:p>
           <a:p>
             <a:pPr algn="ctr"/>
             <a:r>
-              <a:rPr kumimoji="1" lang="en-US" altLang="ja-JP" dirty="0" smtClean="0"/>
-              <a:t>200 </a:t>
-            </a:r>
-            <a:r>
               <a:rPr kumimoji="1" lang="en-US" altLang="ja-JP" dirty="0"/>
-              <a:t>[mm/s]</a:t>
+              <a:t>200 [mm/s]</a:t>
             </a:r>
             <a:endParaRPr kumimoji="1" lang="ja-JP" altLang="en-US" dirty="0"/>
           </a:p>
@@ -24652,19 +24863,15 @@
           <a:p>
             <a:pPr algn="ctr"/>
             <a:r>
-              <a:rPr kumimoji="1" lang="en-US" altLang="ja-JP" dirty="0" smtClean="0"/>
+              <a:rPr kumimoji="1" lang="en-US" altLang="ja-JP" dirty="0"/>
               <a:t>case3</a:t>
             </a:r>
           </a:p>
           <a:p>
             <a:pPr algn="ctr"/>
             <a:r>
-              <a:rPr kumimoji="1" lang="en-US" altLang="ja-JP" dirty="0" smtClean="0"/>
-              <a:t>300 </a:t>
-            </a:r>
-            <a:r>
               <a:rPr kumimoji="1" lang="en-US" altLang="ja-JP" dirty="0"/>
-              <a:t>[mm/s]</a:t>
+              <a:t>300 [mm/s]</a:t>
             </a:r>
             <a:endParaRPr kumimoji="1" lang="ja-JP" altLang="en-US" dirty="0"/>
           </a:p>

--- a/suction_grid0.5_stationary/suction.pptx
+++ b/suction_grid0.5_stationary/suction.pptx
@@ -6,7 +6,7 @@
     <p:sldMasterId id="2147483661" r:id="rId2"/>
   </p:sldMasterIdLst>
   <p:notesMasterIdLst>
-    <p:notesMasterId r:id="rId27"/>
+    <p:notesMasterId r:id="rId28"/>
   </p:notesMasterIdLst>
   <p:sldIdLst>
     <p:sldId id="256" r:id="rId3"/>
@@ -21,18 +21,19 @@
     <p:sldId id="271" r:id="rId12"/>
     <p:sldId id="308" r:id="rId13"/>
     <p:sldId id="286" r:id="rId14"/>
-    <p:sldId id="289" r:id="rId15"/>
-    <p:sldId id="297" r:id="rId16"/>
-    <p:sldId id="291" r:id="rId17"/>
-    <p:sldId id="306" r:id="rId18"/>
-    <p:sldId id="292" r:id="rId19"/>
-    <p:sldId id="300" r:id="rId20"/>
-    <p:sldId id="301" r:id="rId21"/>
-    <p:sldId id="302" r:id="rId22"/>
-    <p:sldId id="307" r:id="rId23"/>
-    <p:sldId id="298" r:id="rId24"/>
-    <p:sldId id="299" r:id="rId25"/>
-    <p:sldId id="305" r:id="rId26"/>
+    <p:sldId id="309" r:id="rId15"/>
+    <p:sldId id="289" r:id="rId16"/>
+    <p:sldId id="297" r:id="rId17"/>
+    <p:sldId id="291" r:id="rId18"/>
+    <p:sldId id="306" r:id="rId19"/>
+    <p:sldId id="292" r:id="rId20"/>
+    <p:sldId id="300" r:id="rId21"/>
+    <p:sldId id="301" r:id="rId22"/>
+    <p:sldId id="302" r:id="rId23"/>
+    <p:sldId id="307" r:id="rId24"/>
+    <p:sldId id="298" r:id="rId25"/>
+    <p:sldId id="299" r:id="rId26"/>
+    <p:sldId id="305" r:id="rId27"/>
   </p:sldIdLst>
   <p:sldSz cx="9144000" cy="6858000" type="screen4x3"/>
   <p:notesSz cx="6858000" cy="9144000"/>
@@ -754,6 +755,399 @@
     </mc:Fallback>
   </mc:AlternateContent>
   <c:chart>
+    <c:autoTitleDeleted val="1"/>
+    <c:plotArea>
+      <c:layout/>
+      <c:scatterChart>
+        <c:scatterStyle val="smoothMarker"/>
+        <c:varyColors val="0"/>
+        <c:ser>
+          <c:idx val="0"/>
+          <c:order val="0"/>
+          <c:tx>
+            <c:strRef>
+              <c:f>Sheet1!$B$1</c:f>
+              <c:strCache>
+                <c:ptCount val="1"/>
+                <c:pt idx="0">
+                  <c:v>Y の値</c:v>
+                </c:pt>
+              </c:strCache>
+            </c:strRef>
+          </c:tx>
+          <c:spPr>
+            <a:ln w="19050" cap="rnd">
+              <a:solidFill>
+                <a:schemeClr val="accent1"/>
+              </a:solidFill>
+              <a:round/>
+            </a:ln>
+            <a:effectLst/>
+          </c:spPr>
+          <c:marker>
+            <c:symbol val="circle"/>
+            <c:size val="5"/>
+            <c:spPr>
+              <a:solidFill>
+                <a:schemeClr val="accent1"/>
+              </a:solidFill>
+              <a:ln w="9525">
+                <a:solidFill>
+                  <a:schemeClr val="accent1"/>
+                </a:solidFill>
+              </a:ln>
+              <a:effectLst/>
+            </c:spPr>
+          </c:marker>
+          <c:xVal>
+            <c:numRef>
+              <c:f>Sheet1!$A$2:$A$4</c:f>
+              <c:numCache>
+                <c:formatCode>General</c:formatCode>
+                <c:ptCount val="3"/>
+                <c:pt idx="0">
+                  <c:v>100</c:v>
+                </c:pt>
+                <c:pt idx="1">
+                  <c:v>200</c:v>
+                </c:pt>
+                <c:pt idx="2">
+                  <c:v>300</c:v>
+                </c:pt>
+              </c:numCache>
+            </c:numRef>
+          </c:xVal>
+          <c:yVal>
+            <c:numRef>
+              <c:f>Sheet1!$B$2:$B$4</c:f>
+              <c:numCache>
+                <c:formatCode>General</c:formatCode>
+                <c:ptCount val="3"/>
+                <c:pt idx="0">
+                  <c:v>142124</c:v>
+                </c:pt>
+                <c:pt idx="1">
+                  <c:v>144739</c:v>
+                </c:pt>
+                <c:pt idx="2">
+                  <c:v>145045</c:v>
+                </c:pt>
+              </c:numCache>
+            </c:numRef>
+          </c:yVal>
+          <c:smooth val="1"/>
+          <c:extLst>
+            <c:ext xmlns:c16="http://schemas.microsoft.com/office/drawing/2014/chart" uri="{C3380CC4-5D6E-409C-BE32-E72D297353CC}">
+              <c16:uniqueId val="{00000000-0D79-0848-8B3F-F8C65288AD85}"/>
+            </c:ext>
+          </c:extLst>
+        </c:ser>
+        <c:dLbls>
+          <c:showLegendKey val="0"/>
+          <c:showVal val="0"/>
+          <c:showCatName val="0"/>
+          <c:showSerName val="0"/>
+          <c:showPercent val="0"/>
+          <c:showBubbleSize val="0"/>
+        </c:dLbls>
+        <c:axId val="1097782287"/>
+        <c:axId val="1097783983"/>
+      </c:scatterChart>
+      <c:valAx>
+        <c:axId val="1097782287"/>
+        <c:scaling>
+          <c:orientation val="minMax"/>
+          <c:max val="300"/>
+          <c:min val="100"/>
+        </c:scaling>
+        <c:delete val="0"/>
+        <c:axPos val="b"/>
+        <c:title>
+          <c:tx>
+            <c:rich>
+              <a:bodyPr rot="0" spcFirstLastPara="1" vertOverflow="ellipsis" vert="horz" wrap="square" anchor="ctr" anchorCtr="1"/>
+              <a:lstStyle/>
+              <a:p>
+                <a:pPr>
+                  <a:defRPr sz="1330" b="0" i="0" u="none" strike="noStrike" kern="1200" baseline="0">
+                    <a:solidFill>
+                      <a:schemeClr val="tx1">
+                        <a:lumMod val="65000"/>
+                        <a:lumOff val="35000"/>
+                      </a:schemeClr>
+                    </a:solidFill>
+                    <a:latin typeface="+mn-lt"/>
+                    <a:ea typeface="+mn-ea"/>
+                    <a:cs typeface="+mn-cs"/>
+                  </a:defRPr>
+                </a:pPr>
+                <a:r>
+                  <a:rPr lang="en-US" altLang="ja-JP" dirty="0"/>
+                  <a:t>Suction</a:t>
+                </a:r>
+                <a:r>
+                  <a:rPr lang="en-US" altLang="ja-JP" baseline="0" dirty="0"/>
+                  <a:t> Velocity [mm/s]</a:t>
+                </a:r>
+                <a:endParaRPr lang="ja-JP" altLang="en-US"/>
+              </a:p>
+            </c:rich>
+          </c:tx>
+          <c:overlay val="0"/>
+          <c:spPr>
+            <a:noFill/>
+            <a:ln>
+              <a:noFill/>
+            </a:ln>
+            <a:effectLst/>
+          </c:spPr>
+          <c:txPr>
+            <a:bodyPr rot="0" spcFirstLastPara="1" vertOverflow="ellipsis" vert="horz" wrap="square" anchor="ctr" anchorCtr="1"/>
+            <a:lstStyle/>
+            <a:p>
+              <a:pPr>
+                <a:defRPr sz="1330" b="0" i="0" u="none" strike="noStrike" kern="1200" baseline="0">
+                  <a:solidFill>
+                    <a:schemeClr val="tx1">
+                      <a:lumMod val="65000"/>
+                      <a:lumOff val="35000"/>
+                    </a:schemeClr>
+                  </a:solidFill>
+                  <a:latin typeface="+mn-lt"/>
+                  <a:ea typeface="+mn-ea"/>
+                  <a:cs typeface="+mn-cs"/>
+                </a:defRPr>
+              </a:pPr>
+              <a:endParaRPr lang="ja-JP"/>
+            </a:p>
+          </c:txPr>
+        </c:title>
+        <c:numFmt formatCode="General" sourceLinked="1"/>
+        <c:majorTickMark val="none"/>
+        <c:minorTickMark val="none"/>
+        <c:tickLblPos val="nextTo"/>
+        <c:spPr>
+          <a:noFill/>
+          <a:ln w="9525" cap="flat" cmpd="sng" algn="ctr">
+            <a:solidFill>
+              <a:schemeClr val="tx1">
+                <a:lumMod val="25000"/>
+                <a:lumOff val="75000"/>
+              </a:schemeClr>
+            </a:solidFill>
+            <a:round/>
+          </a:ln>
+          <a:effectLst/>
+        </c:spPr>
+        <c:txPr>
+          <a:bodyPr rot="-60000000" spcFirstLastPara="1" vertOverflow="ellipsis" vert="horz" wrap="square" anchor="ctr" anchorCtr="1"/>
+          <a:lstStyle/>
+          <a:p>
+            <a:pPr>
+              <a:defRPr sz="1197" b="0" i="0" u="none" strike="noStrike" kern="1200" baseline="0">
+                <a:solidFill>
+                  <a:schemeClr val="tx1">
+                    <a:lumMod val="65000"/>
+                    <a:lumOff val="35000"/>
+                  </a:schemeClr>
+                </a:solidFill>
+                <a:latin typeface="+mn-lt"/>
+                <a:ea typeface="+mn-ea"/>
+                <a:cs typeface="+mn-cs"/>
+              </a:defRPr>
+            </a:pPr>
+            <a:endParaRPr lang="ja-JP"/>
+          </a:p>
+        </c:txPr>
+        <c:crossAx val="1097783983"/>
+        <c:crosses val="autoZero"/>
+        <c:crossBetween val="midCat"/>
+      </c:valAx>
+      <c:valAx>
+        <c:axId val="1097783983"/>
+        <c:scaling>
+          <c:orientation val="minMax"/>
+        </c:scaling>
+        <c:delete val="0"/>
+        <c:axPos val="l"/>
+        <c:majorGridlines>
+          <c:spPr>
+            <a:ln w="9525" cap="flat" cmpd="sng" algn="ctr">
+              <a:solidFill>
+                <a:schemeClr val="tx1">
+                  <a:lumMod val="15000"/>
+                  <a:lumOff val="85000"/>
+                </a:schemeClr>
+              </a:solidFill>
+              <a:round/>
+            </a:ln>
+            <a:effectLst/>
+          </c:spPr>
+        </c:majorGridlines>
+        <c:title>
+          <c:tx>
+            <c:rich>
+              <a:bodyPr rot="-5400000" spcFirstLastPara="1" vertOverflow="ellipsis" vert="horz" wrap="square" anchor="ctr" anchorCtr="1"/>
+              <a:lstStyle/>
+              <a:p>
+                <a:pPr>
+                  <a:defRPr sz="1330" b="0" i="0" u="none" strike="noStrike" kern="1200" baseline="0">
+                    <a:solidFill>
+                      <a:schemeClr val="tx1">
+                        <a:lumMod val="65000"/>
+                        <a:lumOff val="35000"/>
+                      </a:schemeClr>
+                    </a:solidFill>
+                    <a:latin typeface="+mn-lt"/>
+                    <a:ea typeface="+mn-ea"/>
+                    <a:cs typeface="+mn-cs"/>
+                  </a:defRPr>
+                </a:pPr>
+                <a:r>
+                  <a:rPr lang="en-US" altLang="ja-JP" dirty="0"/>
+                  <a:t>Die</a:t>
+                </a:r>
+                <a:r>
+                  <a:rPr lang="ja-JP" altLang="en-US"/>
+                  <a:t>内部の粒子数</a:t>
+                </a:r>
+              </a:p>
+            </c:rich>
+          </c:tx>
+          <c:layout>
+            <c:manualLayout>
+              <c:xMode val="edge"/>
+              <c:yMode val="edge"/>
+              <c:x val="1.6666666666666666E-2"/>
+              <c:y val="0.25957652559055117"/>
+            </c:manualLayout>
+          </c:layout>
+          <c:overlay val="0"/>
+          <c:spPr>
+            <a:noFill/>
+            <a:ln>
+              <a:noFill/>
+            </a:ln>
+            <a:effectLst/>
+          </c:spPr>
+          <c:txPr>
+            <a:bodyPr rot="-5400000" spcFirstLastPara="1" vertOverflow="ellipsis" vert="horz" wrap="square" anchor="ctr" anchorCtr="1"/>
+            <a:lstStyle/>
+            <a:p>
+              <a:pPr>
+                <a:defRPr sz="1330" b="0" i="0" u="none" strike="noStrike" kern="1200" baseline="0">
+                  <a:solidFill>
+                    <a:schemeClr val="tx1">
+                      <a:lumMod val="65000"/>
+                      <a:lumOff val="35000"/>
+                    </a:schemeClr>
+                  </a:solidFill>
+                  <a:latin typeface="+mn-lt"/>
+                  <a:ea typeface="+mn-ea"/>
+                  <a:cs typeface="+mn-cs"/>
+                </a:defRPr>
+              </a:pPr>
+              <a:endParaRPr lang="ja-JP"/>
+            </a:p>
+          </c:txPr>
+        </c:title>
+        <c:numFmt formatCode="General" sourceLinked="1"/>
+        <c:majorTickMark val="none"/>
+        <c:minorTickMark val="none"/>
+        <c:tickLblPos val="nextTo"/>
+        <c:spPr>
+          <a:noFill/>
+          <a:ln w="9525" cap="flat" cmpd="sng" algn="ctr">
+            <a:solidFill>
+              <a:schemeClr val="tx1">
+                <a:lumMod val="25000"/>
+                <a:lumOff val="75000"/>
+              </a:schemeClr>
+            </a:solidFill>
+            <a:round/>
+          </a:ln>
+          <a:effectLst/>
+        </c:spPr>
+        <c:txPr>
+          <a:bodyPr rot="-60000000" spcFirstLastPara="1" vertOverflow="ellipsis" vert="horz" wrap="square" anchor="ctr" anchorCtr="1"/>
+          <a:lstStyle/>
+          <a:p>
+            <a:pPr>
+              <a:defRPr sz="1197" b="0" i="0" u="none" strike="noStrike" kern="1200" baseline="0">
+                <a:solidFill>
+                  <a:schemeClr val="tx1">
+                    <a:lumMod val="65000"/>
+                    <a:lumOff val="35000"/>
+                  </a:schemeClr>
+                </a:solidFill>
+                <a:latin typeface="+mn-lt"/>
+                <a:ea typeface="+mn-ea"/>
+                <a:cs typeface="+mn-cs"/>
+              </a:defRPr>
+            </a:pPr>
+            <a:endParaRPr lang="ja-JP"/>
+          </a:p>
+        </c:txPr>
+        <c:crossAx val="1097782287"/>
+        <c:crosses val="autoZero"/>
+        <c:crossBetween val="midCat"/>
+      </c:valAx>
+      <c:spPr>
+        <a:noFill/>
+        <a:ln>
+          <a:noFill/>
+        </a:ln>
+        <a:effectLst/>
+      </c:spPr>
+    </c:plotArea>
+    <c:plotVisOnly val="1"/>
+    <c:dispBlanksAs val="gap"/>
+    <c:extLst>
+      <c:ext xmlns:c16r3="http://schemas.microsoft.com/office/drawing/2017/03/chart" uri="{56B9EC1D-385E-4148-901F-78D8002777C0}">
+        <c16r3:dataDisplayOptions16>
+          <c16r3:dispNaAsBlank val="1"/>
+        </c16r3:dataDisplayOptions16>
+      </c:ext>
+    </c:extLst>
+    <c:showDLblsOverMax val="0"/>
+  </c:chart>
+  <c:spPr>
+    <a:noFill/>
+    <a:ln>
+      <a:noFill/>
+    </a:ln>
+    <a:effectLst/>
+  </c:spPr>
+  <c:txPr>
+    <a:bodyPr/>
+    <a:lstStyle/>
+    <a:p>
+      <a:pPr>
+        <a:defRPr/>
+      </a:pPr>
+      <a:endParaRPr lang="ja-JP"/>
+    </a:p>
+  </c:txPr>
+  <c:externalData r:id="rId3">
+    <c:autoUpdate val="0"/>
+  </c:externalData>
+</c:chartSpace>
+</file>
+
+<file path=ppt/charts/chart3.xml><?xml version="1.0" encoding="utf-8"?>
+<c:chartSpace xmlns:c="http://schemas.openxmlformats.org/drawingml/2006/chart" xmlns:a="http://schemas.openxmlformats.org/drawingml/2006/main" xmlns:r="http://schemas.openxmlformats.org/officeDocument/2006/relationships" xmlns:c16r2="http://schemas.microsoft.com/office/drawing/2015/06/chart">
+  <c:date1904 val="0"/>
+  <c:lang val="ja-JP"/>
+  <c:roundedCorners val="0"/>
+  <mc:AlternateContent xmlns:mc="http://schemas.openxmlformats.org/markup-compatibility/2006">
+    <mc:Choice xmlns:c14="http://schemas.microsoft.com/office/drawing/2007/8/2/chart" Requires="c14">
+      <c14:style val="102"/>
+    </mc:Choice>
+    <mc:Fallback>
+      <c:style val="2"/>
+    </mc:Fallback>
+  </mc:AlternateContent>
+  <c:chart>
     <c:title>
       <c:tx>
         <c:rich>
@@ -1336,6 +1730,46 @@
 </cs:colorStyle>
 </file>
 
+<file path=ppt/charts/colors3.xml><?xml version="1.0" encoding="utf-8"?>
+<cs:colorStyle xmlns:cs="http://schemas.microsoft.com/office/drawing/2012/chartStyle" xmlns:a="http://schemas.openxmlformats.org/drawingml/2006/main" meth="cycle" id="10">
+  <a:schemeClr val="accent1"/>
+  <a:schemeClr val="accent2"/>
+  <a:schemeClr val="accent3"/>
+  <a:schemeClr val="accent4"/>
+  <a:schemeClr val="accent5"/>
+  <a:schemeClr val="accent6"/>
+  <cs:variation/>
+  <cs:variation>
+    <a:lumMod val="60000"/>
+  </cs:variation>
+  <cs:variation>
+    <a:lumMod val="80000"/>
+    <a:lumOff val="20000"/>
+  </cs:variation>
+  <cs:variation>
+    <a:lumMod val="80000"/>
+  </cs:variation>
+  <cs:variation>
+    <a:lumMod val="60000"/>
+    <a:lumOff val="40000"/>
+  </cs:variation>
+  <cs:variation>
+    <a:lumMod val="50000"/>
+  </cs:variation>
+  <cs:variation>
+    <a:lumMod val="70000"/>
+    <a:lumOff val="30000"/>
+  </cs:variation>
+  <cs:variation>
+    <a:lumMod val="70000"/>
+  </cs:variation>
+  <cs:variation>
+    <a:lumMod val="50000"/>
+    <a:lumOff val="50000"/>
+  </cs:variation>
+</cs:colorStyle>
+</file>
+
 <file path=ppt/charts/style1.xml><?xml version="1.0" encoding="utf-8"?>
 <cs:chartStyle xmlns:cs="http://schemas.microsoft.com/office/drawing/2012/chartStyle" xmlns:a="http://schemas.openxmlformats.org/drawingml/2006/main" id="297">
   <cs:axisTitle>
@@ -1842,6 +2276,522 @@
 </file>
 
 <file path=ppt/charts/style2.xml><?xml version="1.0" encoding="utf-8"?>
+<cs:chartStyle xmlns:cs="http://schemas.microsoft.com/office/drawing/2012/chartStyle" xmlns:a="http://schemas.openxmlformats.org/drawingml/2006/main" id="240">
+  <cs:axisTitle>
+    <cs:lnRef idx="0"/>
+    <cs:fillRef idx="0"/>
+    <cs:effectRef idx="0"/>
+    <cs:fontRef idx="minor">
+      <a:schemeClr val="tx1">
+        <a:lumMod val="65000"/>
+        <a:lumOff val="35000"/>
+      </a:schemeClr>
+    </cs:fontRef>
+    <cs:defRPr sz="1330" kern="1200"/>
+  </cs:axisTitle>
+  <cs:categoryAxis>
+    <cs:lnRef idx="0"/>
+    <cs:fillRef idx="0"/>
+    <cs:effectRef idx="0"/>
+    <cs:fontRef idx="minor">
+      <a:schemeClr val="tx1">
+        <a:lumMod val="65000"/>
+        <a:lumOff val="35000"/>
+      </a:schemeClr>
+    </cs:fontRef>
+    <cs:spPr>
+      <a:ln w="9525" cap="flat" cmpd="sng" algn="ctr">
+        <a:solidFill>
+          <a:schemeClr val="tx1">
+            <a:lumMod val="25000"/>
+            <a:lumOff val="75000"/>
+          </a:schemeClr>
+        </a:solidFill>
+        <a:round/>
+      </a:ln>
+    </cs:spPr>
+    <cs:defRPr sz="1197" kern="1200"/>
+  </cs:categoryAxis>
+  <cs:chartArea mods="allowNoFillOverride allowNoLineOverride">
+    <cs:lnRef idx="0"/>
+    <cs:fillRef idx="0"/>
+    <cs:effectRef idx="0"/>
+    <cs:fontRef idx="minor">
+      <a:schemeClr val="tx1"/>
+    </cs:fontRef>
+    <cs:spPr>
+      <a:solidFill>
+        <a:schemeClr val="bg1"/>
+      </a:solidFill>
+      <a:ln w="9525" cap="flat" cmpd="sng" algn="ctr">
+        <a:solidFill>
+          <a:schemeClr val="tx1">
+            <a:lumMod val="15000"/>
+            <a:lumOff val="85000"/>
+          </a:schemeClr>
+        </a:solidFill>
+        <a:round/>
+      </a:ln>
+    </cs:spPr>
+    <cs:defRPr sz="1330" kern="1200"/>
+  </cs:chartArea>
+  <cs:dataLabel>
+    <cs:lnRef idx="0"/>
+    <cs:fillRef idx="0"/>
+    <cs:effectRef idx="0"/>
+    <cs:fontRef idx="minor">
+      <a:schemeClr val="tx1">
+        <a:lumMod val="75000"/>
+        <a:lumOff val="25000"/>
+      </a:schemeClr>
+    </cs:fontRef>
+    <cs:defRPr sz="1197" kern="1200"/>
+  </cs:dataLabel>
+  <cs:dataLabelCallout>
+    <cs:lnRef idx="0"/>
+    <cs:fillRef idx="0"/>
+    <cs:effectRef idx="0"/>
+    <cs:fontRef idx="minor">
+      <a:schemeClr val="dk1">
+        <a:lumMod val="65000"/>
+        <a:lumOff val="35000"/>
+      </a:schemeClr>
+    </cs:fontRef>
+    <cs:spPr>
+      <a:solidFill>
+        <a:schemeClr val="lt1"/>
+      </a:solidFill>
+      <a:ln>
+        <a:solidFill>
+          <a:schemeClr val="dk1">
+            <a:lumMod val="25000"/>
+            <a:lumOff val="75000"/>
+          </a:schemeClr>
+        </a:solidFill>
+      </a:ln>
+    </cs:spPr>
+    <cs:defRPr sz="1197" kern="1200"/>
+    <cs:bodyPr rot="0" spcFirstLastPara="1" vertOverflow="clip" horzOverflow="clip" vert="horz" wrap="square" lIns="36576" tIns="18288" rIns="36576" bIns="18288" anchor="ctr" anchorCtr="1">
+      <a:spAutoFit/>
+    </cs:bodyPr>
+  </cs:dataLabelCallout>
+  <cs:dataPoint>
+    <cs:lnRef idx="0"/>
+    <cs:fillRef idx="1">
+      <cs:styleClr val="auto"/>
+    </cs:fillRef>
+    <cs:effectRef idx="0"/>
+    <cs:fontRef idx="minor">
+      <a:schemeClr val="tx1"/>
+    </cs:fontRef>
+  </cs:dataPoint>
+  <cs:dataPoint3D>
+    <cs:lnRef idx="0"/>
+    <cs:fillRef idx="1">
+      <cs:styleClr val="auto"/>
+    </cs:fillRef>
+    <cs:effectRef idx="0"/>
+    <cs:fontRef idx="minor">
+      <a:schemeClr val="tx1"/>
+    </cs:fontRef>
+  </cs:dataPoint3D>
+  <cs:dataPointLine>
+    <cs:lnRef idx="0">
+      <cs:styleClr val="auto"/>
+    </cs:lnRef>
+    <cs:fillRef idx="1"/>
+    <cs:effectRef idx="0"/>
+    <cs:fontRef idx="minor">
+      <a:schemeClr val="tx1"/>
+    </cs:fontRef>
+    <cs:spPr>
+      <a:ln w="19050" cap="rnd">
+        <a:solidFill>
+          <a:schemeClr val="phClr"/>
+        </a:solidFill>
+        <a:round/>
+      </a:ln>
+    </cs:spPr>
+  </cs:dataPointLine>
+  <cs:dataPointMarker>
+    <cs:lnRef idx="0">
+      <cs:styleClr val="auto"/>
+    </cs:lnRef>
+    <cs:fillRef idx="1">
+      <cs:styleClr val="auto"/>
+    </cs:fillRef>
+    <cs:effectRef idx="0"/>
+    <cs:fontRef idx="minor">
+      <a:schemeClr val="tx1"/>
+    </cs:fontRef>
+    <cs:spPr>
+      <a:ln w="9525">
+        <a:solidFill>
+          <a:schemeClr val="phClr"/>
+        </a:solidFill>
+      </a:ln>
+    </cs:spPr>
+  </cs:dataPointMarker>
+  <cs:dataPointMarkerLayout symbol="circle" size="5"/>
+  <cs:dataPointWireframe>
+    <cs:lnRef idx="0">
+      <cs:styleClr val="auto"/>
+    </cs:lnRef>
+    <cs:fillRef idx="0"/>
+    <cs:effectRef idx="0"/>
+    <cs:fontRef idx="minor">
+      <a:schemeClr val="dk1"/>
+    </cs:fontRef>
+    <cs:spPr>
+      <a:ln w="9525" cap="rnd">
+        <a:solidFill>
+          <a:schemeClr val="phClr"/>
+        </a:solidFill>
+        <a:round/>
+      </a:ln>
+    </cs:spPr>
+  </cs:dataPointWireframe>
+  <cs:dataTable>
+    <cs:lnRef idx="0"/>
+    <cs:fillRef idx="0"/>
+    <cs:effectRef idx="0"/>
+    <cs:fontRef idx="minor">
+      <a:schemeClr val="tx1">
+        <a:lumMod val="65000"/>
+        <a:lumOff val="35000"/>
+      </a:schemeClr>
+    </cs:fontRef>
+    <cs:spPr>
+      <a:noFill/>
+      <a:ln w="9525" cap="flat" cmpd="sng" algn="ctr">
+        <a:solidFill>
+          <a:schemeClr val="tx1">
+            <a:lumMod val="15000"/>
+            <a:lumOff val="85000"/>
+          </a:schemeClr>
+        </a:solidFill>
+        <a:round/>
+      </a:ln>
+    </cs:spPr>
+    <cs:defRPr sz="1197" kern="1200"/>
+  </cs:dataTable>
+  <cs:downBar>
+    <cs:lnRef idx="0"/>
+    <cs:fillRef idx="0"/>
+    <cs:effectRef idx="0"/>
+    <cs:fontRef idx="minor">
+      <a:schemeClr val="tx1"/>
+    </cs:fontRef>
+    <cs:spPr>
+      <a:solidFill>
+        <a:schemeClr val="dk1">
+          <a:lumMod val="75000"/>
+          <a:lumOff val="25000"/>
+        </a:schemeClr>
+      </a:solidFill>
+      <a:ln w="9525" cap="flat" cmpd="sng" algn="ctr">
+        <a:solidFill>
+          <a:schemeClr val="tx1">
+            <a:lumMod val="65000"/>
+            <a:lumOff val="35000"/>
+          </a:schemeClr>
+        </a:solidFill>
+        <a:round/>
+      </a:ln>
+    </cs:spPr>
+  </cs:downBar>
+  <cs:dropLine>
+    <cs:lnRef idx="0"/>
+    <cs:fillRef idx="0"/>
+    <cs:effectRef idx="0"/>
+    <cs:fontRef idx="minor">
+      <a:schemeClr val="tx1"/>
+    </cs:fontRef>
+    <cs:spPr>
+      <a:ln w="9525" cap="flat" cmpd="sng" algn="ctr">
+        <a:solidFill>
+          <a:schemeClr val="tx1">
+            <a:lumMod val="35000"/>
+            <a:lumOff val="65000"/>
+          </a:schemeClr>
+        </a:solidFill>
+        <a:round/>
+      </a:ln>
+    </cs:spPr>
+  </cs:dropLine>
+  <cs:errorBar>
+    <cs:lnRef idx="0"/>
+    <cs:fillRef idx="0"/>
+    <cs:effectRef idx="0"/>
+    <cs:fontRef idx="minor">
+      <a:schemeClr val="tx1"/>
+    </cs:fontRef>
+    <cs:spPr>
+      <a:ln w="9525" cap="flat" cmpd="sng" algn="ctr">
+        <a:solidFill>
+          <a:schemeClr val="tx1">
+            <a:lumMod val="65000"/>
+            <a:lumOff val="35000"/>
+          </a:schemeClr>
+        </a:solidFill>
+        <a:round/>
+      </a:ln>
+    </cs:spPr>
+  </cs:errorBar>
+  <cs:floor>
+    <cs:lnRef idx="0"/>
+    <cs:fillRef idx="0"/>
+    <cs:effectRef idx="0"/>
+    <cs:fontRef idx="minor">
+      <a:schemeClr val="tx1"/>
+    </cs:fontRef>
+    <cs:spPr>
+      <a:noFill/>
+      <a:ln>
+        <a:noFill/>
+      </a:ln>
+    </cs:spPr>
+  </cs:floor>
+  <cs:gridlineMajor>
+    <cs:lnRef idx="0"/>
+    <cs:fillRef idx="0"/>
+    <cs:effectRef idx="0"/>
+    <cs:fontRef idx="minor">
+      <a:schemeClr val="tx1"/>
+    </cs:fontRef>
+    <cs:spPr>
+      <a:ln w="9525" cap="flat" cmpd="sng" algn="ctr">
+        <a:solidFill>
+          <a:schemeClr val="tx1">
+            <a:lumMod val="15000"/>
+            <a:lumOff val="85000"/>
+          </a:schemeClr>
+        </a:solidFill>
+        <a:round/>
+      </a:ln>
+    </cs:spPr>
+  </cs:gridlineMajor>
+  <cs:gridlineMinor>
+    <cs:lnRef idx="0"/>
+    <cs:fillRef idx="0"/>
+    <cs:effectRef idx="0"/>
+    <cs:fontRef idx="minor">
+      <a:schemeClr val="tx1"/>
+    </cs:fontRef>
+    <cs:spPr>
+      <a:ln w="9525" cap="flat" cmpd="sng" algn="ctr">
+        <a:solidFill>
+          <a:schemeClr val="tx1">
+            <a:lumMod val="5000"/>
+            <a:lumOff val="95000"/>
+          </a:schemeClr>
+        </a:solidFill>
+        <a:round/>
+      </a:ln>
+    </cs:spPr>
+  </cs:gridlineMinor>
+  <cs:hiLoLine>
+    <cs:lnRef idx="0"/>
+    <cs:fillRef idx="0"/>
+    <cs:effectRef idx="0"/>
+    <cs:fontRef idx="minor">
+      <a:schemeClr val="tx1"/>
+    </cs:fontRef>
+    <cs:spPr>
+      <a:ln w="9525" cap="flat" cmpd="sng" algn="ctr">
+        <a:solidFill>
+          <a:schemeClr val="tx1">
+            <a:lumMod val="50000"/>
+            <a:lumOff val="50000"/>
+          </a:schemeClr>
+        </a:solidFill>
+        <a:round/>
+      </a:ln>
+    </cs:spPr>
+  </cs:hiLoLine>
+  <cs:leaderLine>
+    <cs:lnRef idx="0"/>
+    <cs:fillRef idx="0"/>
+    <cs:effectRef idx="0"/>
+    <cs:fontRef idx="minor">
+      <a:schemeClr val="tx1"/>
+    </cs:fontRef>
+    <cs:spPr>
+      <a:ln w="9525" cap="flat" cmpd="sng" algn="ctr">
+        <a:solidFill>
+          <a:schemeClr val="tx1">
+            <a:lumMod val="35000"/>
+            <a:lumOff val="65000"/>
+          </a:schemeClr>
+        </a:solidFill>
+        <a:round/>
+      </a:ln>
+    </cs:spPr>
+  </cs:leaderLine>
+  <cs:legend>
+    <cs:lnRef idx="0"/>
+    <cs:fillRef idx="0"/>
+    <cs:effectRef idx="0"/>
+    <cs:fontRef idx="minor">
+      <a:schemeClr val="tx1">
+        <a:lumMod val="65000"/>
+        <a:lumOff val="35000"/>
+      </a:schemeClr>
+    </cs:fontRef>
+    <cs:defRPr sz="1197" kern="1200"/>
+  </cs:legend>
+  <cs:plotArea mods="allowNoFillOverride allowNoLineOverride">
+    <cs:lnRef idx="0"/>
+    <cs:fillRef idx="0"/>
+    <cs:effectRef idx="0"/>
+    <cs:fontRef idx="minor">
+      <a:schemeClr val="tx1"/>
+    </cs:fontRef>
+  </cs:plotArea>
+  <cs:plotArea3D mods="allowNoFillOverride allowNoLineOverride">
+    <cs:lnRef idx="0"/>
+    <cs:fillRef idx="0"/>
+    <cs:effectRef idx="0"/>
+    <cs:fontRef idx="minor">
+      <a:schemeClr val="tx1"/>
+    </cs:fontRef>
+  </cs:plotArea3D>
+  <cs:seriesAxis>
+    <cs:lnRef idx="0"/>
+    <cs:fillRef idx="0"/>
+    <cs:effectRef idx="0"/>
+    <cs:fontRef idx="minor">
+      <a:schemeClr val="tx1">
+        <a:lumMod val="65000"/>
+        <a:lumOff val="35000"/>
+      </a:schemeClr>
+    </cs:fontRef>
+    <cs:defRPr sz="1197" kern="1200"/>
+  </cs:seriesAxis>
+  <cs:seriesLine>
+    <cs:lnRef idx="0"/>
+    <cs:fillRef idx="0"/>
+    <cs:effectRef idx="0"/>
+    <cs:fontRef idx="minor">
+      <a:schemeClr val="tx1"/>
+    </cs:fontRef>
+    <cs:spPr>
+      <a:ln w="9525" cap="flat" cmpd="sng" algn="ctr">
+        <a:solidFill>
+          <a:schemeClr val="tx1">
+            <a:lumMod val="35000"/>
+            <a:lumOff val="65000"/>
+          </a:schemeClr>
+        </a:solidFill>
+        <a:round/>
+      </a:ln>
+    </cs:spPr>
+  </cs:seriesLine>
+  <cs:title>
+    <cs:lnRef idx="0"/>
+    <cs:fillRef idx="0"/>
+    <cs:effectRef idx="0"/>
+    <cs:fontRef idx="minor">
+      <a:schemeClr val="tx1">
+        <a:lumMod val="65000"/>
+        <a:lumOff val="35000"/>
+      </a:schemeClr>
+    </cs:fontRef>
+    <cs:defRPr sz="1862" b="0" kern="1200" spc="0" baseline="0"/>
+  </cs:title>
+  <cs:trendline>
+    <cs:lnRef idx="0">
+      <cs:styleClr val="auto"/>
+    </cs:lnRef>
+    <cs:fillRef idx="0"/>
+    <cs:effectRef idx="0"/>
+    <cs:fontRef idx="minor">
+      <a:schemeClr val="tx1"/>
+    </cs:fontRef>
+    <cs:spPr>
+      <a:ln w="19050" cap="rnd">
+        <a:solidFill>
+          <a:schemeClr val="phClr"/>
+        </a:solidFill>
+        <a:prstDash val="sysDot"/>
+      </a:ln>
+    </cs:spPr>
+  </cs:trendline>
+  <cs:trendlineLabel>
+    <cs:lnRef idx="0"/>
+    <cs:fillRef idx="0"/>
+    <cs:effectRef idx="0"/>
+    <cs:fontRef idx="minor">
+      <a:schemeClr val="tx1">
+        <a:lumMod val="65000"/>
+        <a:lumOff val="35000"/>
+      </a:schemeClr>
+    </cs:fontRef>
+    <cs:defRPr sz="1197" kern="1200"/>
+  </cs:trendlineLabel>
+  <cs:upBar>
+    <cs:lnRef idx="0"/>
+    <cs:fillRef idx="0"/>
+    <cs:effectRef idx="0"/>
+    <cs:fontRef idx="minor">
+      <a:schemeClr val="tx1"/>
+    </cs:fontRef>
+    <cs:spPr>
+      <a:solidFill>
+        <a:schemeClr val="lt1"/>
+      </a:solidFill>
+      <a:ln w="9525" cap="flat" cmpd="sng" algn="ctr">
+        <a:solidFill>
+          <a:schemeClr val="tx1">
+            <a:lumMod val="65000"/>
+            <a:lumOff val="35000"/>
+          </a:schemeClr>
+        </a:solidFill>
+        <a:round/>
+      </a:ln>
+    </cs:spPr>
+  </cs:upBar>
+  <cs:valueAxis>
+    <cs:lnRef idx="0"/>
+    <cs:fillRef idx="0"/>
+    <cs:effectRef idx="0"/>
+    <cs:fontRef idx="minor">
+      <a:schemeClr val="tx1">
+        <a:lumMod val="65000"/>
+        <a:lumOff val="35000"/>
+      </a:schemeClr>
+    </cs:fontRef>
+    <cs:spPr>
+      <a:ln w="9525" cap="flat" cmpd="sng" algn="ctr">
+        <a:solidFill>
+          <a:schemeClr val="tx1">
+            <a:lumMod val="25000"/>
+            <a:lumOff val="75000"/>
+          </a:schemeClr>
+        </a:solidFill>
+        <a:round/>
+      </a:ln>
+    </cs:spPr>
+    <cs:defRPr sz="1197" kern="1200"/>
+  </cs:valueAxis>
+  <cs:wall>
+    <cs:lnRef idx="0"/>
+    <cs:fillRef idx="0"/>
+    <cs:effectRef idx="0"/>
+    <cs:fontRef idx="minor">
+      <a:schemeClr val="tx1"/>
+    </cs:fontRef>
+    <cs:spPr>
+      <a:noFill/>
+      <a:ln>
+        <a:noFill/>
+      </a:ln>
+    </cs:spPr>
+  </cs:wall>
+</cs:chartStyle>
+</file>
+
+<file path=ppt/charts/style3.xml><?xml version="1.0" encoding="utf-8"?>
 <cs:chartStyle xmlns:cs="http://schemas.microsoft.com/office/drawing/2012/chartStyle" xmlns:a="http://schemas.openxmlformats.org/drawingml/2006/main" id="297">
   <cs:axisTitle>
     <cs:lnRef idx="0"/>
@@ -2428,7 +3378,7 @@
           <a:p>
             <a:fld id="{D052FF8A-4899-49C0-8C60-4DC8CBEDC3E6}" type="datetimeFigureOut">
               <a:rPr kumimoji="1" lang="ja-JP" altLang="en-US" smtClean="0"/>
-              <a:t>2018/7/30</a:t>
+              <a:t>2018/9/24</a:t>
             </a:fld>
             <a:endParaRPr kumimoji="1" lang="ja-JP" altLang="en-US"/>
           </a:p>
@@ -2889,7 +3839,7 @@
           <a:p>
             <a:fld id="{18DCCD61-643D-44A5-A450-3A42A50CBC1E}" type="datetimeFigureOut">
               <a:rPr lang="en-US" smtClean="0"/>
-              <a:t>7/30/18</a:t>
+              <a:t>9/24/18</a:t>
             </a:fld>
             <a:endParaRPr lang="en-US"/>
           </a:p>
@@ -3164,7 +4114,7 @@
           <a:p>
             <a:fld id="{18DCCD61-643D-44A5-A450-3A42A50CBC1E}" type="datetimeFigureOut">
               <a:rPr lang="en-US" smtClean="0"/>
-              <a:t>7/30/18</a:t>
+              <a:t>9/24/18</a:t>
             </a:fld>
             <a:endParaRPr lang="en-US"/>
           </a:p>
@@ -3416,7 +4366,7 @@
           <a:p>
             <a:fld id="{18DCCD61-643D-44A5-A450-3A42A50CBC1E}" type="datetimeFigureOut">
               <a:rPr lang="en-US" smtClean="0"/>
-              <a:t>7/30/18</a:t>
+              <a:t>9/24/18</a:t>
             </a:fld>
             <a:endParaRPr lang="en-US"/>
           </a:p>
@@ -3584,7 +4534,7 @@
           <a:p>
             <a:fld id="{18DCCD61-643D-44A5-A450-3A42A50CBC1E}" type="datetimeFigureOut">
               <a:rPr lang="en-US" smtClean="0"/>
-              <a:t>7/30/18</a:t>
+              <a:t>9/24/18</a:t>
             </a:fld>
             <a:endParaRPr lang="en-US"/>
           </a:p>
@@ -3762,7 +4712,7 @@
           <a:p>
             <a:fld id="{18DCCD61-643D-44A5-A450-3A42A50CBC1E}" type="datetimeFigureOut">
               <a:rPr lang="en-US" smtClean="0"/>
-              <a:t>7/30/18</a:t>
+              <a:t>9/24/18</a:t>
             </a:fld>
             <a:endParaRPr lang="en-US"/>
           </a:p>
@@ -4356,7 +5306,7 @@
           <a:p>
             <a:fld id="{18DCCD61-643D-44A5-A450-3A42A50CBC1E}" type="datetimeFigureOut">
               <a:rPr lang="en-US" smtClean="0"/>
-              <a:t>7/30/18</a:t>
+              <a:t>9/24/18</a:t>
             </a:fld>
             <a:endParaRPr lang="en-US"/>
           </a:p>
@@ -4524,7 +5474,7 @@
           <a:p>
             <a:fld id="{18DCCD61-643D-44A5-A450-3A42A50CBC1E}" type="datetimeFigureOut">
               <a:rPr lang="en-US" smtClean="0"/>
-              <a:t>7/30/18</a:t>
+              <a:t>9/24/18</a:t>
             </a:fld>
             <a:endParaRPr lang="en-US"/>
           </a:p>
@@ -4769,7 +5719,7 @@
           <a:p>
             <a:fld id="{18DCCD61-643D-44A5-A450-3A42A50CBC1E}" type="datetimeFigureOut">
               <a:rPr lang="en-US" smtClean="0"/>
-              <a:t>7/30/18</a:t>
+              <a:t>9/24/18</a:t>
             </a:fld>
             <a:endParaRPr lang="en-US"/>
           </a:p>
@@ -5054,7 +6004,7 @@
           <a:p>
             <a:fld id="{18DCCD61-643D-44A5-A450-3A42A50CBC1E}" type="datetimeFigureOut">
               <a:rPr lang="en-US" smtClean="0"/>
-              <a:t>7/30/18</a:t>
+              <a:t>9/24/18</a:t>
             </a:fld>
             <a:endParaRPr lang="en-US"/>
           </a:p>
@@ -5473,7 +6423,7 @@
           <a:p>
             <a:fld id="{18DCCD61-643D-44A5-A450-3A42A50CBC1E}" type="datetimeFigureOut">
               <a:rPr lang="en-US" smtClean="0"/>
-              <a:t>7/30/18</a:t>
+              <a:t>9/24/18</a:t>
             </a:fld>
             <a:endParaRPr lang="en-US"/>
           </a:p>
@@ -5590,7 +6540,7 @@
           <a:p>
             <a:fld id="{18DCCD61-643D-44A5-A450-3A42A50CBC1E}" type="datetimeFigureOut">
               <a:rPr lang="en-US" smtClean="0"/>
-              <a:t>7/30/18</a:t>
+              <a:t>9/24/18</a:t>
             </a:fld>
             <a:endParaRPr lang="en-US"/>
           </a:p>
@@ -6092,7 +7042,7 @@
           <a:p>
             <a:fld id="{18DCCD61-643D-44A5-A450-3A42A50CBC1E}" type="datetimeFigureOut">
               <a:rPr lang="en-US" smtClean="0"/>
-              <a:t>7/30/18</a:t>
+              <a:t>9/24/18</a:t>
             </a:fld>
             <a:endParaRPr lang="en-US"/>
           </a:p>
@@ -10124,6 +11074,173 @@
           <a:lstStyle/>
           <a:p>
             <a:r>
+              <a:rPr lang="en-US" altLang="ko-KR" dirty="0"/>
+              <a:t>Comparison, Suction velocity</a:t>
+            </a:r>
+            <a:endParaRPr lang="ko-KR" altLang="en-US" dirty="0"/>
+          </a:p>
+        </p:txBody>
+      </p:sp>
+      <p:sp>
+        <p:nvSpPr>
+          <p:cNvPr id="2" name="正方形/長方形 1"/>
+          <p:cNvSpPr/>
+          <p:nvPr/>
+        </p:nvSpPr>
+        <p:spPr>
+          <a:xfrm>
+            <a:off x="0" y="1086292"/>
+            <a:ext cx="9144000" cy="36000"/>
+          </a:xfrm>
+          <a:prstGeom prst="rect">
+            <a:avLst/>
+          </a:prstGeom>
+          <a:solidFill>
+            <a:srgbClr val="99DABA"/>
+          </a:solidFill>
+          <a:ln>
+            <a:noFill/>
+          </a:ln>
+        </p:spPr>
+        <p:style>
+          <a:lnRef idx="2">
+            <a:schemeClr val="accent1">
+              <a:shade val="50000"/>
+            </a:schemeClr>
+          </a:lnRef>
+          <a:fillRef idx="1">
+            <a:schemeClr val="accent1"/>
+          </a:fillRef>
+          <a:effectRef idx="0">
+            <a:schemeClr val="accent1"/>
+          </a:effectRef>
+          <a:fontRef idx="minor">
+            <a:schemeClr val="lt1"/>
+          </a:fontRef>
+        </p:style>
+        <p:txBody>
+          <a:bodyPr rtlCol="0" anchor="ctr"/>
+          <a:lstStyle/>
+          <a:p>
+            <a:pPr algn="ctr"/>
+            <a:endParaRPr kumimoji="1" lang="ja-JP" altLang="en-US"/>
+          </a:p>
+        </p:txBody>
+      </p:sp>
+      <p:sp>
+        <p:nvSpPr>
+          <p:cNvPr id="8" name="テキスト ボックス 7">
+            <a:extLst>
+              <a:ext uri="{FF2B5EF4-FFF2-40B4-BE49-F238E27FC236}">
+                <a16:creationId xmlns:a16="http://schemas.microsoft.com/office/drawing/2014/main" id="{093C528F-2820-7842-B097-0CEA13538469}"/>
+              </a:ext>
+            </a:extLst>
+          </p:cNvPr>
+          <p:cNvSpPr txBox="1"/>
+          <p:nvPr/>
+        </p:nvSpPr>
+        <p:spPr>
+          <a:xfrm>
+            <a:off x="251520" y="1340768"/>
+            <a:ext cx="4752528" cy="369332"/>
+          </a:xfrm>
+          <a:prstGeom prst="rect">
+            <a:avLst/>
+          </a:prstGeom>
+          <a:noFill/>
+        </p:spPr>
+        <p:txBody>
+          <a:bodyPr wrap="square" rtlCol="0">
+            <a:spAutoFit/>
+          </a:bodyPr>
+          <a:lstStyle/>
+          <a:p>
+            <a:r>
+              <a:rPr kumimoji="1" lang="en-US" altLang="ja-JP" dirty="0"/>
+              <a:t>Velocity – Die</a:t>
+            </a:r>
+            <a:r>
+              <a:rPr kumimoji="1" lang="ja-JP" altLang="en-US"/>
+              <a:t>内部の粒子数</a:t>
+            </a:r>
+            <a:endParaRPr kumimoji="1" lang="en-US" altLang="ja-JP" dirty="0"/>
+          </a:p>
+        </p:txBody>
+      </p:sp>
+      <p:graphicFrame>
+        <p:nvGraphicFramePr>
+          <p:cNvPr id="3" name="グラフ 2">
+            <a:extLst>
+              <a:ext uri="{FF2B5EF4-FFF2-40B4-BE49-F238E27FC236}">
+                <a16:creationId xmlns:a16="http://schemas.microsoft.com/office/drawing/2014/main" id="{CE328C13-7CB1-DB4C-9E12-49119544EAA9}"/>
+              </a:ext>
+            </a:extLst>
+          </p:cNvPr>
+          <p:cNvGraphicFramePr/>
+          <p:nvPr>
+            <p:extLst>
+              <p:ext uri="{D42A27DB-BD31-4B8C-83A1-F6EECF244321}">
+                <p14:modId xmlns:p14="http://schemas.microsoft.com/office/powerpoint/2010/main" val="1243859437"/>
+              </p:ext>
+            </p:extLst>
+          </p:nvPr>
+        </p:nvGraphicFramePr>
+        <p:xfrm>
+          <a:off x="1524000" y="1930549"/>
+          <a:ext cx="6096000" cy="4064000"/>
+        </p:xfrm>
+        <a:graphic>
+          <a:graphicData uri="http://schemas.openxmlformats.org/drawingml/2006/chart">
+            <c:chart xmlns:c="http://schemas.openxmlformats.org/drawingml/2006/chart" xmlns:r="http://schemas.openxmlformats.org/officeDocument/2006/relationships" r:id="rId2"/>
+          </a:graphicData>
+        </a:graphic>
+      </p:graphicFrame>
+    </p:spTree>
+    <p:extLst>
+      <p:ext uri="{BB962C8B-B14F-4D97-AF65-F5344CB8AC3E}">
+        <p14:creationId xmlns:p14="http://schemas.microsoft.com/office/powerpoint/2010/main" val="3702955252"/>
+      </p:ext>
+    </p:extLst>
+  </p:cSld>
+  <p:clrMapOvr>
+    <a:masterClrMapping/>
+  </p:clrMapOvr>
+</p:sld>
+</file>
+
+<file path=ppt/slides/slide14.xml><?xml version="1.0" encoding="utf-8"?>
+<p:sld xmlns:a="http://schemas.openxmlformats.org/drawingml/2006/main" xmlns:r="http://schemas.openxmlformats.org/officeDocument/2006/relationships" xmlns:p="http://schemas.openxmlformats.org/presentationml/2006/main">
+  <p:cSld>
+    <p:spTree>
+      <p:nvGrpSpPr>
+        <p:cNvPr id="1" name=""/>
+        <p:cNvGrpSpPr/>
+        <p:nvPr/>
+      </p:nvGrpSpPr>
+      <p:grpSpPr>
+        <a:xfrm>
+          <a:off x="0" y="0"/>
+          <a:ext cx="0" cy="0"/>
+          <a:chOff x="0" y="0"/>
+          <a:chExt cx="0" cy="0"/>
+        </a:xfrm>
+      </p:grpSpPr>
+      <p:sp>
+        <p:nvSpPr>
+          <p:cNvPr id="4" name="Title 3"/>
+          <p:cNvSpPr>
+            <a:spLocks noGrp="1"/>
+          </p:cNvSpPr>
+          <p:nvPr>
+            <p:ph type="title"/>
+          </p:nvPr>
+        </p:nvSpPr>
+        <p:spPr/>
+        <p:txBody>
+          <a:bodyPr/>
+          <a:lstStyle/>
+          <a:p>
+            <a:r>
               <a:rPr lang="ja-JP" altLang="en-US" dirty="0">
                 <a:latin typeface="メイリオ" panose="020B0604030504040204" pitchFamily="50" charset="-128"/>
                 <a:cs typeface="メイリオ" panose="020B0604030504040204" pitchFamily="50" charset="-128"/>
@@ -10374,7 +11491,7 @@
 </p:sld>
 </file>
 
-<file path=ppt/slides/slide14.xml><?xml version="1.0" encoding="utf-8"?>
+<file path=ppt/slides/slide15.xml><?xml version="1.0" encoding="utf-8"?>
 <p:sld xmlns:a="http://schemas.openxmlformats.org/drawingml/2006/main" xmlns:r="http://schemas.openxmlformats.org/officeDocument/2006/relationships" xmlns:p="http://schemas.openxmlformats.org/presentationml/2006/main">
   <p:cSld>
     <p:spTree>
@@ -12805,7 +13922,7 @@
 </p:sld>
 </file>
 
-<file path=ppt/slides/slide15.xml><?xml version="1.0" encoding="utf-8"?>
+<file path=ppt/slides/slide16.xml><?xml version="1.0" encoding="utf-8"?>
 <p:sld xmlns:a="http://schemas.openxmlformats.org/drawingml/2006/main" xmlns:r="http://schemas.openxmlformats.org/officeDocument/2006/relationships" xmlns:p="http://schemas.openxmlformats.org/presentationml/2006/main">
   <p:cSld>
     <p:spTree>
@@ -13088,7 +14205,7 @@
 </p:sld>
 </file>
 
-<file path=ppt/slides/slide16.xml><?xml version="1.0" encoding="utf-8"?>
+<file path=ppt/slides/slide17.xml><?xml version="1.0" encoding="utf-8"?>
 <p:sld xmlns:a="http://schemas.openxmlformats.org/drawingml/2006/main" xmlns:r="http://schemas.openxmlformats.org/officeDocument/2006/relationships" xmlns:p="http://schemas.openxmlformats.org/presentationml/2006/main">
   <p:cSld>
     <p:spTree>
@@ -13341,7 +14458,7 @@
 </p:sld>
 </file>
 
-<file path=ppt/slides/slide17.xml><?xml version="1.0" encoding="utf-8"?>
+<file path=ppt/slides/slide18.xml><?xml version="1.0" encoding="utf-8"?>
 <p:sld xmlns:a="http://schemas.openxmlformats.org/drawingml/2006/main" xmlns:r="http://schemas.openxmlformats.org/officeDocument/2006/relationships" xmlns:p="http://schemas.openxmlformats.org/presentationml/2006/main">
   <p:cSld>
     <p:spTree>
@@ -13461,7 +14578,7 @@
 </p:sld>
 </file>
 
-<file path=ppt/slides/slide18.xml><?xml version="1.0" encoding="utf-8"?>
+<file path=ppt/slides/slide19.xml><?xml version="1.0" encoding="utf-8"?>
 <p:sld xmlns:a="http://schemas.openxmlformats.org/drawingml/2006/main" xmlns:r="http://schemas.openxmlformats.org/officeDocument/2006/relationships" xmlns:p="http://schemas.openxmlformats.org/presentationml/2006/main">
   <p:cSld>
     <p:spTree>
@@ -13896,7 +15013,130 @@
 </p:sld>
 </file>
 
-<file path=ppt/slides/slide19.xml><?xml version="1.0" encoding="utf-8"?>
+<file path=ppt/slides/slide2.xml><?xml version="1.0" encoding="utf-8"?>
+<p:sld xmlns:a="http://schemas.openxmlformats.org/drawingml/2006/main" xmlns:r="http://schemas.openxmlformats.org/officeDocument/2006/relationships" xmlns:p="http://schemas.openxmlformats.org/presentationml/2006/main">
+  <p:cSld>
+    <p:spTree>
+      <p:nvGrpSpPr>
+        <p:cNvPr id="1" name=""/>
+        <p:cNvGrpSpPr/>
+        <p:nvPr/>
+      </p:nvGrpSpPr>
+      <p:grpSpPr>
+        <a:xfrm>
+          <a:off x="0" y="0"/>
+          <a:ext cx="0" cy="0"/>
+          <a:chOff x="0" y="0"/>
+          <a:chExt cx="0" cy="0"/>
+        </a:xfrm>
+      </p:grpSpPr>
+      <p:sp>
+        <p:nvSpPr>
+          <p:cNvPr id="5" name="正方形/長方形 4">
+            <a:extLst>
+              <a:ext uri="{FF2B5EF4-FFF2-40B4-BE49-F238E27FC236}">
+                <a16:creationId xmlns:a16="http://schemas.microsoft.com/office/drawing/2014/main" id="{24BDBAAB-565F-544E-8F79-2E06B1AC400F}"/>
+              </a:ext>
+            </a:extLst>
+          </p:cNvPr>
+          <p:cNvSpPr/>
+          <p:nvPr/>
+        </p:nvSpPr>
+        <p:spPr>
+          <a:xfrm>
+            <a:off x="0" y="2924944"/>
+            <a:ext cx="9144000" cy="936104"/>
+          </a:xfrm>
+          <a:prstGeom prst="rect">
+            <a:avLst/>
+          </a:prstGeom>
+          <a:solidFill>
+            <a:srgbClr val="99DABA">
+              <a:alpha val="60000"/>
+            </a:srgbClr>
+          </a:solidFill>
+          <a:ln>
+            <a:noFill/>
+          </a:ln>
+        </p:spPr>
+        <p:style>
+          <a:lnRef idx="2">
+            <a:schemeClr val="accent1">
+              <a:shade val="50000"/>
+            </a:schemeClr>
+          </a:lnRef>
+          <a:fillRef idx="1">
+            <a:schemeClr val="accent1"/>
+          </a:fillRef>
+          <a:effectRef idx="0">
+            <a:schemeClr val="accent1"/>
+          </a:effectRef>
+          <a:fontRef idx="minor">
+            <a:schemeClr val="lt1"/>
+          </a:fontRef>
+        </p:style>
+        <p:txBody>
+          <a:bodyPr rtlCol="0" anchor="ctr"/>
+          <a:lstStyle/>
+          <a:p>
+            <a:pPr algn="ctr"/>
+            <a:endParaRPr kumimoji="1" lang="ja-JP" altLang="en-US"/>
+          </a:p>
+        </p:txBody>
+      </p:sp>
+      <p:sp>
+        <p:nvSpPr>
+          <p:cNvPr id="3" name="コンテンツ プレースホルダー 2">
+            <a:extLst>
+              <a:ext uri="{FF2B5EF4-FFF2-40B4-BE49-F238E27FC236}">
+                <a16:creationId xmlns:a16="http://schemas.microsoft.com/office/drawing/2014/main" id="{57201CEF-5B54-EC41-97DF-2A5FDA9A8199}"/>
+              </a:ext>
+            </a:extLst>
+          </p:cNvPr>
+          <p:cNvSpPr>
+            <a:spLocks noGrp="1"/>
+          </p:cNvSpPr>
+          <p:nvPr>
+            <p:ph idx="1"/>
+          </p:nvPr>
+        </p:nvSpPr>
+        <p:spPr>
+          <a:xfrm>
+            <a:off x="2483768" y="2852936"/>
+            <a:ext cx="4053136" cy="964703"/>
+          </a:xfrm>
+        </p:spPr>
+        <p:txBody>
+          <a:bodyPr/>
+          <a:lstStyle/>
+          <a:p>
+            <a:pPr algn="ctr"/>
+            <a:r>
+              <a:rPr kumimoji="1" lang="en-US" altLang="ja-JP" sz="6000" dirty="0">
+                <a:latin typeface="+mj-lt"/>
+              </a:rPr>
+              <a:t>Parameters</a:t>
+            </a:r>
+            <a:endParaRPr kumimoji="1" lang="ja-JP" altLang="en-US" sz="6000">
+              <a:latin typeface="+mj-lt"/>
+            </a:endParaRPr>
+          </a:p>
+        </p:txBody>
+      </p:sp>
+    </p:spTree>
+    <p:extLst>
+      <p:ext uri="{BB962C8B-B14F-4D97-AF65-F5344CB8AC3E}">
+        <p14:creationId xmlns:p14="http://schemas.microsoft.com/office/powerpoint/2010/main" val="1674169932"/>
+      </p:ext>
+    </p:extLst>
+  </p:cSld>
+  <p:clrMapOvr>
+    <a:masterClrMapping/>
+  </p:clrMapOvr>
+</p:sld>
+</file>
+
+<file path=ppt/slides/slide20.xml><?xml version="1.0" encoding="utf-8"?>
 <p:sld xmlns:a="http://schemas.openxmlformats.org/drawingml/2006/main" xmlns:r="http://schemas.openxmlformats.org/officeDocument/2006/relationships" xmlns:p="http://schemas.openxmlformats.org/presentationml/2006/main">
   <p:cSld>
     <p:spTree>
@@ -14256,130 +15496,7 @@
 </p:sld>
 </file>
 
-<file path=ppt/slides/slide2.xml><?xml version="1.0" encoding="utf-8"?>
-<p:sld xmlns:a="http://schemas.openxmlformats.org/drawingml/2006/main" xmlns:r="http://schemas.openxmlformats.org/officeDocument/2006/relationships" xmlns:p="http://schemas.openxmlformats.org/presentationml/2006/main">
-  <p:cSld>
-    <p:spTree>
-      <p:nvGrpSpPr>
-        <p:cNvPr id="1" name=""/>
-        <p:cNvGrpSpPr/>
-        <p:nvPr/>
-      </p:nvGrpSpPr>
-      <p:grpSpPr>
-        <a:xfrm>
-          <a:off x="0" y="0"/>
-          <a:ext cx="0" cy="0"/>
-          <a:chOff x="0" y="0"/>
-          <a:chExt cx="0" cy="0"/>
-        </a:xfrm>
-      </p:grpSpPr>
-      <p:sp>
-        <p:nvSpPr>
-          <p:cNvPr id="5" name="正方形/長方形 4">
-            <a:extLst>
-              <a:ext uri="{FF2B5EF4-FFF2-40B4-BE49-F238E27FC236}">
-                <a16:creationId xmlns:a16="http://schemas.microsoft.com/office/drawing/2014/main" id="{24BDBAAB-565F-544E-8F79-2E06B1AC400F}"/>
-              </a:ext>
-            </a:extLst>
-          </p:cNvPr>
-          <p:cNvSpPr/>
-          <p:nvPr/>
-        </p:nvSpPr>
-        <p:spPr>
-          <a:xfrm>
-            <a:off x="0" y="2924944"/>
-            <a:ext cx="9144000" cy="936104"/>
-          </a:xfrm>
-          <a:prstGeom prst="rect">
-            <a:avLst/>
-          </a:prstGeom>
-          <a:solidFill>
-            <a:srgbClr val="99DABA">
-              <a:alpha val="60000"/>
-            </a:srgbClr>
-          </a:solidFill>
-          <a:ln>
-            <a:noFill/>
-          </a:ln>
-        </p:spPr>
-        <p:style>
-          <a:lnRef idx="2">
-            <a:schemeClr val="accent1">
-              <a:shade val="50000"/>
-            </a:schemeClr>
-          </a:lnRef>
-          <a:fillRef idx="1">
-            <a:schemeClr val="accent1"/>
-          </a:fillRef>
-          <a:effectRef idx="0">
-            <a:schemeClr val="accent1"/>
-          </a:effectRef>
-          <a:fontRef idx="minor">
-            <a:schemeClr val="lt1"/>
-          </a:fontRef>
-        </p:style>
-        <p:txBody>
-          <a:bodyPr rtlCol="0" anchor="ctr"/>
-          <a:lstStyle/>
-          <a:p>
-            <a:pPr algn="ctr"/>
-            <a:endParaRPr kumimoji="1" lang="ja-JP" altLang="en-US"/>
-          </a:p>
-        </p:txBody>
-      </p:sp>
-      <p:sp>
-        <p:nvSpPr>
-          <p:cNvPr id="3" name="コンテンツ プレースホルダー 2">
-            <a:extLst>
-              <a:ext uri="{FF2B5EF4-FFF2-40B4-BE49-F238E27FC236}">
-                <a16:creationId xmlns:a16="http://schemas.microsoft.com/office/drawing/2014/main" id="{57201CEF-5B54-EC41-97DF-2A5FDA9A8199}"/>
-              </a:ext>
-            </a:extLst>
-          </p:cNvPr>
-          <p:cNvSpPr>
-            <a:spLocks noGrp="1"/>
-          </p:cNvSpPr>
-          <p:nvPr>
-            <p:ph idx="1"/>
-          </p:nvPr>
-        </p:nvSpPr>
-        <p:spPr>
-          <a:xfrm>
-            <a:off x="2483768" y="2852936"/>
-            <a:ext cx="4053136" cy="964703"/>
-          </a:xfrm>
-        </p:spPr>
-        <p:txBody>
-          <a:bodyPr/>
-          <a:lstStyle/>
-          <a:p>
-            <a:pPr algn="ctr"/>
-            <a:r>
-              <a:rPr kumimoji="1" lang="en-US" altLang="ja-JP" sz="6000" dirty="0">
-                <a:latin typeface="+mj-lt"/>
-              </a:rPr>
-              <a:t>Parameters</a:t>
-            </a:r>
-            <a:endParaRPr kumimoji="1" lang="ja-JP" altLang="en-US" sz="6000">
-              <a:latin typeface="+mj-lt"/>
-            </a:endParaRPr>
-          </a:p>
-        </p:txBody>
-      </p:sp>
-    </p:spTree>
-    <p:extLst>
-      <p:ext uri="{BB962C8B-B14F-4D97-AF65-F5344CB8AC3E}">
-        <p14:creationId xmlns:p14="http://schemas.microsoft.com/office/powerpoint/2010/main" val="1674169932"/>
-      </p:ext>
-    </p:extLst>
-  </p:cSld>
-  <p:clrMapOvr>
-    <a:masterClrMapping/>
-  </p:clrMapOvr>
-</p:sld>
-</file>
-
-<file path=ppt/slides/slide20.xml><?xml version="1.0" encoding="utf-8"?>
+<file path=ppt/slides/slide21.xml><?xml version="1.0" encoding="utf-8"?>
 <p:sld xmlns:a="http://schemas.openxmlformats.org/drawingml/2006/main" xmlns:r="http://schemas.openxmlformats.org/officeDocument/2006/relationships" xmlns:p="http://schemas.openxmlformats.org/presentationml/2006/main">
   <p:cSld>
     <p:spTree>
@@ -14743,7 +15860,7 @@
 </p:sld>
 </file>
 
-<file path=ppt/slides/slide21.xml><?xml version="1.0" encoding="utf-8"?>
+<file path=ppt/slides/slide22.xml><?xml version="1.0" encoding="utf-8"?>
 <p:sld xmlns:a="http://schemas.openxmlformats.org/drawingml/2006/main" xmlns:r="http://schemas.openxmlformats.org/officeDocument/2006/relationships" xmlns:p="http://schemas.openxmlformats.org/presentationml/2006/main">
   <p:cSld>
     <p:spTree>
@@ -14905,7 +16022,7 @@
 </p:sld>
 </file>
 
-<file path=ppt/slides/slide22.xml><?xml version="1.0" encoding="utf-8"?>
+<file path=ppt/slides/slide23.xml><?xml version="1.0" encoding="utf-8"?>
 <p:sld xmlns:a="http://schemas.openxmlformats.org/drawingml/2006/main" xmlns:r="http://schemas.openxmlformats.org/officeDocument/2006/relationships" xmlns:p="http://schemas.openxmlformats.org/presentationml/2006/main">
   <p:cSld>
     <p:spTree>
@@ -17831,7 +18948,7 @@
 </p:sld>
 </file>
 
-<file path=ppt/slides/slide23.xml><?xml version="1.0" encoding="utf-8"?>
+<file path=ppt/slides/slide24.xml><?xml version="1.0" encoding="utf-8"?>
 <p:sld xmlns:a="http://schemas.openxmlformats.org/drawingml/2006/main" xmlns:r="http://schemas.openxmlformats.org/officeDocument/2006/relationships" xmlns:p="http://schemas.openxmlformats.org/presentationml/2006/main">
   <p:cSld>
     <p:spTree>
@@ -20314,7 +21431,7 @@
 </p:sld>
 </file>
 
-<file path=ppt/slides/slide24.xml><?xml version="1.0" encoding="utf-8"?>
+<file path=ppt/slides/slide25.xml><?xml version="1.0" encoding="utf-8"?>
 <p:sld xmlns:a="http://schemas.openxmlformats.org/drawingml/2006/main" xmlns:r="http://schemas.openxmlformats.org/officeDocument/2006/relationships" xmlns:p="http://schemas.openxmlformats.org/presentationml/2006/main">
   <p:cSld>
     <p:spTree>
@@ -20552,7 +21669,11 @@
             </a:r>
             <a:r>
               <a:rPr kumimoji="1" lang="en-US" altLang="ja-JP" dirty="0"/>
-              <a:t>-&gt; Saxon</a:t>
+              <a:t>-&gt; </a:t>
+            </a:r>
+            <a:r>
+              <a:rPr kumimoji="1" lang="en-US" altLang="ja-JP"/>
+              <a:t>Scution</a:t>
             </a:r>
             <a:r>
               <a:rPr kumimoji="1" lang="ja-JP" altLang="en-US" dirty="0"/>
